--- a/documentation/Презентация_v2 - ОЗТ.pptx
+++ b/documentation/Презентация_v2 - ОЗТ.pptx
@@ -4,6 +4,9 @@
   <p:sldMasterIdLst>
     <p:sldMasterId id="2147483648" r:id="rId1"/>
   </p:sldMasterIdLst>
+  <p:notesMasterIdLst>
+    <p:notesMasterId r:id="rId16"/>
+  </p:notesMasterIdLst>
   <p:sldIdLst>
     <p:sldId id="256" r:id="rId2"/>
     <p:sldId id="258" r:id="rId3"/>
@@ -11,13 +14,14 @@
     <p:sldId id="266" r:id="rId5"/>
     <p:sldId id="259" r:id="rId6"/>
     <p:sldId id="260" r:id="rId7"/>
-    <p:sldId id="265" r:id="rId8"/>
-    <p:sldId id="261" r:id="rId9"/>
-    <p:sldId id="262" r:id="rId10"/>
-    <p:sldId id="263" r:id="rId11"/>
-    <p:sldId id="264" r:id="rId12"/>
-    <p:sldId id="267" r:id="rId13"/>
-    <p:sldId id="268" r:id="rId14"/>
+    <p:sldId id="269" r:id="rId8"/>
+    <p:sldId id="265" r:id="rId9"/>
+    <p:sldId id="261" r:id="rId10"/>
+    <p:sldId id="262" r:id="rId11"/>
+    <p:sldId id="263" r:id="rId12"/>
+    <p:sldId id="264" r:id="rId13"/>
+    <p:sldId id="267" r:id="rId14"/>
+    <p:sldId id="268" r:id="rId15"/>
   </p:sldIdLst>
   <p:sldSz cx="12192000" cy="6858000"/>
   <p:notesSz cx="6858000" cy="9144000"/>
@@ -116,7 +120,458 @@
       </a:defRPr>
     </a:lvl9pPr>
   </p:defaultTextStyle>
+  <p:extLst>
+    <p:ext uri="{EFAFB233-063F-42B5-8137-9DF3F51BA10A}">
+      <p15:sldGuideLst xmlns:p15="http://schemas.microsoft.com/office/powerpoint/2012/main"/>
+    </p:ext>
+  </p:extLst>
 </p:presentation>
+</file>
+
+<file path=ppt/commentAuthors.xml><?xml version="1.0" encoding="utf-8"?>
+<p:cmAuthorLst xmlns:a="http://schemas.openxmlformats.org/drawingml/2006/main" xmlns:r="http://schemas.openxmlformats.org/officeDocument/2006/relationships" xmlns:p="http://schemas.openxmlformats.org/presentationml/2006/main">
+  <p:cmAuthor id="1" name="siyanaslavova@gmail.com" initials="s" lastIdx="4" clrIdx="0">
+    <p:extLst>
+      <p:ext uri="{19B8F6BF-5375-455C-9EA6-DF929625EA0E}">
+        <p15:presenceInfo xmlns:p15="http://schemas.microsoft.com/office/powerpoint/2012/main" userId="siyanaslavova@gmail.com" providerId="None"/>
+      </p:ext>
+    </p:extLst>
+  </p:cmAuthor>
+</p:cmAuthorLst>
+</file>
+
+<file path=ppt/notesMasters/notesMaster1.xml><?xml version="1.0" encoding="utf-8"?>
+<p:notesMaster xmlns:a="http://schemas.openxmlformats.org/drawingml/2006/main" xmlns:r="http://schemas.openxmlformats.org/officeDocument/2006/relationships" xmlns:p="http://schemas.openxmlformats.org/presentationml/2006/main">
+  <p:cSld>
+    <p:bg>
+      <p:bgRef idx="1001">
+        <a:schemeClr val="bg1"/>
+      </p:bgRef>
+    </p:bg>
+    <p:spTree>
+      <p:nvGrpSpPr>
+        <p:cNvPr id="1" name=""/>
+        <p:cNvGrpSpPr/>
+        <p:nvPr/>
+      </p:nvGrpSpPr>
+      <p:grpSpPr>
+        <a:xfrm>
+          <a:off x="0" y="0"/>
+          <a:ext cx="0" cy="0"/>
+          <a:chOff x="0" y="0"/>
+          <a:chExt cx="0" cy="0"/>
+        </a:xfrm>
+      </p:grpSpPr>
+      <p:sp>
+        <p:nvSpPr>
+          <p:cNvPr id="2" name="Контейнер за горния колонтитул 1"/>
+          <p:cNvSpPr>
+            <a:spLocks noGrp="1"/>
+          </p:cNvSpPr>
+          <p:nvPr>
+            <p:ph type="hdr" sz="quarter"/>
+          </p:nvPr>
+        </p:nvSpPr>
+        <p:spPr>
+          <a:xfrm>
+            <a:off x="0" y="0"/>
+            <a:ext cx="2971800" cy="458788"/>
+          </a:xfrm>
+          <a:prstGeom prst="rect">
+            <a:avLst/>
+          </a:prstGeom>
+        </p:spPr>
+        <p:txBody>
+          <a:bodyPr vert="horz" lIns="91440" tIns="45720" rIns="91440" bIns="45720" rtlCol="0"/>
+          <a:lstStyle>
+            <a:lvl1pPr algn="l">
+              <a:defRPr sz="1200"/>
+            </a:lvl1pPr>
+          </a:lstStyle>
+          <a:p>
+            <a:endParaRPr lang="bg-BG"/>
+          </a:p>
+        </p:txBody>
+      </p:sp>
+      <p:sp>
+        <p:nvSpPr>
+          <p:cNvPr id="3" name="Контейнер за дата 2"/>
+          <p:cNvSpPr>
+            <a:spLocks noGrp="1"/>
+          </p:cNvSpPr>
+          <p:nvPr>
+            <p:ph type="dt" idx="1"/>
+          </p:nvPr>
+        </p:nvSpPr>
+        <p:spPr>
+          <a:xfrm>
+            <a:off x="3884613" y="0"/>
+            <a:ext cx="2971800" cy="458788"/>
+          </a:xfrm>
+          <a:prstGeom prst="rect">
+            <a:avLst/>
+          </a:prstGeom>
+        </p:spPr>
+        <p:txBody>
+          <a:bodyPr vert="horz" lIns="91440" tIns="45720" rIns="91440" bIns="45720" rtlCol="0"/>
+          <a:lstStyle>
+            <a:lvl1pPr algn="r">
+              <a:defRPr sz="1200"/>
+            </a:lvl1pPr>
+          </a:lstStyle>
+          <a:p>
+            <a:fld id="{F71AC204-EDC8-4BB0-AD2A-924652005A5D}" type="datetimeFigureOut">
+              <a:rPr lang="bg-BG" smtClean="0"/>
+              <a:t>8.7.2016 г.</a:t>
+            </a:fld>
+            <a:endParaRPr lang="bg-BG"/>
+          </a:p>
+        </p:txBody>
+      </p:sp>
+      <p:sp>
+        <p:nvSpPr>
+          <p:cNvPr id="4" name="Контейнер за изображение на слайда 3"/>
+          <p:cNvSpPr>
+            <a:spLocks noGrp="1" noRot="1" noChangeAspect="1"/>
+          </p:cNvSpPr>
+          <p:nvPr>
+            <p:ph type="sldImg" idx="2"/>
+          </p:nvPr>
+        </p:nvSpPr>
+        <p:spPr>
+          <a:xfrm>
+            <a:off x="685800" y="1143000"/>
+            <a:ext cx="5486400" cy="3086100"/>
+          </a:xfrm>
+          <a:prstGeom prst="rect">
+            <a:avLst/>
+          </a:prstGeom>
+          <a:noFill/>
+          <a:ln w="12700">
+            <a:solidFill>
+              <a:prstClr val="black"/>
+            </a:solidFill>
+          </a:ln>
+        </p:spPr>
+        <p:txBody>
+          <a:bodyPr vert="horz" lIns="91440" tIns="45720" rIns="91440" bIns="45720" rtlCol="0" anchor="ctr"/>
+          <a:lstStyle/>
+          <a:p>
+            <a:endParaRPr lang="bg-BG"/>
+          </a:p>
+        </p:txBody>
+      </p:sp>
+      <p:sp>
+        <p:nvSpPr>
+          <p:cNvPr id="5" name="Контейнер за бележки 4"/>
+          <p:cNvSpPr>
+            <a:spLocks noGrp="1"/>
+          </p:cNvSpPr>
+          <p:nvPr>
+            <p:ph type="body" sz="quarter" idx="3"/>
+          </p:nvPr>
+        </p:nvSpPr>
+        <p:spPr>
+          <a:xfrm>
+            <a:off x="685800" y="4400550"/>
+            <a:ext cx="5486400" cy="3600450"/>
+          </a:xfrm>
+          <a:prstGeom prst="rect">
+            <a:avLst/>
+          </a:prstGeom>
+        </p:spPr>
+        <p:txBody>
+          <a:bodyPr vert="horz" lIns="91440" tIns="45720" rIns="91440" bIns="45720" rtlCol="0"/>
+          <a:lstStyle/>
+          <a:p>
+            <a:pPr lvl="0"/>
+            <a:r>
+              <a:rPr lang="bg-BG" smtClean="0"/>
+              <a:t>Редактиране на стиловете на текста в образеца</a:t>
+            </a:r>
+          </a:p>
+          <a:p>
+            <a:pPr lvl="1"/>
+            <a:r>
+              <a:rPr lang="bg-BG" smtClean="0"/>
+              <a:t>Второ ниво</a:t>
+            </a:r>
+          </a:p>
+          <a:p>
+            <a:pPr lvl="2"/>
+            <a:r>
+              <a:rPr lang="bg-BG" smtClean="0"/>
+              <a:t>Трето ниво</a:t>
+            </a:r>
+          </a:p>
+          <a:p>
+            <a:pPr lvl="3"/>
+            <a:r>
+              <a:rPr lang="bg-BG" smtClean="0"/>
+              <a:t>Четвърто ниво</a:t>
+            </a:r>
+          </a:p>
+          <a:p>
+            <a:pPr lvl="4"/>
+            <a:r>
+              <a:rPr lang="bg-BG" smtClean="0"/>
+              <a:t>Пето ниво</a:t>
+            </a:r>
+            <a:endParaRPr lang="bg-BG"/>
+          </a:p>
+        </p:txBody>
+      </p:sp>
+      <p:sp>
+        <p:nvSpPr>
+          <p:cNvPr id="6" name="Контейнер за долния колонтитул 5"/>
+          <p:cNvSpPr>
+            <a:spLocks noGrp="1"/>
+          </p:cNvSpPr>
+          <p:nvPr>
+            <p:ph type="ftr" sz="quarter" idx="4"/>
+          </p:nvPr>
+        </p:nvSpPr>
+        <p:spPr>
+          <a:xfrm>
+            <a:off x="0" y="8685213"/>
+            <a:ext cx="2971800" cy="458787"/>
+          </a:xfrm>
+          <a:prstGeom prst="rect">
+            <a:avLst/>
+          </a:prstGeom>
+        </p:spPr>
+        <p:txBody>
+          <a:bodyPr vert="horz" lIns="91440" tIns="45720" rIns="91440" bIns="45720" rtlCol="0" anchor="b"/>
+          <a:lstStyle>
+            <a:lvl1pPr algn="l">
+              <a:defRPr sz="1200"/>
+            </a:lvl1pPr>
+          </a:lstStyle>
+          <a:p>
+            <a:endParaRPr lang="bg-BG"/>
+          </a:p>
+        </p:txBody>
+      </p:sp>
+      <p:sp>
+        <p:nvSpPr>
+          <p:cNvPr id="7" name="Контейнер за номер на слайда 6"/>
+          <p:cNvSpPr>
+            <a:spLocks noGrp="1"/>
+          </p:cNvSpPr>
+          <p:nvPr>
+            <p:ph type="sldNum" sz="quarter" idx="5"/>
+          </p:nvPr>
+        </p:nvSpPr>
+        <p:spPr>
+          <a:xfrm>
+            <a:off x="3884613" y="8685213"/>
+            <a:ext cx="2971800" cy="458787"/>
+          </a:xfrm>
+          <a:prstGeom prst="rect">
+            <a:avLst/>
+          </a:prstGeom>
+        </p:spPr>
+        <p:txBody>
+          <a:bodyPr vert="horz" lIns="91440" tIns="45720" rIns="91440" bIns="45720" rtlCol="0" anchor="b"/>
+          <a:lstStyle>
+            <a:lvl1pPr algn="r">
+              <a:defRPr sz="1200"/>
+            </a:lvl1pPr>
+          </a:lstStyle>
+          <a:p>
+            <a:fld id="{66015946-2655-4954-B417-6BEF6F72C2B5}" type="slidenum">
+              <a:rPr lang="bg-BG" smtClean="0"/>
+              <a:t>‹#›</a:t>
+            </a:fld>
+            <a:endParaRPr lang="bg-BG"/>
+          </a:p>
+        </p:txBody>
+      </p:sp>
+    </p:spTree>
+    <p:extLst>
+      <p:ext uri="{BB962C8B-B14F-4D97-AF65-F5344CB8AC3E}">
+        <p14:creationId xmlns:p14="http://schemas.microsoft.com/office/powerpoint/2010/main" val="1695117515"/>
+      </p:ext>
+    </p:extLst>
+  </p:cSld>
+  <p:clrMap bg1="lt1" tx1="dk1" bg2="lt2" tx2="dk2" accent1="accent1" accent2="accent2" accent3="accent3" accent4="accent4" accent5="accent5" accent6="accent6" hlink="hlink" folHlink="folHlink"/>
+  <p:notesStyle>
+    <a:lvl1pPr marL="0" algn="l" defTabSz="914400" rtl="0" eaLnBrk="1" latinLnBrk="0" hangingPunct="1">
+      <a:defRPr sz="1200" kern="1200">
+        <a:solidFill>
+          <a:schemeClr val="tx1"/>
+        </a:solidFill>
+        <a:latin typeface="+mn-lt"/>
+        <a:ea typeface="+mn-ea"/>
+        <a:cs typeface="+mn-cs"/>
+      </a:defRPr>
+    </a:lvl1pPr>
+    <a:lvl2pPr marL="457200" algn="l" defTabSz="914400" rtl="0" eaLnBrk="1" latinLnBrk="0" hangingPunct="1">
+      <a:defRPr sz="1200" kern="1200">
+        <a:solidFill>
+          <a:schemeClr val="tx1"/>
+        </a:solidFill>
+        <a:latin typeface="+mn-lt"/>
+        <a:ea typeface="+mn-ea"/>
+        <a:cs typeface="+mn-cs"/>
+      </a:defRPr>
+    </a:lvl2pPr>
+    <a:lvl3pPr marL="914400" algn="l" defTabSz="914400" rtl="0" eaLnBrk="1" latinLnBrk="0" hangingPunct="1">
+      <a:defRPr sz="1200" kern="1200">
+        <a:solidFill>
+          <a:schemeClr val="tx1"/>
+        </a:solidFill>
+        <a:latin typeface="+mn-lt"/>
+        <a:ea typeface="+mn-ea"/>
+        <a:cs typeface="+mn-cs"/>
+      </a:defRPr>
+    </a:lvl3pPr>
+    <a:lvl4pPr marL="1371600" algn="l" defTabSz="914400" rtl="0" eaLnBrk="1" latinLnBrk="0" hangingPunct="1">
+      <a:defRPr sz="1200" kern="1200">
+        <a:solidFill>
+          <a:schemeClr val="tx1"/>
+        </a:solidFill>
+        <a:latin typeface="+mn-lt"/>
+        <a:ea typeface="+mn-ea"/>
+        <a:cs typeface="+mn-cs"/>
+      </a:defRPr>
+    </a:lvl4pPr>
+    <a:lvl5pPr marL="1828800" algn="l" defTabSz="914400" rtl="0" eaLnBrk="1" latinLnBrk="0" hangingPunct="1">
+      <a:defRPr sz="1200" kern="1200">
+        <a:solidFill>
+          <a:schemeClr val="tx1"/>
+        </a:solidFill>
+        <a:latin typeface="+mn-lt"/>
+        <a:ea typeface="+mn-ea"/>
+        <a:cs typeface="+mn-cs"/>
+      </a:defRPr>
+    </a:lvl5pPr>
+    <a:lvl6pPr marL="2286000" algn="l" defTabSz="914400" rtl="0" eaLnBrk="1" latinLnBrk="0" hangingPunct="1">
+      <a:defRPr sz="1200" kern="1200">
+        <a:solidFill>
+          <a:schemeClr val="tx1"/>
+        </a:solidFill>
+        <a:latin typeface="+mn-lt"/>
+        <a:ea typeface="+mn-ea"/>
+        <a:cs typeface="+mn-cs"/>
+      </a:defRPr>
+    </a:lvl6pPr>
+    <a:lvl7pPr marL="2743200" algn="l" defTabSz="914400" rtl="0" eaLnBrk="1" latinLnBrk="0" hangingPunct="1">
+      <a:defRPr sz="1200" kern="1200">
+        <a:solidFill>
+          <a:schemeClr val="tx1"/>
+        </a:solidFill>
+        <a:latin typeface="+mn-lt"/>
+        <a:ea typeface="+mn-ea"/>
+        <a:cs typeface="+mn-cs"/>
+      </a:defRPr>
+    </a:lvl7pPr>
+    <a:lvl8pPr marL="3200400" algn="l" defTabSz="914400" rtl="0" eaLnBrk="1" latinLnBrk="0" hangingPunct="1">
+      <a:defRPr sz="1200" kern="1200">
+        <a:solidFill>
+          <a:schemeClr val="tx1"/>
+        </a:solidFill>
+        <a:latin typeface="+mn-lt"/>
+        <a:ea typeface="+mn-ea"/>
+        <a:cs typeface="+mn-cs"/>
+      </a:defRPr>
+    </a:lvl8pPr>
+    <a:lvl9pPr marL="3657600" algn="l" defTabSz="914400" rtl="0" eaLnBrk="1" latinLnBrk="0" hangingPunct="1">
+      <a:defRPr sz="1200" kern="1200">
+        <a:solidFill>
+          <a:schemeClr val="tx1"/>
+        </a:solidFill>
+        <a:latin typeface="+mn-lt"/>
+        <a:ea typeface="+mn-ea"/>
+        <a:cs typeface="+mn-cs"/>
+      </a:defRPr>
+    </a:lvl9pPr>
+  </p:notesStyle>
+</p:notesMaster>
+</file>
+
+<file path=ppt/notesSlides/notesSlide1.xml><?xml version="1.0" encoding="utf-8"?>
+<p:notes xmlns:a="http://schemas.openxmlformats.org/drawingml/2006/main" xmlns:r="http://schemas.openxmlformats.org/officeDocument/2006/relationships" xmlns:p="http://schemas.openxmlformats.org/presentationml/2006/main">
+  <p:cSld>
+    <p:spTree>
+      <p:nvGrpSpPr>
+        <p:cNvPr id="1" name=""/>
+        <p:cNvGrpSpPr/>
+        <p:nvPr/>
+      </p:nvGrpSpPr>
+      <p:grpSpPr>
+        <a:xfrm>
+          <a:off x="0" y="0"/>
+          <a:ext cx="0" cy="0"/>
+          <a:chOff x="0" y="0"/>
+          <a:chExt cx="0" cy="0"/>
+        </a:xfrm>
+      </p:grpSpPr>
+      <p:sp>
+        <p:nvSpPr>
+          <p:cNvPr id="2" name="Контейнер за изображение на слайда 1"/>
+          <p:cNvSpPr>
+            <a:spLocks noGrp="1" noRot="1" noChangeAspect="1"/>
+          </p:cNvSpPr>
+          <p:nvPr>
+            <p:ph type="sldImg"/>
+          </p:nvPr>
+        </p:nvSpPr>
+        <p:spPr/>
+      </p:sp>
+      <p:sp>
+        <p:nvSpPr>
+          <p:cNvPr id="3" name="Контейнер за бележки 2"/>
+          <p:cNvSpPr>
+            <a:spLocks noGrp="1"/>
+          </p:cNvSpPr>
+          <p:nvPr>
+            <p:ph type="body" idx="1"/>
+          </p:nvPr>
+        </p:nvSpPr>
+        <p:spPr/>
+        <p:txBody>
+          <a:bodyPr/>
+          <a:lstStyle/>
+          <a:p>
+            <a:endParaRPr lang="bg-BG" dirty="0"/>
+          </a:p>
+        </p:txBody>
+      </p:sp>
+      <p:sp>
+        <p:nvSpPr>
+          <p:cNvPr id="4" name="Контейнер за номер на слайда 3"/>
+          <p:cNvSpPr>
+            <a:spLocks noGrp="1"/>
+          </p:cNvSpPr>
+          <p:nvPr>
+            <p:ph type="sldNum" sz="quarter" idx="10"/>
+          </p:nvPr>
+        </p:nvSpPr>
+        <p:spPr/>
+        <p:txBody>
+          <a:bodyPr/>
+          <a:lstStyle/>
+          <a:p>
+            <a:fld id="{66015946-2655-4954-B417-6BEF6F72C2B5}" type="slidenum">
+              <a:rPr lang="bg-BG" smtClean="0"/>
+              <a:t>7</a:t>
+            </a:fld>
+            <a:endParaRPr lang="bg-BG"/>
+          </a:p>
+        </p:txBody>
+      </p:sp>
+    </p:spTree>
+    <p:extLst>
+      <p:ext uri="{BB962C8B-B14F-4D97-AF65-F5344CB8AC3E}">
+        <p14:creationId xmlns:p14="http://schemas.microsoft.com/office/powerpoint/2010/main" val="3156103983"/>
+      </p:ext>
+    </p:extLst>
+  </p:cSld>
+  <p:clrMapOvr>
+    <a:masterClrMapping/>
+  </p:clrMapOvr>
+</p:notes>
 </file>
 
 <file path=ppt/slideLayouts/slideLayout1.xml><?xml version="1.0" encoding="utf-8"?>
@@ -250,7 +705,7 @@
           <a:p>
             <a:fld id="{4D74DCA7-5B67-463B-8595-46BF50DFC0C8}" type="datetimeFigureOut">
               <a:rPr lang="bg-BG" smtClean="0"/>
-              <a:t>7.7.2016 г.</a:t>
+              <a:t>8.7.2016 г.</a:t>
             </a:fld>
             <a:endParaRPr lang="bg-BG"/>
           </a:p>
@@ -420,7 +875,7 @@
           <a:p>
             <a:fld id="{4D74DCA7-5B67-463B-8595-46BF50DFC0C8}" type="datetimeFigureOut">
               <a:rPr lang="bg-BG" smtClean="0"/>
-              <a:t>7.7.2016 г.</a:t>
+              <a:t>8.7.2016 г.</a:t>
             </a:fld>
             <a:endParaRPr lang="bg-BG"/>
           </a:p>
@@ -600,7 +1055,7 @@
           <a:p>
             <a:fld id="{4D74DCA7-5B67-463B-8595-46BF50DFC0C8}" type="datetimeFigureOut">
               <a:rPr lang="bg-BG" smtClean="0"/>
-              <a:t>7.7.2016 г.</a:t>
+              <a:t>8.7.2016 г.</a:t>
             </a:fld>
             <a:endParaRPr lang="bg-BG"/>
           </a:p>
@@ -770,7 +1225,7 @@
           <a:p>
             <a:fld id="{4D74DCA7-5B67-463B-8595-46BF50DFC0C8}" type="datetimeFigureOut">
               <a:rPr lang="bg-BG" smtClean="0"/>
-              <a:t>7.7.2016 г.</a:t>
+              <a:t>8.7.2016 г.</a:t>
             </a:fld>
             <a:endParaRPr lang="bg-BG"/>
           </a:p>
@@ -1016,7 +1471,7 @@
           <a:p>
             <a:fld id="{4D74DCA7-5B67-463B-8595-46BF50DFC0C8}" type="datetimeFigureOut">
               <a:rPr lang="bg-BG" smtClean="0"/>
-              <a:t>7.7.2016 г.</a:t>
+              <a:t>8.7.2016 г.</a:t>
             </a:fld>
             <a:endParaRPr lang="bg-BG"/>
           </a:p>
@@ -1248,7 +1703,7 @@
           <a:p>
             <a:fld id="{4D74DCA7-5B67-463B-8595-46BF50DFC0C8}" type="datetimeFigureOut">
               <a:rPr lang="bg-BG" smtClean="0"/>
-              <a:t>7.7.2016 г.</a:t>
+              <a:t>8.7.2016 г.</a:t>
             </a:fld>
             <a:endParaRPr lang="bg-BG"/>
           </a:p>
@@ -1615,7 +2070,7 @@
           <a:p>
             <a:fld id="{4D74DCA7-5B67-463B-8595-46BF50DFC0C8}" type="datetimeFigureOut">
               <a:rPr lang="bg-BG" smtClean="0"/>
-              <a:t>7.7.2016 г.</a:t>
+              <a:t>8.7.2016 г.</a:t>
             </a:fld>
             <a:endParaRPr lang="bg-BG"/>
           </a:p>
@@ -1733,7 +2188,7 @@
           <a:p>
             <a:fld id="{4D74DCA7-5B67-463B-8595-46BF50DFC0C8}" type="datetimeFigureOut">
               <a:rPr lang="bg-BG" smtClean="0"/>
-              <a:t>7.7.2016 г.</a:t>
+              <a:t>8.7.2016 г.</a:t>
             </a:fld>
             <a:endParaRPr lang="bg-BG"/>
           </a:p>
@@ -1828,7 +2283,7 @@
           <a:p>
             <a:fld id="{4D74DCA7-5B67-463B-8595-46BF50DFC0C8}" type="datetimeFigureOut">
               <a:rPr lang="bg-BG" smtClean="0"/>
-              <a:t>7.7.2016 г.</a:t>
+              <a:t>8.7.2016 г.</a:t>
             </a:fld>
             <a:endParaRPr lang="bg-BG"/>
           </a:p>
@@ -2105,7 +2560,7 @@
           <a:p>
             <a:fld id="{4D74DCA7-5B67-463B-8595-46BF50DFC0C8}" type="datetimeFigureOut">
               <a:rPr lang="bg-BG" smtClean="0"/>
-              <a:t>7.7.2016 г.</a:t>
+              <a:t>8.7.2016 г.</a:t>
             </a:fld>
             <a:endParaRPr lang="bg-BG"/>
           </a:p>
@@ -2358,7 +2813,7 @@
           <a:p>
             <a:fld id="{4D74DCA7-5B67-463B-8595-46BF50DFC0C8}" type="datetimeFigureOut">
               <a:rPr lang="bg-BG" smtClean="0"/>
-              <a:t>7.7.2016 г.</a:t>
+              <a:t>8.7.2016 г.</a:t>
             </a:fld>
             <a:endParaRPr lang="bg-BG"/>
           </a:p>
@@ -2571,7 +3026,7 @@
           <a:p>
             <a:fld id="{4D74DCA7-5B67-463B-8595-46BF50DFC0C8}" type="datetimeFigureOut">
               <a:rPr lang="bg-BG" smtClean="0"/>
-              <a:t>7.7.2016 г.</a:t>
+              <a:t>8.7.2016 г.</a:t>
             </a:fld>
             <a:endParaRPr lang="bg-BG"/>
           </a:p>
@@ -3409,6 +3864,514 @@
         </p:nvSpPr>
         <p:spPr>
           <a:xfrm>
+            <a:off x="0" y="3495425"/>
+            <a:ext cx="4379495" cy="4351338"/>
+          </a:xfrm>
+        </p:spPr>
+        <p:txBody>
+          <a:bodyPr/>
+          <a:lstStyle/>
+          <a:p>
+            <a:pPr marL="0" indent="0">
+              <a:buNone/>
+            </a:pPr>
+            <a:r>
+              <a:rPr lang="en-US" dirty="0" err="1"/>
+              <a:t>Статистика</a:t>
+            </a:r>
+            <a:r>
+              <a:rPr lang="en-US" dirty="0"/>
+              <a:t> </a:t>
+            </a:r>
+            <a:r>
+              <a:rPr lang="en-US" dirty="0" err="1"/>
+              <a:t>за</a:t>
+            </a:r>
+            <a:r>
+              <a:rPr lang="en-US" dirty="0"/>
+              <a:t> </a:t>
+            </a:r>
+            <a:r>
+              <a:rPr lang="en-US" dirty="0" err="1"/>
+              <a:t>положителните</a:t>
+            </a:r>
+            <a:r>
+              <a:rPr lang="en-US" dirty="0"/>
+              <a:t> </a:t>
+            </a:r>
+            <a:r>
+              <a:rPr lang="en-US" dirty="0" err="1"/>
+              <a:t>коментари</a:t>
+            </a:r>
+            <a:endParaRPr lang="bg-BG" dirty="0"/>
+          </a:p>
+          <a:p>
+            <a:pPr marL="0" indent="0">
+              <a:buNone/>
+            </a:pPr>
+            <a:r>
+              <a:rPr lang="en-US" dirty="0"/>
+              <a:t>-------------------------------------- </a:t>
+            </a:r>
+            <a:endParaRPr lang="bg-BG" dirty="0"/>
+          </a:p>
+          <a:p>
+            <a:pPr marL="0" indent="0">
+              <a:buNone/>
+            </a:pPr>
+            <a:r>
+              <a:rPr lang="en-US" dirty="0"/>
+              <a:t>Precision positive: 0,83333 </a:t>
+            </a:r>
+            <a:endParaRPr lang="bg-BG" dirty="0"/>
+          </a:p>
+          <a:p>
+            <a:pPr marL="0" indent="0">
+              <a:buNone/>
+            </a:pPr>
+            <a:r>
+              <a:rPr lang="en-US" dirty="0"/>
+              <a:t>Recall positive: 0,50000 </a:t>
+            </a:r>
+            <a:endParaRPr lang="bg-BG" dirty="0"/>
+          </a:p>
+          <a:p>
+            <a:pPr marL="0" indent="0">
+              <a:buNone/>
+            </a:pPr>
+            <a:r>
+              <a:rPr lang="en-US" dirty="0"/>
+              <a:t>F1 positive: 0,62500 </a:t>
+            </a:r>
+            <a:endParaRPr lang="bg-BG" dirty="0"/>
+          </a:p>
+          <a:p>
+            <a:pPr marL="0" indent="0">
+              <a:buNone/>
+            </a:pPr>
+            <a:r>
+              <a:rPr lang="en-US" dirty="0"/>
+              <a:t>-------------------------------------- </a:t>
+            </a:r>
+            <a:endParaRPr lang="bg-BG" dirty="0"/>
+          </a:p>
+          <a:p>
+            <a:endParaRPr lang="bg-BG" dirty="0"/>
+          </a:p>
+        </p:txBody>
+      </p:sp>
+      <p:sp>
+        <p:nvSpPr>
+          <p:cNvPr id="7" name="Текстово поле 6"/>
+          <p:cNvSpPr txBox="1"/>
+          <p:nvPr/>
+        </p:nvSpPr>
+        <p:spPr>
+          <a:xfrm>
+            <a:off x="4235116" y="3495425"/>
+            <a:ext cx="4403558" cy="3448123"/>
+          </a:xfrm>
+          <a:prstGeom prst="rect">
+            <a:avLst/>
+          </a:prstGeom>
+          <a:noFill/>
+        </p:spPr>
+        <p:txBody>
+          <a:bodyPr wrap="square" rtlCol="0">
+            <a:spAutoFit/>
+          </a:bodyPr>
+          <a:lstStyle/>
+          <a:p>
+            <a:pPr>
+              <a:lnSpc>
+                <a:spcPct val="90000"/>
+              </a:lnSpc>
+              <a:spcBef>
+                <a:spcPts val="1000"/>
+              </a:spcBef>
+            </a:pPr>
+            <a:r>
+              <a:rPr lang="en-US" sz="2800" dirty="0" err="1"/>
+              <a:t>Статистика</a:t>
+            </a:r>
+            <a:r>
+              <a:rPr lang="en-US" sz="2800" dirty="0"/>
+              <a:t> </a:t>
+            </a:r>
+            <a:r>
+              <a:rPr lang="en-US" sz="2800" dirty="0" err="1"/>
+              <a:t>за</a:t>
+            </a:r>
+            <a:r>
+              <a:rPr lang="en-US" sz="2800" dirty="0"/>
+              <a:t> </a:t>
+            </a:r>
+            <a:r>
+              <a:rPr lang="en-US" sz="2800" dirty="0" err="1"/>
+              <a:t>негативните</a:t>
+            </a:r>
+            <a:r>
+              <a:rPr lang="en-US" sz="2800" dirty="0"/>
+              <a:t> </a:t>
+            </a:r>
+            <a:r>
+              <a:rPr lang="en-US" sz="2800" dirty="0" err="1"/>
+              <a:t>коментари</a:t>
+            </a:r>
+            <a:endParaRPr lang="bg-BG" sz="2800" dirty="0"/>
+          </a:p>
+          <a:p>
+            <a:pPr>
+              <a:lnSpc>
+                <a:spcPct val="90000"/>
+              </a:lnSpc>
+              <a:spcBef>
+                <a:spcPts val="1000"/>
+              </a:spcBef>
+            </a:pPr>
+            <a:r>
+              <a:rPr lang="en-US" sz="2800" dirty="0" smtClean="0"/>
+              <a:t>------------------------------------ </a:t>
+            </a:r>
+            <a:endParaRPr lang="bg-BG" sz="2800" dirty="0"/>
+          </a:p>
+          <a:p>
+            <a:pPr>
+              <a:lnSpc>
+                <a:spcPct val="90000"/>
+              </a:lnSpc>
+              <a:spcBef>
+                <a:spcPts val="1000"/>
+              </a:spcBef>
+            </a:pPr>
+            <a:r>
+              <a:rPr lang="en-US" sz="2800" dirty="0"/>
+              <a:t>Precision negative: 0,56140 </a:t>
+            </a:r>
+            <a:endParaRPr lang="bg-BG" sz="2800" dirty="0"/>
+          </a:p>
+          <a:p>
+            <a:pPr>
+              <a:lnSpc>
+                <a:spcPct val="90000"/>
+              </a:lnSpc>
+              <a:spcBef>
+                <a:spcPts val="1000"/>
+              </a:spcBef>
+            </a:pPr>
+            <a:r>
+              <a:rPr lang="en-US" sz="2800" dirty="0"/>
+              <a:t>Recall negative: 0,86486 </a:t>
+            </a:r>
+            <a:endParaRPr lang="bg-BG" sz="2800" dirty="0"/>
+          </a:p>
+          <a:p>
+            <a:pPr>
+              <a:lnSpc>
+                <a:spcPct val="90000"/>
+              </a:lnSpc>
+              <a:spcBef>
+                <a:spcPts val="1000"/>
+              </a:spcBef>
+            </a:pPr>
+            <a:r>
+              <a:rPr lang="en-US" sz="2800" dirty="0"/>
+              <a:t>F1 negative: 0,68085 </a:t>
+            </a:r>
+            <a:endParaRPr lang="bg-BG" sz="2800" dirty="0"/>
+          </a:p>
+          <a:p>
+            <a:pPr>
+              <a:lnSpc>
+                <a:spcPct val="90000"/>
+              </a:lnSpc>
+              <a:spcBef>
+                <a:spcPts val="1000"/>
+              </a:spcBef>
+            </a:pPr>
+            <a:r>
+              <a:rPr lang="en-US" sz="2800" dirty="0" smtClean="0"/>
+              <a:t>------------------------------------ </a:t>
+            </a:r>
+            <a:endParaRPr lang="bg-BG" sz="2800" dirty="0"/>
+          </a:p>
+        </p:txBody>
+      </p:sp>
+      <p:sp>
+        <p:nvSpPr>
+          <p:cNvPr id="8" name="Текстово поле 7"/>
+          <p:cNvSpPr txBox="1"/>
+          <p:nvPr/>
+        </p:nvSpPr>
+        <p:spPr>
+          <a:xfrm>
+            <a:off x="8325852" y="3495425"/>
+            <a:ext cx="4259179" cy="3725122"/>
+          </a:xfrm>
+          <a:prstGeom prst="rect">
+            <a:avLst/>
+          </a:prstGeom>
+          <a:noFill/>
+        </p:spPr>
+        <p:txBody>
+          <a:bodyPr wrap="square" rtlCol="0">
+            <a:spAutoFit/>
+          </a:bodyPr>
+          <a:lstStyle/>
+          <a:p>
+            <a:pPr>
+              <a:lnSpc>
+                <a:spcPct val="90000"/>
+              </a:lnSpc>
+              <a:spcBef>
+                <a:spcPts val="1000"/>
+              </a:spcBef>
+            </a:pPr>
+            <a:r>
+              <a:rPr lang="en-US" sz="2800" dirty="0" err="1"/>
+              <a:t>Статистика</a:t>
+            </a:r>
+            <a:r>
+              <a:rPr lang="en-US" sz="2800" dirty="0"/>
+              <a:t> </a:t>
+            </a:r>
+            <a:r>
+              <a:rPr lang="en-US" sz="2800" dirty="0" err="1"/>
+              <a:t>за</a:t>
+            </a:r>
+            <a:r>
+              <a:rPr lang="en-US" sz="2800" dirty="0"/>
+              <a:t> </a:t>
+            </a:r>
+            <a:r>
+              <a:rPr lang="en-US" sz="2800" dirty="0" err="1"/>
+              <a:t>всички</a:t>
+            </a:r>
+            <a:r>
+              <a:rPr lang="en-US" sz="2800" dirty="0"/>
+              <a:t> </a:t>
+            </a:r>
+            <a:r>
+              <a:rPr lang="en-US" sz="2800" dirty="0" err="1"/>
+              <a:t>коментари</a:t>
+            </a:r>
+            <a:endParaRPr lang="bg-BG" sz="2800" dirty="0"/>
+          </a:p>
+          <a:p>
+            <a:pPr>
+              <a:lnSpc>
+                <a:spcPct val="90000"/>
+              </a:lnSpc>
+              <a:spcBef>
+                <a:spcPts val="1000"/>
+              </a:spcBef>
+            </a:pPr>
+            <a:r>
+              <a:rPr lang="en-US" sz="2800" dirty="0" smtClean="0"/>
+              <a:t>--------------------------------- </a:t>
+            </a:r>
+            <a:endParaRPr lang="bg-BG" sz="2800" dirty="0"/>
+          </a:p>
+          <a:p>
+            <a:pPr>
+              <a:lnSpc>
+                <a:spcPct val="90000"/>
+              </a:lnSpc>
+              <a:spcBef>
+                <a:spcPts val="1000"/>
+              </a:spcBef>
+            </a:pPr>
+            <a:r>
+              <a:rPr lang="en-US" sz="2800" dirty="0"/>
+              <a:t>Precision overall : 0,65517 </a:t>
+            </a:r>
+            <a:endParaRPr lang="bg-BG" sz="2800" dirty="0"/>
+          </a:p>
+          <a:p>
+            <a:pPr>
+              <a:lnSpc>
+                <a:spcPct val="90000"/>
+              </a:lnSpc>
+              <a:spcBef>
+                <a:spcPts val="1000"/>
+              </a:spcBef>
+            </a:pPr>
+            <a:r>
+              <a:rPr lang="en-US" sz="2800" dirty="0"/>
+              <a:t>Recall overall : 0,65517 </a:t>
+            </a:r>
+            <a:endParaRPr lang="bg-BG" sz="2800" dirty="0"/>
+          </a:p>
+          <a:p>
+            <a:pPr>
+              <a:lnSpc>
+                <a:spcPct val="90000"/>
+              </a:lnSpc>
+              <a:spcBef>
+                <a:spcPts val="1000"/>
+              </a:spcBef>
+            </a:pPr>
+            <a:r>
+              <a:rPr lang="en-US" sz="2800" dirty="0"/>
+              <a:t>F1 overall : 0,65517 </a:t>
+            </a:r>
+            <a:endParaRPr lang="bg-BG" sz="2800" dirty="0"/>
+          </a:p>
+          <a:p>
+            <a:pPr>
+              <a:lnSpc>
+                <a:spcPct val="90000"/>
+              </a:lnSpc>
+              <a:spcBef>
+                <a:spcPts val="1000"/>
+              </a:spcBef>
+            </a:pPr>
+            <a:r>
+              <a:rPr lang="en-US" sz="2800" dirty="0" smtClean="0"/>
+              <a:t>--------------------------------- </a:t>
+            </a:r>
+            <a:endParaRPr lang="bg-BG" sz="2800" dirty="0"/>
+          </a:p>
+          <a:p>
+            <a:endParaRPr lang="bg-BG" dirty="0"/>
+          </a:p>
+        </p:txBody>
+      </p:sp>
+      <p:sp>
+        <p:nvSpPr>
+          <p:cNvPr id="9" name="Текстово поле 8"/>
+          <p:cNvSpPr txBox="1"/>
+          <p:nvPr/>
+        </p:nvSpPr>
+        <p:spPr>
+          <a:xfrm>
+            <a:off x="539416" y="1352134"/>
+            <a:ext cx="11113168" cy="954107"/>
+          </a:xfrm>
+          <a:prstGeom prst="rect">
+            <a:avLst/>
+          </a:prstGeom>
+          <a:noFill/>
+        </p:spPr>
+        <p:txBody>
+          <a:bodyPr wrap="square" rtlCol="0">
+            <a:spAutoFit/>
+          </a:bodyPr>
+          <a:lstStyle/>
+          <a:p>
+            <a:pPr marL="457200" indent="-457200">
+              <a:buFont typeface="Arial" panose="020B0604020202020204" pitchFamily="34" charset="0"/>
+              <a:buChar char="•"/>
+            </a:pPr>
+            <a:r>
+              <a:rPr lang="bg-BG" sz="2800" dirty="0"/>
+              <a:t>Тестване с коментари върху класификатора, трениран с обучаващо множество на български език от версия 1 (170 коментара) :</a:t>
+            </a:r>
+          </a:p>
+        </p:txBody>
+      </p:sp>
+      <p:pic>
+        <p:nvPicPr>
+          <p:cNvPr id="10" name="Картина 9"/>
+          <p:cNvPicPr>
+            <a:picLocks noChangeAspect="1"/>
+          </p:cNvPicPr>
+          <p:nvPr/>
+        </p:nvPicPr>
+        <p:blipFill>
+          <a:blip r:embed="rId2">
+            <a:extLst>
+              <a:ext uri="{28A0092B-C50C-407E-A947-70E740481C1C}">
+                <a14:useLocalDpi xmlns:a14="http://schemas.microsoft.com/office/drawing/2010/main" val="0"/>
+              </a:ext>
+            </a:extLst>
+          </a:blip>
+          <a:stretch>
+            <a:fillRect/>
+          </a:stretch>
+        </p:blipFill>
+        <p:spPr>
+          <a:xfrm>
+            <a:off x="9964152" y="1829187"/>
+            <a:ext cx="1688432" cy="1688432"/>
+          </a:xfrm>
+          <a:prstGeom prst="rect">
+            <a:avLst/>
+          </a:prstGeom>
+        </p:spPr>
+      </p:pic>
+    </p:spTree>
+    <p:extLst>
+      <p:ext uri="{BB962C8B-B14F-4D97-AF65-F5344CB8AC3E}">
+        <p14:creationId xmlns:p14="http://schemas.microsoft.com/office/powerpoint/2010/main" val="3915308906"/>
+      </p:ext>
+    </p:extLst>
+  </p:cSld>
+  <p:clrMapOvr>
+    <a:masterClrMapping/>
+  </p:clrMapOvr>
+  <p:timing>
+    <p:tnLst>
+      <p:par>
+        <p:cTn id="1" dur="indefinite" restart="never" nodeType="tmRoot"/>
+      </p:par>
+    </p:tnLst>
+  </p:timing>
+</p:sld>
+</file>
+
+<file path=ppt/slides/slide11.xml><?xml version="1.0" encoding="utf-8"?>
+<p:sld xmlns:a="http://schemas.openxmlformats.org/drawingml/2006/main" xmlns:r="http://schemas.openxmlformats.org/officeDocument/2006/relationships" xmlns:p="http://schemas.openxmlformats.org/presentationml/2006/main">
+  <p:cSld>
+    <p:spTree>
+      <p:nvGrpSpPr>
+        <p:cNvPr id="1" name=""/>
+        <p:cNvGrpSpPr/>
+        <p:nvPr/>
+      </p:nvGrpSpPr>
+      <p:grpSpPr>
+        <a:xfrm>
+          <a:off x="0" y="0"/>
+          <a:ext cx="0" cy="0"/>
+          <a:chOff x="0" y="0"/>
+          <a:chExt cx="0" cy="0"/>
+        </a:xfrm>
+      </p:grpSpPr>
+      <p:sp>
+        <p:nvSpPr>
+          <p:cNvPr id="2" name="Заглавие 1"/>
+          <p:cNvSpPr>
+            <a:spLocks noGrp="1"/>
+          </p:cNvSpPr>
+          <p:nvPr>
+            <p:ph type="title"/>
+          </p:nvPr>
+        </p:nvSpPr>
+        <p:spPr/>
+        <p:txBody>
+          <a:bodyPr/>
+          <a:lstStyle/>
+          <a:p>
+            <a:r>
+              <a:rPr lang="bg-BG" dirty="0" smtClean="0"/>
+              <a:t>Резултати</a:t>
+            </a:r>
+            <a:endParaRPr lang="bg-BG" dirty="0"/>
+          </a:p>
+        </p:txBody>
+      </p:sp>
+      <p:sp>
+        <p:nvSpPr>
+          <p:cNvPr id="3" name="Контейнер за съдържание 2"/>
+          <p:cNvSpPr>
+            <a:spLocks noGrp="1"/>
+          </p:cNvSpPr>
+          <p:nvPr>
+            <p:ph idx="1"/>
+          </p:nvPr>
+        </p:nvSpPr>
+        <p:spPr>
+          <a:xfrm>
             <a:off x="838200" y="1825625"/>
             <a:ext cx="10515600" cy="1567280"/>
           </a:xfrm>
@@ -4068,7 +5031,7 @@
 </p:sld>
 </file>
 
-<file path=ppt/slides/slide11.xml><?xml version="1.0" encoding="utf-8"?>
+<file path=ppt/slides/slide12.xml><?xml version="1.0" encoding="utf-8"?>
 <p:sld xmlns:a="http://schemas.openxmlformats.org/drawingml/2006/main" xmlns:r="http://schemas.openxmlformats.org/officeDocument/2006/relationships" xmlns:p="http://schemas.openxmlformats.org/presentationml/2006/main">
   <p:cSld>
     <p:spTree>
@@ -4884,7 +5847,7 @@
 </p:sld>
 </file>
 
-<file path=ppt/slides/slide12.xml><?xml version="1.0" encoding="utf-8"?>
+<file path=ppt/slides/slide13.xml><?xml version="1.0" encoding="utf-8"?>
 <p:sld xmlns:a="http://schemas.openxmlformats.org/drawingml/2006/main" xmlns:r="http://schemas.openxmlformats.org/officeDocument/2006/relationships" xmlns:p="http://schemas.openxmlformats.org/presentationml/2006/main">
   <p:cSld>
     <p:spTree>
@@ -5186,7 +6149,7 @@
 </p:sld>
 </file>
 
-<file path=ppt/slides/slide13.xml><?xml version="1.0" encoding="utf-8"?>
+<file path=ppt/slides/slide14.xml><?xml version="1.0" encoding="utf-8"?>
 <p:sld xmlns:a="http://schemas.openxmlformats.org/drawingml/2006/main" xmlns:r="http://schemas.openxmlformats.org/officeDocument/2006/relationships" xmlns:p="http://schemas.openxmlformats.org/presentationml/2006/main">
   <p:cSld>
     <p:spTree>
@@ -5621,7 +6584,7 @@
             </a:r>
             <a:r>
               <a:rPr lang="bg-BG" dirty="0" smtClean="0"/>
-              <a:t>ги преведохме</a:t>
+              <a:t>ги използвахме за обучение</a:t>
             </a:r>
           </a:p>
           <a:p>
@@ -5846,8 +6809,12 @@
           </a:p>
           <a:p>
             <a:r>
+              <a:rPr lang="bg-BG" dirty="0"/>
+              <a:t>Нека автоматично </a:t>
+            </a:r>
+            <a:r>
               <a:rPr lang="bg-BG" dirty="0" smtClean="0"/>
-              <a:t>Нека си направим наши класификатори.</a:t>
+              <a:t>си генерираме данни.</a:t>
             </a:r>
             <a:endParaRPr lang="bg-BG" dirty="0"/>
           </a:p>
@@ -5875,8 +6842,8 @@
         </p:blipFill>
         <p:spPr>
           <a:xfrm>
-            <a:off x="6833936" y="2513708"/>
-            <a:ext cx="5574631" cy="4344292"/>
+            <a:off x="7479395" y="3294529"/>
+            <a:ext cx="4572675" cy="3563471"/>
           </a:xfrm>
           <a:prstGeom prst="rect">
             <a:avLst/>
@@ -6147,7 +7114,7 @@
             <a:pPr lvl="1"/>
             <a:r>
               <a:rPr lang="bg-BG" dirty="0" smtClean="0"/>
-              <a:t>Преведохме българските некласифицирани коментари от БГ мама</a:t>
+              <a:t>Преведохме част от българските некласифицирани коментари от БГ мама</a:t>
             </a:r>
             <a:endParaRPr lang="en-US" dirty="0" smtClean="0"/>
           </a:p>
@@ -6161,7 +7128,6 @@
               <a:rPr lang="bg-BG" dirty="0" smtClean="0"/>
               <a:t>коментара</a:t>
             </a:r>
-            <a:endParaRPr lang="bg-BG" dirty="0" smtClean="0"/>
           </a:p>
           <a:p>
             <a:pPr lvl="1"/>
@@ -6249,6 +7215,619 @@
       </p:grpSpPr>
       <p:sp>
         <p:nvSpPr>
+          <p:cNvPr id="5" name="Закръглен правоъгълник 4"/>
+          <p:cNvSpPr/>
+          <p:nvPr/>
+        </p:nvSpPr>
+        <p:spPr>
+          <a:xfrm>
+            <a:off x="726178" y="4723455"/>
+            <a:ext cx="2662518" cy="1021977"/>
+          </a:xfrm>
+          <a:prstGeom prst="roundRect">
+            <a:avLst/>
+          </a:prstGeom>
+        </p:spPr>
+        <p:style>
+          <a:lnRef idx="2">
+            <a:schemeClr val="accent1">
+              <a:shade val="50000"/>
+            </a:schemeClr>
+          </a:lnRef>
+          <a:fillRef idx="1">
+            <a:schemeClr val="accent1"/>
+          </a:fillRef>
+          <a:effectRef idx="0">
+            <a:schemeClr val="accent1"/>
+          </a:effectRef>
+          <a:fontRef idx="minor">
+            <a:schemeClr val="lt1"/>
+          </a:fontRef>
+        </p:style>
+        <p:txBody>
+          <a:bodyPr rtlCol="0" anchor="ctr"/>
+          <a:lstStyle/>
+          <a:p>
+            <a:pPr algn="ctr"/>
+            <a:r>
+              <a:rPr lang="bg-BG" dirty="0" smtClean="0"/>
+              <a:t>БГ некласифицирани коментари</a:t>
+            </a:r>
+            <a:endParaRPr lang="bg-BG" dirty="0"/>
+          </a:p>
+        </p:txBody>
+      </p:sp>
+      <p:sp>
+        <p:nvSpPr>
+          <p:cNvPr id="6" name="Закръглен правоъгълник 5"/>
+          <p:cNvSpPr/>
+          <p:nvPr/>
+        </p:nvSpPr>
+        <p:spPr>
+          <a:xfrm>
+            <a:off x="8583743" y="4723455"/>
+            <a:ext cx="2662518" cy="1021977"/>
+          </a:xfrm>
+          <a:prstGeom prst="roundRect">
+            <a:avLst/>
+          </a:prstGeom>
+        </p:spPr>
+        <p:style>
+          <a:lnRef idx="2">
+            <a:schemeClr val="accent1">
+              <a:shade val="50000"/>
+            </a:schemeClr>
+          </a:lnRef>
+          <a:fillRef idx="1">
+            <a:schemeClr val="accent1"/>
+          </a:fillRef>
+          <a:effectRef idx="0">
+            <a:schemeClr val="accent1"/>
+          </a:effectRef>
+          <a:fontRef idx="minor">
+            <a:schemeClr val="lt1"/>
+          </a:fontRef>
+        </p:style>
+        <p:txBody>
+          <a:bodyPr rtlCol="0" anchor="ctr"/>
+          <a:lstStyle/>
+          <a:p>
+            <a:pPr algn="ctr"/>
+            <a:r>
+              <a:rPr lang="bg-BG" dirty="0" smtClean="0"/>
+              <a:t>Англ. </a:t>
+            </a:r>
+            <a:r>
+              <a:rPr lang="bg-BG" dirty="0"/>
+              <a:t>к</a:t>
+            </a:r>
+            <a:r>
+              <a:rPr lang="bg-BG" dirty="0" smtClean="0"/>
+              <a:t>ласифицирани коментари</a:t>
+            </a:r>
+            <a:endParaRPr lang="bg-BG" dirty="0"/>
+          </a:p>
+        </p:txBody>
+      </p:sp>
+      <p:sp>
+        <p:nvSpPr>
+          <p:cNvPr id="8" name="Овал 7"/>
+          <p:cNvSpPr/>
+          <p:nvPr/>
+        </p:nvSpPr>
+        <p:spPr>
+          <a:xfrm>
+            <a:off x="7319719" y="1120101"/>
+            <a:ext cx="2528047" cy="1129553"/>
+          </a:xfrm>
+          <a:prstGeom prst="ellipse">
+            <a:avLst/>
+          </a:prstGeom>
+        </p:spPr>
+        <p:style>
+          <a:lnRef idx="1">
+            <a:schemeClr val="accent4"/>
+          </a:lnRef>
+          <a:fillRef idx="2">
+            <a:schemeClr val="accent4"/>
+          </a:fillRef>
+          <a:effectRef idx="1">
+            <a:schemeClr val="accent4"/>
+          </a:effectRef>
+          <a:fontRef idx="minor">
+            <a:schemeClr val="dk1"/>
+          </a:fontRef>
+        </p:style>
+        <p:txBody>
+          <a:bodyPr rtlCol="0" anchor="ctr"/>
+          <a:lstStyle/>
+          <a:p>
+            <a:pPr algn="ctr"/>
+            <a:r>
+              <a:rPr lang="bg-BG" dirty="0" smtClean="0"/>
+              <a:t>Класификатор (</a:t>
+            </a:r>
+            <a:r>
+              <a:rPr lang="en-US" dirty="0" smtClean="0"/>
+              <a:t>EN</a:t>
+            </a:r>
+            <a:r>
+              <a:rPr lang="bg-BG" dirty="0" smtClean="0"/>
+              <a:t>)</a:t>
+            </a:r>
+            <a:endParaRPr lang="bg-BG" dirty="0"/>
+          </a:p>
+        </p:txBody>
+      </p:sp>
+      <p:cxnSp>
+        <p:nvCxnSpPr>
+          <p:cNvPr id="10" name="Съединител &quot;права стрелка&quot; 9"/>
+          <p:cNvCxnSpPr>
+            <a:stCxn id="6" idx="0"/>
+            <a:endCxn id="8" idx="4"/>
+          </p:cNvCxnSpPr>
+          <p:nvPr/>
+        </p:nvCxnSpPr>
+        <p:spPr>
+          <a:xfrm flipH="1" flipV="1">
+            <a:off x="8583743" y="2249654"/>
+            <a:ext cx="1331259" cy="2473801"/>
+          </a:xfrm>
+          <a:prstGeom prst="straightConnector1">
+            <a:avLst/>
+          </a:prstGeom>
+          <a:ln>
+            <a:headEnd type="none" w="med" len="med"/>
+            <a:tailEnd type="arrow" w="med" len="med"/>
+          </a:ln>
+        </p:spPr>
+        <p:style>
+          <a:lnRef idx="2">
+            <a:schemeClr val="accent2"/>
+          </a:lnRef>
+          <a:fillRef idx="0">
+            <a:schemeClr val="accent2"/>
+          </a:fillRef>
+          <a:effectRef idx="1">
+            <a:schemeClr val="accent2"/>
+          </a:effectRef>
+          <a:fontRef idx="minor">
+            <a:schemeClr val="tx1"/>
+          </a:fontRef>
+        </p:style>
+      </p:cxnSp>
+      <p:sp>
+        <p:nvSpPr>
+          <p:cNvPr id="12" name="Текстово поле 11"/>
+          <p:cNvSpPr txBox="1"/>
+          <p:nvPr/>
+        </p:nvSpPr>
+        <p:spPr>
+          <a:xfrm rot="3699929">
+            <a:off x="8903687" y="3443836"/>
+            <a:ext cx="1382110" cy="369332"/>
+          </a:xfrm>
+          <a:prstGeom prst="rect">
+            <a:avLst/>
+          </a:prstGeom>
+          <a:noFill/>
+        </p:spPr>
+        <p:txBody>
+          <a:bodyPr wrap="none" rtlCol="0">
+            <a:spAutoFit/>
+          </a:bodyPr>
+          <a:lstStyle/>
+          <a:p>
+            <a:r>
+              <a:rPr lang="bg-BG" dirty="0" smtClean="0"/>
+              <a:t>&lt;Обучение&gt;</a:t>
+            </a:r>
+            <a:endParaRPr lang="bg-BG" dirty="0"/>
+          </a:p>
+        </p:txBody>
+      </p:sp>
+      <p:sp>
+        <p:nvSpPr>
+          <p:cNvPr id="15" name="Текстово поле 14"/>
+          <p:cNvSpPr txBox="1"/>
+          <p:nvPr/>
+        </p:nvSpPr>
+        <p:spPr>
+          <a:xfrm rot="18697998">
+            <a:off x="6033069" y="3443836"/>
+            <a:ext cx="1981633" cy="369332"/>
+          </a:xfrm>
+          <a:prstGeom prst="rect">
+            <a:avLst/>
+          </a:prstGeom>
+          <a:noFill/>
+        </p:spPr>
+        <p:txBody>
+          <a:bodyPr wrap="none" rtlCol="0">
+            <a:spAutoFit/>
+          </a:bodyPr>
+          <a:lstStyle/>
+          <a:p>
+            <a:r>
+              <a:rPr lang="bg-BG" dirty="0" smtClean="0"/>
+              <a:t>&lt;Класифициране&gt;</a:t>
+            </a:r>
+            <a:endParaRPr lang="bg-BG" dirty="0"/>
+          </a:p>
+        </p:txBody>
+      </p:sp>
+      <p:sp>
+        <p:nvSpPr>
+          <p:cNvPr id="20" name="Закръглен правоъгълник 19"/>
+          <p:cNvSpPr/>
+          <p:nvPr/>
+        </p:nvSpPr>
+        <p:spPr>
+          <a:xfrm>
+            <a:off x="5109917" y="4723454"/>
+            <a:ext cx="2662518" cy="1021977"/>
+          </a:xfrm>
+          <a:prstGeom prst="roundRect">
+            <a:avLst/>
+          </a:prstGeom>
+        </p:spPr>
+        <p:style>
+          <a:lnRef idx="2">
+            <a:schemeClr val="accent1">
+              <a:shade val="50000"/>
+            </a:schemeClr>
+          </a:lnRef>
+          <a:fillRef idx="1">
+            <a:schemeClr val="accent1"/>
+          </a:fillRef>
+          <a:effectRef idx="0">
+            <a:schemeClr val="accent1"/>
+          </a:effectRef>
+          <a:fontRef idx="minor">
+            <a:schemeClr val="lt1"/>
+          </a:fontRef>
+        </p:style>
+        <p:txBody>
+          <a:bodyPr rtlCol="0" anchor="ctr"/>
+          <a:lstStyle/>
+          <a:p>
+            <a:pPr algn="ctr"/>
+            <a:r>
+              <a:rPr lang="bg-BG" dirty="0" smtClean="0"/>
+              <a:t>Преведени на англ. некласифицирани коментари</a:t>
+            </a:r>
+            <a:endParaRPr lang="bg-BG" dirty="0"/>
+          </a:p>
+        </p:txBody>
+      </p:sp>
+      <p:cxnSp>
+        <p:nvCxnSpPr>
+          <p:cNvPr id="22" name="Съединител &quot;права стрелка&quot; 21"/>
+          <p:cNvCxnSpPr/>
+          <p:nvPr/>
+        </p:nvCxnSpPr>
+        <p:spPr>
+          <a:xfrm>
+            <a:off x="3388696" y="5603776"/>
+            <a:ext cx="1721221" cy="29753"/>
+          </a:xfrm>
+          <a:prstGeom prst="straightConnector1">
+            <a:avLst/>
+          </a:prstGeom>
+          <a:ln w="9525" cap="flat" cmpd="sng" algn="ctr">
+            <a:solidFill>
+              <a:schemeClr val="accent4"/>
+            </a:solidFill>
+            <a:prstDash val="solid"/>
+            <a:round/>
+            <a:headEnd type="none" w="med" len="med"/>
+            <a:tailEnd type="arrow" w="med" len="med"/>
+          </a:ln>
+        </p:spPr>
+        <p:style>
+          <a:lnRef idx="0">
+            <a:scrgbClr r="0" g="0" b="0"/>
+          </a:lnRef>
+          <a:fillRef idx="0">
+            <a:scrgbClr r="0" g="0" b="0"/>
+          </a:fillRef>
+          <a:effectRef idx="0">
+            <a:scrgbClr r="0" g="0" b="0"/>
+          </a:effectRef>
+          <a:fontRef idx="minor">
+            <a:schemeClr val="tx1"/>
+          </a:fontRef>
+        </p:style>
+      </p:cxnSp>
+      <p:cxnSp>
+        <p:nvCxnSpPr>
+          <p:cNvPr id="24" name="Съединител &quot;права стрелка&quot; 23"/>
+          <p:cNvCxnSpPr>
+            <a:stCxn id="8" idx="4"/>
+            <a:endCxn id="20" idx="0"/>
+          </p:cNvCxnSpPr>
+          <p:nvPr/>
+        </p:nvCxnSpPr>
+        <p:spPr>
+          <a:xfrm flipH="1">
+            <a:off x="6441176" y="2249654"/>
+            <a:ext cx="2142567" cy="2473800"/>
+          </a:xfrm>
+          <a:prstGeom prst="straightConnector1">
+            <a:avLst/>
+          </a:prstGeom>
+          <a:ln>
+            <a:tailEnd type="triangle"/>
+          </a:ln>
+        </p:spPr>
+        <p:style>
+          <a:lnRef idx="1">
+            <a:schemeClr val="accent1"/>
+          </a:lnRef>
+          <a:fillRef idx="0">
+            <a:schemeClr val="accent1"/>
+          </a:fillRef>
+          <a:effectRef idx="0">
+            <a:schemeClr val="accent1"/>
+          </a:effectRef>
+          <a:fontRef idx="minor">
+            <a:schemeClr val="tx1"/>
+          </a:fontRef>
+        </p:style>
+      </p:cxnSp>
+      <p:sp>
+        <p:nvSpPr>
+          <p:cNvPr id="27" name="Текстово поле 26"/>
+          <p:cNvSpPr txBox="1"/>
+          <p:nvPr/>
+        </p:nvSpPr>
+        <p:spPr>
+          <a:xfrm>
+            <a:off x="3673668" y="5633529"/>
+            <a:ext cx="1151277" cy="369332"/>
+          </a:xfrm>
+          <a:prstGeom prst="rect">
+            <a:avLst/>
+          </a:prstGeom>
+          <a:noFill/>
+        </p:spPr>
+        <p:txBody>
+          <a:bodyPr wrap="none" rtlCol="0">
+            <a:spAutoFit/>
+          </a:bodyPr>
+          <a:lstStyle/>
+          <a:p>
+            <a:r>
+              <a:rPr lang="bg-BG" dirty="0" smtClean="0"/>
+              <a:t>&lt;Превод&gt;</a:t>
+            </a:r>
+            <a:endParaRPr lang="bg-BG" dirty="0"/>
+          </a:p>
+        </p:txBody>
+      </p:sp>
+      <p:sp>
+        <p:nvSpPr>
+          <p:cNvPr id="30" name="Овал 29"/>
+          <p:cNvSpPr/>
+          <p:nvPr/>
+        </p:nvSpPr>
+        <p:spPr>
+          <a:xfrm>
+            <a:off x="793413" y="1120100"/>
+            <a:ext cx="2528047" cy="1129553"/>
+          </a:xfrm>
+          <a:prstGeom prst="ellipse">
+            <a:avLst/>
+          </a:prstGeom>
+        </p:spPr>
+        <p:style>
+          <a:lnRef idx="1">
+            <a:schemeClr val="accent4"/>
+          </a:lnRef>
+          <a:fillRef idx="2">
+            <a:schemeClr val="accent4"/>
+          </a:fillRef>
+          <a:effectRef idx="1">
+            <a:schemeClr val="accent4"/>
+          </a:effectRef>
+          <a:fontRef idx="minor">
+            <a:schemeClr val="dk1"/>
+          </a:fontRef>
+        </p:style>
+        <p:txBody>
+          <a:bodyPr rtlCol="0" anchor="ctr"/>
+          <a:lstStyle/>
+          <a:p>
+            <a:pPr algn="ctr"/>
+            <a:r>
+              <a:rPr lang="bg-BG" dirty="0" smtClean="0"/>
+              <a:t>Класификатор (</a:t>
+            </a:r>
+            <a:r>
+              <a:rPr lang="en-US" dirty="0" smtClean="0"/>
+              <a:t>BG</a:t>
+            </a:r>
+            <a:r>
+              <a:rPr lang="bg-BG" dirty="0" smtClean="0"/>
+              <a:t>)</a:t>
+            </a:r>
+            <a:endParaRPr lang="bg-BG" dirty="0"/>
+          </a:p>
+        </p:txBody>
+      </p:sp>
+      <p:cxnSp>
+        <p:nvCxnSpPr>
+          <p:cNvPr id="32" name="Съединител &quot;права стрелка&quot; 31"/>
+          <p:cNvCxnSpPr/>
+          <p:nvPr/>
+        </p:nvCxnSpPr>
+        <p:spPr>
+          <a:xfrm flipH="1">
+            <a:off x="3388696" y="4893786"/>
+            <a:ext cx="1721221" cy="0"/>
+          </a:xfrm>
+          <a:prstGeom prst="straightConnector1">
+            <a:avLst/>
+          </a:prstGeom>
+          <a:ln w="9525" cap="flat" cmpd="sng" algn="ctr">
+            <a:solidFill>
+              <a:schemeClr val="accent1"/>
+            </a:solidFill>
+            <a:prstDash val="solid"/>
+            <a:round/>
+            <a:headEnd type="none" w="med" len="med"/>
+            <a:tailEnd type="arrow" w="med" len="med"/>
+          </a:ln>
+        </p:spPr>
+        <p:style>
+          <a:lnRef idx="0">
+            <a:scrgbClr r="0" g="0" b="0"/>
+          </a:lnRef>
+          <a:fillRef idx="0">
+            <a:scrgbClr r="0" g="0" b="0"/>
+          </a:fillRef>
+          <a:effectRef idx="0">
+            <a:scrgbClr r="0" g="0" b="0"/>
+          </a:effectRef>
+          <a:fontRef idx="minor">
+            <a:schemeClr val="tx1"/>
+          </a:fontRef>
+        </p:style>
+      </p:cxnSp>
+      <p:sp>
+        <p:nvSpPr>
+          <p:cNvPr id="33" name="Текстово поле 32"/>
+          <p:cNvSpPr txBox="1"/>
+          <p:nvPr/>
+        </p:nvSpPr>
+        <p:spPr>
+          <a:xfrm>
+            <a:off x="3489206" y="4554177"/>
+            <a:ext cx="1648400" cy="338554"/>
+          </a:xfrm>
+          <a:prstGeom prst="rect">
+            <a:avLst/>
+          </a:prstGeom>
+          <a:noFill/>
+        </p:spPr>
+        <p:txBody>
+          <a:bodyPr wrap="none" rtlCol="0">
+            <a:spAutoFit/>
+          </a:bodyPr>
+          <a:lstStyle/>
+          <a:p>
+            <a:r>
+              <a:rPr lang="bg-BG" sz="1600" dirty="0" smtClean="0"/>
+              <a:t>&lt;Класификация&gt;</a:t>
+            </a:r>
+            <a:endParaRPr lang="bg-BG" sz="1600" dirty="0"/>
+          </a:p>
+        </p:txBody>
+      </p:sp>
+      <p:cxnSp>
+        <p:nvCxnSpPr>
+          <p:cNvPr id="39" name="Съединител &quot;права стрелка&quot; 38"/>
+          <p:cNvCxnSpPr>
+            <a:stCxn id="5" idx="0"/>
+            <a:endCxn id="30" idx="4"/>
+          </p:cNvCxnSpPr>
+          <p:nvPr/>
+        </p:nvCxnSpPr>
+        <p:spPr>
+          <a:xfrm flipV="1">
+            <a:off x="2057437" y="2249653"/>
+            <a:ext cx="0" cy="2473802"/>
+          </a:xfrm>
+          <a:prstGeom prst="straightConnector1">
+            <a:avLst/>
+          </a:prstGeom>
+          <a:ln w="9525" cap="flat" cmpd="sng" algn="ctr">
+            <a:solidFill>
+              <a:schemeClr val="accent2"/>
+            </a:solidFill>
+            <a:prstDash val="solid"/>
+            <a:round/>
+            <a:headEnd type="none" w="med" len="med"/>
+            <a:tailEnd type="arrow" w="med" len="med"/>
+          </a:ln>
+        </p:spPr>
+        <p:style>
+          <a:lnRef idx="0">
+            <a:scrgbClr r="0" g="0" b="0"/>
+          </a:lnRef>
+          <a:fillRef idx="0">
+            <a:scrgbClr r="0" g="0" b="0"/>
+          </a:fillRef>
+          <a:effectRef idx="0">
+            <a:scrgbClr r="0" g="0" b="0"/>
+          </a:effectRef>
+          <a:fontRef idx="minor">
+            <a:schemeClr val="tx1"/>
+          </a:fontRef>
+        </p:style>
+      </p:cxnSp>
+      <p:sp>
+        <p:nvSpPr>
+          <p:cNvPr id="40" name="Текстово поле 39"/>
+          <p:cNvSpPr txBox="1"/>
+          <p:nvPr/>
+        </p:nvSpPr>
+        <p:spPr>
+          <a:xfrm>
+            <a:off x="2006586" y="3301888"/>
+            <a:ext cx="1382110" cy="369332"/>
+          </a:xfrm>
+          <a:prstGeom prst="rect">
+            <a:avLst/>
+          </a:prstGeom>
+          <a:noFill/>
+        </p:spPr>
+        <p:txBody>
+          <a:bodyPr wrap="none" rtlCol="0">
+            <a:spAutoFit/>
+          </a:bodyPr>
+          <a:lstStyle/>
+          <a:p>
+            <a:r>
+              <a:rPr lang="bg-BG" dirty="0" smtClean="0"/>
+              <a:t>&lt;Обучение&gt;</a:t>
+            </a:r>
+            <a:endParaRPr lang="bg-BG" dirty="0"/>
+          </a:p>
+        </p:txBody>
+      </p:sp>
+    </p:spTree>
+    <p:extLst>
+      <p:ext uri="{BB962C8B-B14F-4D97-AF65-F5344CB8AC3E}">
+        <p14:creationId xmlns:p14="http://schemas.microsoft.com/office/powerpoint/2010/main" val="721594521"/>
+      </p:ext>
+    </p:extLst>
+  </p:cSld>
+  <p:clrMapOvr>
+    <a:masterClrMapping/>
+  </p:clrMapOvr>
+</p:sld>
+</file>
+
+<file path=ppt/slides/slide8.xml><?xml version="1.0" encoding="utf-8"?>
+<p:sld xmlns:a="http://schemas.openxmlformats.org/drawingml/2006/main" xmlns:r="http://schemas.openxmlformats.org/officeDocument/2006/relationships" xmlns:p="http://schemas.openxmlformats.org/presentationml/2006/main">
+  <p:cSld>
+    <p:spTree>
+      <p:nvGrpSpPr>
+        <p:cNvPr id="1" name=""/>
+        <p:cNvGrpSpPr/>
+        <p:nvPr/>
+      </p:nvGrpSpPr>
+      <p:grpSpPr>
+        <a:xfrm>
+          <a:off x="0" y="0"/>
+          <a:ext cx="0" cy="0"/>
+          <a:chOff x="0" y="0"/>
+          <a:chExt cx="0" cy="0"/>
+        </a:xfrm>
+      </p:grpSpPr>
+      <p:sp>
+        <p:nvSpPr>
           <p:cNvPr id="2" name="Заглавие 1"/>
           <p:cNvSpPr>
             <a:spLocks noGrp="1"/>
@@ -6361,8 +7940,8 @@
           </a:p>
         </p:txBody>
       </p:sp>
-      <mc:AlternateContent xmlns:mc="http://schemas.openxmlformats.org/markup-compatibility/2006">
-        <mc:Choice xmlns:a14="http://schemas.microsoft.com/office/drawing/2010/main" Requires="a14">
+      <mc:AlternateContent xmlns:mc="http://schemas.openxmlformats.org/markup-compatibility/2006" xmlns:a14="http://schemas.microsoft.com/office/drawing/2010/main">
+        <mc:Choice Requires="a14">
           <p:sp>
             <p:nvSpPr>
               <p:cNvPr id="4" name="Правоъгълник 3"/>
@@ -6384,6 +7963,7 @@
               </a:bodyPr>
               <a:lstStyle/>
               <a:p>
+                <a:pPr/>
                 <a14:m>
                   <m:oMathPara xmlns:m="http://schemas.openxmlformats.org/officeDocument/2006/math">
                     <m:oMathParaPr>
@@ -6394,7 +7974,7 @@
                         <m:dPr>
                           <m:begChr m:val=""/>
                           <m:ctrlPr>
-                            <a:rPr lang="bg-BG" sz="4000" smtClean="0">
+                            <a:rPr lang="bg-BG" sz="4000" i="1" smtClean="0">
                               <a:latin typeface="Cambria Math" panose="02040503050406030204" pitchFamily="18" charset="0"/>
                             </a:rPr>
                           </m:ctrlPr>
@@ -6404,13 +7984,7 @@
                             <a:rPr lang="en-US" sz="4000" b="0" i="1" smtClean="0">
                               <a:latin typeface="Cambria Math" panose="02040503050406030204" pitchFamily="18" charset="0"/>
                             </a:rPr>
-                            <m:t>𝑚𝑎</m:t>
-                          </m:r>
-                          <m:r>
-                            <a:rPr lang="en-US" sz="4000" b="0" i="1" smtClean="0">
-                              <a:latin typeface="Cambria Math" panose="02040503050406030204" pitchFamily="18" charset="0"/>
-                            </a:rPr>
-                            <m:t>𝑥</m:t>
+                            <m:t>𝑚𝑎𝑥</m:t>
                           </m:r>
                           <m:func>
                             <m:funcPr>
@@ -6565,7 +8139,7 @@
             </p:txBody>
           </p:sp>
         </mc:Choice>
-        <mc:Fallback>
+        <mc:Fallback xmlns="">
           <p:sp>
             <p:nvSpPr>
               <p:cNvPr id="4" name="Правоъгълник 3"/>
@@ -6654,7 +8228,7 @@
 </p:sld>
 </file>
 
-<file path=ppt/slides/slide8.xml><?xml version="1.0" encoding="utf-8"?>
+<file path=ppt/slides/slide9.xml><?xml version="1.0" encoding="utf-8"?>
 <p:sld xmlns:a="http://schemas.openxmlformats.org/drawingml/2006/main" xmlns:r="http://schemas.openxmlformats.org/officeDocument/2006/relationships" xmlns:p="http://schemas.openxmlformats.org/presentationml/2006/main">
   <p:cSld>
     <p:spTree>
@@ -6843,514 +8417,6 @@
     <p:extLst>
       <p:ext uri="{BB962C8B-B14F-4D97-AF65-F5344CB8AC3E}">
         <p14:creationId xmlns:p14="http://schemas.microsoft.com/office/powerpoint/2010/main" val="355751057"/>
-      </p:ext>
-    </p:extLst>
-  </p:cSld>
-  <p:clrMapOvr>
-    <a:masterClrMapping/>
-  </p:clrMapOvr>
-  <p:timing>
-    <p:tnLst>
-      <p:par>
-        <p:cTn id="1" dur="indefinite" restart="never" nodeType="tmRoot"/>
-      </p:par>
-    </p:tnLst>
-  </p:timing>
-</p:sld>
-</file>
-
-<file path=ppt/slides/slide9.xml><?xml version="1.0" encoding="utf-8"?>
-<p:sld xmlns:a="http://schemas.openxmlformats.org/drawingml/2006/main" xmlns:r="http://schemas.openxmlformats.org/officeDocument/2006/relationships" xmlns:p="http://schemas.openxmlformats.org/presentationml/2006/main">
-  <p:cSld>
-    <p:spTree>
-      <p:nvGrpSpPr>
-        <p:cNvPr id="1" name=""/>
-        <p:cNvGrpSpPr/>
-        <p:nvPr/>
-      </p:nvGrpSpPr>
-      <p:grpSpPr>
-        <a:xfrm>
-          <a:off x="0" y="0"/>
-          <a:ext cx="0" cy="0"/>
-          <a:chOff x="0" y="0"/>
-          <a:chExt cx="0" cy="0"/>
-        </a:xfrm>
-      </p:grpSpPr>
-      <p:sp>
-        <p:nvSpPr>
-          <p:cNvPr id="2" name="Заглавие 1"/>
-          <p:cNvSpPr>
-            <a:spLocks noGrp="1"/>
-          </p:cNvSpPr>
-          <p:nvPr>
-            <p:ph type="title"/>
-          </p:nvPr>
-        </p:nvSpPr>
-        <p:spPr/>
-        <p:txBody>
-          <a:bodyPr/>
-          <a:lstStyle/>
-          <a:p>
-            <a:r>
-              <a:rPr lang="bg-BG" dirty="0" smtClean="0"/>
-              <a:t>Резултати</a:t>
-            </a:r>
-            <a:endParaRPr lang="bg-BG" dirty="0"/>
-          </a:p>
-        </p:txBody>
-      </p:sp>
-      <p:sp>
-        <p:nvSpPr>
-          <p:cNvPr id="3" name="Контейнер за съдържание 2"/>
-          <p:cNvSpPr>
-            <a:spLocks noGrp="1"/>
-          </p:cNvSpPr>
-          <p:nvPr>
-            <p:ph idx="1"/>
-          </p:nvPr>
-        </p:nvSpPr>
-        <p:spPr>
-          <a:xfrm>
-            <a:off x="0" y="3495425"/>
-            <a:ext cx="4379495" cy="4351338"/>
-          </a:xfrm>
-        </p:spPr>
-        <p:txBody>
-          <a:bodyPr/>
-          <a:lstStyle/>
-          <a:p>
-            <a:pPr marL="0" indent="0">
-              <a:buNone/>
-            </a:pPr>
-            <a:r>
-              <a:rPr lang="en-US" dirty="0" err="1"/>
-              <a:t>Статистика</a:t>
-            </a:r>
-            <a:r>
-              <a:rPr lang="en-US" dirty="0"/>
-              <a:t> </a:t>
-            </a:r>
-            <a:r>
-              <a:rPr lang="en-US" dirty="0" err="1"/>
-              <a:t>за</a:t>
-            </a:r>
-            <a:r>
-              <a:rPr lang="en-US" dirty="0"/>
-              <a:t> </a:t>
-            </a:r>
-            <a:r>
-              <a:rPr lang="en-US" dirty="0" err="1"/>
-              <a:t>положителните</a:t>
-            </a:r>
-            <a:r>
-              <a:rPr lang="en-US" dirty="0"/>
-              <a:t> </a:t>
-            </a:r>
-            <a:r>
-              <a:rPr lang="en-US" dirty="0" err="1"/>
-              <a:t>коментари</a:t>
-            </a:r>
-            <a:endParaRPr lang="bg-BG" dirty="0"/>
-          </a:p>
-          <a:p>
-            <a:pPr marL="0" indent="0">
-              <a:buNone/>
-            </a:pPr>
-            <a:r>
-              <a:rPr lang="en-US" dirty="0"/>
-              <a:t>-------------------------------------- </a:t>
-            </a:r>
-            <a:endParaRPr lang="bg-BG" dirty="0"/>
-          </a:p>
-          <a:p>
-            <a:pPr marL="0" indent="0">
-              <a:buNone/>
-            </a:pPr>
-            <a:r>
-              <a:rPr lang="en-US" dirty="0"/>
-              <a:t>Precision positive: 0,83333 </a:t>
-            </a:r>
-            <a:endParaRPr lang="bg-BG" dirty="0"/>
-          </a:p>
-          <a:p>
-            <a:pPr marL="0" indent="0">
-              <a:buNone/>
-            </a:pPr>
-            <a:r>
-              <a:rPr lang="en-US" dirty="0"/>
-              <a:t>Recall positive: 0,50000 </a:t>
-            </a:r>
-            <a:endParaRPr lang="bg-BG" dirty="0"/>
-          </a:p>
-          <a:p>
-            <a:pPr marL="0" indent="0">
-              <a:buNone/>
-            </a:pPr>
-            <a:r>
-              <a:rPr lang="en-US" dirty="0"/>
-              <a:t>F1 positive: 0,62500 </a:t>
-            </a:r>
-            <a:endParaRPr lang="bg-BG" dirty="0"/>
-          </a:p>
-          <a:p>
-            <a:pPr marL="0" indent="0">
-              <a:buNone/>
-            </a:pPr>
-            <a:r>
-              <a:rPr lang="en-US" dirty="0"/>
-              <a:t>-------------------------------------- </a:t>
-            </a:r>
-            <a:endParaRPr lang="bg-BG" dirty="0"/>
-          </a:p>
-          <a:p>
-            <a:endParaRPr lang="bg-BG" dirty="0"/>
-          </a:p>
-        </p:txBody>
-      </p:sp>
-      <p:sp>
-        <p:nvSpPr>
-          <p:cNvPr id="7" name="Текстово поле 6"/>
-          <p:cNvSpPr txBox="1"/>
-          <p:nvPr/>
-        </p:nvSpPr>
-        <p:spPr>
-          <a:xfrm>
-            <a:off x="4235116" y="3495425"/>
-            <a:ext cx="4403558" cy="3448123"/>
-          </a:xfrm>
-          <a:prstGeom prst="rect">
-            <a:avLst/>
-          </a:prstGeom>
-          <a:noFill/>
-        </p:spPr>
-        <p:txBody>
-          <a:bodyPr wrap="square" rtlCol="0">
-            <a:spAutoFit/>
-          </a:bodyPr>
-          <a:lstStyle/>
-          <a:p>
-            <a:pPr>
-              <a:lnSpc>
-                <a:spcPct val="90000"/>
-              </a:lnSpc>
-              <a:spcBef>
-                <a:spcPts val="1000"/>
-              </a:spcBef>
-            </a:pPr>
-            <a:r>
-              <a:rPr lang="en-US" sz="2800" dirty="0" err="1"/>
-              <a:t>Статистика</a:t>
-            </a:r>
-            <a:r>
-              <a:rPr lang="en-US" sz="2800" dirty="0"/>
-              <a:t> </a:t>
-            </a:r>
-            <a:r>
-              <a:rPr lang="en-US" sz="2800" dirty="0" err="1"/>
-              <a:t>за</a:t>
-            </a:r>
-            <a:r>
-              <a:rPr lang="en-US" sz="2800" dirty="0"/>
-              <a:t> </a:t>
-            </a:r>
-            <a:r>
-              <a:rPr lang="en-US" sz="2800" dirty="0" err="1"/>
-              <a:t>негативните</a:t>
-            </a:r>
-            <a:r>
-              <a:rPr lang="en-US" sz="2800" dirty="0"/>
-              <a:t> </a:t>
-            </a:r>
-            <a:r>
-              <a:rPr lang="en-US" sz="2800" dirty="0" err="1"/>
-              <a:t>коментари</a:t>
-            </a:r>
-            <a:endParaRPr lang="bg-BG" sz="2800" dirty="0"/>
-          </a:p>
-          <a:p>
-            <a:pPr>
-              <a:lnSpc>
-                <a:spcPct val="90000"/>
-              </a:lnSpc>
-              <a:spcBef>
-                <a:spcPts val="1000"/>
-              </a:spcBef>
-            </a:pPr>
-            <a:r>
-              <a:rPr lang="en-US" sz="2800" dirty="0" smtClean="0"/>
-              <a:t>------------------------------------ </a:t>
-            </a:r>
-            <a:endParaRPr lang="bg-BG" sz="2800" dirty="0"/>
-          </a:p>
-          <a:p>
-            <a:pPr>
-              <a:lnSpc>
-                <a:spcPct val="90000"/>
-              </a:lnSpc>
-              <a:spcBef>
-                <a:spcPts val="1000"/>
-              </a:spcBef>
-            </a:pPr>
-            <a:r>
-              <a:rPr lang="en-US" sz="2800" dirty="0"/>
-              <a:t>Precision negative: 0,56140 </a:t>
-            </a:r>
-            <a:endParaRPr lang="bg-BG" sz="2800" dirty="0"/>
-          </a:p>
-          <a:p>
-            <a:pPr>
-              <a:lnSpc>
-                <a:spcPct val="90000"/>
-              </a:lnSpc>
-              <a:spcBef>
-                <a:spcPts val="1000"/>
-              </a:spcBef>
-            </a:pPr>
-            <a:r>
-              <a:rPr lang="en-US" sz="2800" dirty="0"/>
-              <a:t>Recall negative: 0,86486 </a:t>
-            </a:r>
-            <a:endParaRPr lang="bg-BG" sz="2800" dirty="0"/>
-          </a:p>
-          <a:p>
-            <a:pPr>
-              <a:lnSpc>
-                <a:spcPct val="90000"/>
-              </a:lnSpc>
-              <a:spcBef>
-                <a:spcPts val="1000"/>
-              </a:spcBef>
-            </a:pPr>
-            <a:r>
-              <a:rPr lang="en-US" sz="2800" dirty="0"/>
-              <a:t>F1 negative: 0,68085 </a:t>
-            </a:r>
-            <a:endParaRPr lang="bg-BG" sz="2800" dirty="0"/>
-          </a:p>
-          <a:p>
-            <a:pPr>
-              <a:lnSpc>
-                <a:spcPct val="90000"/>
-              </a:lnSpc>
-              <a:spcBef>
-                <a:spcPts val="1000"/>
-              </a:spcBef>
-            </a:pPr>
-            <a:r>
-              <a:rPr lang="en-US" sz="2800" dirty="0" smtClean="0"/>
-              <a:t>------------------------------------ </a:t>
-            </a:r>
-            <a:endParaRPr lang="bg-BG" sz="2800" dirty="0"/>
-          </a:p>
-        </p:txBody>
-      </p:sp>
-      <p:sp>
-        <p:nvSpPr>
-          <p:cNvPr id="8" name="Текстово поле 7"/>
-          <p:cNvSpPr txBox="1"/>
-          <p:nvPr/>
-        </p:nvSpPr>
-        <p:spPr>
-          <a:xfrm>
-            <a:off x="8325852" y="3495425"/>
-            <a:ext cx="4259179" cy="3725122"/>
-          </a:xfrm>
-          <a:prstGeom prst="rect">
-            <a:avLst/>
-          </a:prstGeom>
-          <a:noFill/>
-        </p:spPr>
-        <p:txBody>
-          <a:bodyPr wrap="square" rtlCol="0">
-            <a:spAutoFit/>
-          </a:bodyPr>
-          <a:lstStyle/>
-          <a:p>
-            <a:pPr>
-              <a:lnSpc>
-                <a:spcPct val="90000"/>
-              </a:lnSpc>
-              <a:spcBef>
-                <a:spcPts val="1000"/>
-              </a:spcBef>
-            </a:pPr>
-            <a:r>
-              <a:rPr lang="en-US" sz="2800" dirty="0" err="1"/>
-              <a:t>Статистика</a:t>
-            </a:r>
-            <a:r>
-              <a:rPr lang="en-US" sz="2800" dirty="0"/>
-              <a:t> </a:t>
-            </a:r>
-            <a:r>
-              <a:rPr lang="en-US" sz="2800" dirty="0" err="1"/>
-              <a:t>за</a:t>
-            </a:r>
-            <a:r>
-              <a:rPr lang="en-US" sz="2800" dirty="0"/>
-              <a:t> </a:t>
-            </a:r>
-            <a:r>
-              <a:rPr lang="en-US" sz="2800" dirty="0" err="1"/>
-              <a:t>всички</a:t>
-            </a:r>
-            <a:r>
-              <a:rPr lang="en-US" sz="2800" dirty="0"/>
-              <a:t> </a:t>
-            </a:r>
-            <a:r>
-              <a:rPr lang="en-US" sz="2800" dirty="0" err="1"/>
-              <a:t>коментари</a:t>
-            </a:r>
-            <a:endParaRPr lang="bg-BG" sz="2800" dirty="0"/>
-          </a:p>
-          <a:p>
-            <a:pPr>
-              <a:lnSpc>
-                <a:spcPct val="90000"/>
-              </a:lnSpc>
-              <a:spcBef>
-                <a:spcPts val="1000"/>
-              </a:spcBef>
-            </a:pPr>
-            <a:r>
-              <a:rPr lang="en-US" sz="2800" dirty="0" smtClean="0"/>
-              <a:t>--------------------------------- </a:t>
-            </a:r>
-            <a:endParaRPr lang="bg-BG" sz="2800" dirty="0"/>
-          </a:p>
-          <a:p>
-            <a:pPr>
-              <a:lnSpc>
-                <a:spcPct val="90000"/>
-              </a:lnSpc>
-              <a:spcBef>
-                <a:spcPts val="1000"/>
-              </a:spcBef>
-            </a:pPr>
-            <a:r>
-              <a:rPr lang="en-US" sz="2800" dirty="0"/>
-              <a:t>Precision overall : 0,65517 </a:t>
-            </a:r>
-            <a:endParaRPr lang="bg-BG" sz="2800" dirty="0"/>
-          </a:p>
-          <a:p>
-            <a:pPr>
-              <a:lnSpc>
-                <a:spcPct val="90000"/>
-              </a:lnSpc>
-              <a:spcBef>
-                <a:spcPts val="1000"/>
-              </a:spcBef>
-            </a:pPr>
-            <a:r>
-              <a:rPr lang="en-US" sz="2800" dirty="0"/>
-              <a:t>Recall overall : 0,65517 </a:t>
-            </a:r>
-            <a:endParaRPr lang="bg-BG" sz="2800" dirty="0"/>
-          </a:p>
-          <a:p>
-            <a:pPr>
-              <a:lnSpc>
-                <a:spcPct val="90000"/>
-              </a:lnSpc>
-              <a:spcBef>
-                <a:spcPts val="1000"/>
-              </a:spcBef>
-            </a:pPr>
-            <a:r>
-              <a:rPr lang="en-US" sz="2800" dirty="0"/>
-              <a:t>F1 overall : 0,65517 </a:t>
-            </a:r>
-            <a:endParaRPr lang="bg-BG" sz="2800" dirty="0"/>
-          </a:p>
-          <a:p>
-            <a:pPr>
-              <a:lnSpc>
-                <a:spcPct val="90000"/>
-              </a:lnSpc>
-              <a:spcBef>
-                <a:spcPts val="1000"/>
-              </a:spcBef>
-            </a:pPr>
-            <a:r>
-              <a:rPr lang="en-US" sz="2800" dirty="0" smtClean="0"/>
-              <a:t>--------------------------------- </a:t>
-            </a:r>
-            <a:endParaRPr lang="bg-BG" sz="2800" dirty="0"/>
-          </a:p>
-          <a:p>
-            <a:endParaRPr lang="bg-BG" dirty="0"/>
-          </a:p>
-        </p:txBody>
-      </p:sp>
-      <p:sp>
-        <p:nvSpPr>
-          <p:cNvPr id="9" name="Текстово поле 8"/>
-          <p:cNvSpPr txBox="1"/>
-          <p:nvPr/>
-        </p:nvSpPr>
-        <p:spPr>
-          <a:xfrm>
-            <a:off x="539416" y="1352134"/>
-            <a:ext cx="11113168" cy="954107"/>
-          </a:xfrm>
-          <a:prstGeom prst="rect">
-            <a:avLst/>
-          </a:prstGeom>
-          <a:noFill/>
-        </p:spPr>
-        <p:txBody>
-          <a:bodyPr wrap="square" rtlCol="0">
-            <a:spAutoFit/>
-          </a:bodyPr>
-          <a:lstStyle/>
-          <a:p>
-            <a:pPr marL="457200" indent="-457200">
-              <a:buFont typeface="Arial" panose="020B0604020202020204" pitchFamily="34" charset="0"/>
-              <a:buChar char="•"/>
-            </a:pPr>
-            <a:r>
-              <a:rPr lang="bg-BG" sz="2800" dirty="0"/>
-              <a:t>Тестване с коментари върху класификатора, трениран с обучаващо множество на български език от версия 1 (170 коментара) :</a:t>
-            </a:r>
-          </a:p>
-        </p:txBody>
-      </p:sp>
-      <p:pic>
-        <p:nvPicPr>
-          <p:cNvPr id="10" name="Картина 9"/>
-          <p:cNvPicPr>
-            <a:picLocks noChangeAspect="1"/>
-          </p:cNvPicPr>
-          <p:nvPr/>
-        </p:nvPicPr>
-        <p:blipFill>
-          <a:blip r:embed="rId2">
-            <a:extLst>
-              <a:ext uri="{28A0092B-C50C-407E-A947-70E740481C1C}">
-                <a14:useLocalDpi xmlns:a14="http://schemas.microsoft.com/office/drawing/2010/main" val="0"/>
-              </a:ext>
-            </a:extLst>
-          </a:blip>
-          <a:stretch>
-            <a:fillRect/>
-          </a:stretch>
-        </p:blipFill>
-        <p:spPr>
-          <a:xfrm>
-            <a:off x="9964152" y="1829187"/>
-            <a:ext cx="1688432" cy="1688432"/>
-          </a:xfrm>
-          <a:prstGeom prst="rect">
-            <a:avLst/>
-          </a:prstGeom>
-        </p:spPr>
-      </p:pic>
-    </p:spTree>
-    <p:extLst>
-      <p:ext uri="{BB962C8B-B14F-4D97-AF65-F5344CB8AC3E}">
-        <p14:creationId xmlns:p14="http://schemas.microsoft.com/office/powerpoint/2010/main" val="3915308906"/>
       </p:ext>
     </p:extLst>
   </p:cSld>
@@ -7626,4 +8692,265 @@
     </a:ext>
   </a:extLst>
 </a:theme>
+</file>
+
+<file path=ppt/theme/theme2.xml><?xml version="1.0" encoding="utf-8"?>
+<a:theme xmlns:a="http://schemas.openxmlformats.org/drawingml/2006/main" name="Тема на Office">
+  <a:themeElements>
+    <a:clrScheme name="Оffice">
+      <a:dk1>
+        <a:sysClr val="windowText" lastClr="000000"/>
+      </a:dk1>
+      <a:lt1>
+        <a:sysClr val="window" lastClr="FFFFFF"/>
+      </a:lt1>
+      <a:dk2>
+        <a:srgbClr val="44546A"/>
+      </a:dk2>
+      <a:lt2>
+        <a:srgbClr val="E7E6E6"/>
+      </a:lt2>
+      <a:accent1>
+        <a:srgbClr val="5B9BD5"/>
+      </a:accent1>
+      <a:accent2>
+        <a:srgbClr val="ED7D31"/>
+      </a:accent2>
+      <a:accent3>
+        <a:srgbClr val="A5A5A5"/>
+      </a:accent3>
+      <a:accent4>
+        <a:srgbClr val="FFC000"/>
+      </a:accent4>
+      <a:accent5>
+        <a:srgbClr val="4472C4"/>
+      </a:accent5>
+      <a:accent6>
+        <a:srgbClr val="70AD47"/>
+      </a:accent6>
+      <a:hlink>
+        <a:srgbClr val="0563C1"/>
+      </a:hlink>
+      <a:folHlink>
+        <a:srgbClr val="954F72"/>
+      </a:folHlink>
+    </a:clrScheme>
+    <a:fontScheme name="Оffice">
+      <a:majorFont>
+        <a:latin typeface="Calibri Light" panose="020F0302020204030204"/>
+        <a:ea typeface=""/>
+        <a:cs typeface=""/>
+        <a:font script="Jpan" typeface="游ゴシック Light"/>
+        <a:font script="Hang" typeface="맑은 고딕"/>
+        <a:font script="Hans" typeface="等线 Light"/>
+        <a:font script="Hant" typeface="新細明體"/>
+        <a:font script="Arab" typeface="Times New Roman"/>
+        <a:font script="Hebr" typeface="Times New Roman"/>
+        <a:font script="Thai" typeface="Angsana New"/>
+        <a:font script="Ethi" typeface="Nyala"/>
+        <a:font script="Beng" typeface="Vrinda"/>
+        <a:font script="Gujr" typeface="Shruti"/>
+        <a:font script="Khmr" typeface="MoolBoran"/>
+        <a:font script="Knda" typeface="Tunga"/>
+        <a:font script="Guru" typeface="Raavi"/>
+        <a:font script="Cans" typeface="Euphemia"/>
+        <a:font script="Cher" typeface="Plantagenet Cherokee"/>
+        <a:font script="Yiii" typeface="Microsoft Yi Baiti"/>
+        <a:font script="Tibt" typeface="Microsoft Himalaya"/>
+        <a:font script="Thaa" typeface="MV Boli"/>
+        <a:font script="Deva" typeface="Mangal"/>
+        <a:font script="Telu" typeface="Gautami"/>
+        <a:font script="Taml" typeface="Latha"/>
+        <a:font script="Syrc" typeface="Estrangelo Edessa"/>
+        <a:font script="Orya" typeface="Kalinga"/>
+        <a:font script="Mlym" typeface="Kartika"/>
+        <a:font script="Laoo" typeface="DokChampa"/>
+        <a:font script="Sinh" typeface="Iskoola Pota"/>
+        <a:font script="Mong" typeface="Mongolian Baiti"/>
+        <a:font script="Viet" typeface="Times New Roman"/>
+        <a:font script="Uigh" typeface="Microsoft Uighur"/>
+        <a:font script="Geor" typeface="Sylfaen"/>
+      </a:majorFont>
+      <a:minorFont>
+        <a:latin typeface="Calibri" panose="020F0502020204030204"/>
+        <a:ea typeface=""/>
+        <a:cs typeface=""/>
+        <a:font script="Jpan" typeface="游ゴシック"/>
+        <a:font script="Hang" typeface="맑은 고딕"/>
+        <a:font script="Hans" typeface="等线"/>
+        <a:font script="Hant" typeface="新細明體"/>
+        <a:font script="Arab" typeface="Arial"/>
+        <a:font script="Hebr" typeface="Arial"/>
+        <a:font script="Thai" typeface="Cordia New"/>
+        <a:font script="Ethi" typeface="Nyala"/>
+        <a:font script="Beng" typeface="Vrinda"/>
+        <a:font script="Gujr" typeface="Shruti"/>
+        <a:font script="Khmr" typeface="DaunPenh"/>
+        <a:font script="Knda" typeface="Tunga"/>
+        <a:font script="Guru" typeface="Raavi"/>
+        <a:font script="Cans" typeface="Euphemia"/>
+        <a:font script="Cher" typeface="Plantagenet Cherokee"/>
+        <a:font script="Yiii" typeface="Microsoft Yi Baiti"/>
+        <a:font script="Tibt" typeface="Microsoft Himalaya"/>
+        <a:font script="Thaa" typeface="MV Boli"/>
+        <a:font script="Deva" typeface="Mangal"/>
+        <a:font script="Telu" typeface="Gautami"/>
+        <a:font script="Taml" typeface="Latha"/>
+        <a:font script="Syrc" typeface="Estrangelo Edessa"/>
+        <a:font script="Orya" typeface="Kalinga"/>
+        <a:font script="Mlym" typeface="Kartika"/>
+        <a:font script="Laoo" typeface="DokChampa"/>
+        <a:font script="Sinh" typeface="Iskoola Pota"/>
+        <a:font script="Mong" typeface="Mongolian Baiti"/>
+        <a:font script="Viet" typeface="Arial"/>
+        <a:font script="Uigh" typeface="Microsoft Uighur"/>
+        <a:font script="Geor" typeface="Sylfaen"/>
+      </a:minorFont>
+    </a:fontScheme>
+    <a:fmtScheme name="Оffice">
+      <a:fillStyleLst>
+        <a:solidFill>
+          <a:schemeClr val="phClr"/>
+        </a:solidFill>
+        <a:gradFill rotWithShape="1">
+          <a:gsLst>
+            <a:gs pos="0">
+              <a:schemeClr val="phClr">
+                <a:lumMod val="110000"/>
+                <a:satMod val="105000"/>
+                <a:tint val="67000"/>
+              </a:schemeClr>
+            </a:gs>
+            <a:gs pos="50000">
+              <a:schemeClr val="phClr">
+                <a:lumMod val="105000"/>
+                <a:satMod val="103000"/>
+                <a:tint val="73000"/>
+              </a:schemeClr>
+            </a:gs>
+            <a:gs pos="100000">
+              <a:schemeClr val="phClr">
+                <a:lumMod val="105000"/>
+                <a:satMod val="109000"/>
+                <a:tint val="81000"/>
+              </a:schemeClr>
+            </a:gs>
+          </a:gsLst>
+          <a:lin ang="5400000" scaled="0"/>
+        </a:gradFill>
+        <a:gradFill rotWithShape="1">
+          <a:gsLst>
+            <a:gs pos="0">
+              <a:schemeClr val="phClr">
+                <a:satMod val="103000"/>
+                <a:lumMod val="102000"/>
+                <a:tint val="94000"/>
+              </a:schemeClr>
+            </a:gs>
+            <a:gs pos="50000">
+              <a:schemeClr val="phClr">
+                <a:satMod val="110000"/>
+                <a:lumMod val="100000"/>
+                <a:shade val="100000"/>
+              </a:schemeClr>
+            </a:gs>
+            <a:gs pos="100000">
+              <a:schemeClr val="phClr">
+                <a:lumMod val="99000"/>
+                <a:satMod val="120000"/>
+                <a:shade val="78000"/>
+              </a:schemeClr>
+            </a:gs>
+          </a:gsLst>
+          <a:lin ang="5400000" scaled="0"/>
+        </a:gradFill>
+      </a:fillStyleLst>
+      <a:lnStyleLst>
+        <a:ln w="6350" cap="flat" cmpd="sng" algn="ctr">
+          <a:solidFill>
+            <a:schemeClr val="phClr"/>
+          </a:solidFill>
+          <a:prstDash val="solid"/>
+          <a:miter lim="800000"/>
+        </a:ln>
+        <a:ln w="12700" cap="flat" cmpd="sng" algn="ctr">
+          <a:solidFill>
+            <a:schemeClr val="phClr"/>
+          </a:solidFill>
+          <a:prstDash val="solid"/>
+          <a:miter lim="800000"/>
+        </a:ln>
+        <a:ln w="19050" cap="flat" cmpd="sng" algn="ctr">
+          <a:solidFill>
+            <a:schemeClr val="phClr"/>
+          </a:solidFill>
+          <a:prstDash val="solid"/>
+          <a:miter lim="800000"/>
+        </a:ln>
+      </a:lnStyleLst>
+      <a:effectStyleLst>
+        <a:effectStyle>
+          <a:effectLst/>
+        </a:effectStyle>
+        <a:effectStyle>
+          <a:effectLst/>
+        </a:effectStyle>
+        <a:effectStyle>
+          <a:effectLst>
+            <a:outerShdw blurRad="57150" dist="19050" dir="5400000" algn="ctr" rotWithShape="0">
+              <a:srgbClr val="000000">
+                <a:alpha val="63000"/>
+              </a:srgbClr>
+            </a:outerShdw>
+          </a:effectLst>
+        </a:effectStyle>
+      </a:effectStyleLst>
+      <a:bgFillStyleLst>
+        <a:solidFill>
+          <a:schemeClr val="phClr"/>
+        </a:solidFill>
+        <a:solidFill>
+          <a:schemeClr val="phClr">
+            <a:tint val="95000"/>
+            <a:satMod val="170000"/>
+          </a:schemeClr>
+        </a:solidFill>
+        <a:gradFill rotWithShape="1">
+          <a:gsLst>
+            <a:gs pos="0">
+              <a:schemeClr val="phClr">
+                <a:tint val="93000"/>
+                <a:satMod val="150000"/>
+                <a:shade val="98000"/>
+                <a:lumMod val="102000"/>
+              </a:schemeClr>
+            </a:gs>
+            <a:gs pos="50000">
+              <a:schemeClr val="phClr">
+                <a:tint val="98000"/>
+                <a:satMod val="130000"/>
+                <a:shade val="90000"/>
+                <a:lumMod val="103000"/>
+              </a:schemeClr>
+            </a:gs>
+            <a:gs pos="100000">
+              <a:schemeClr val="phClr">
+                <a:shade val="63000"/>
+                <a:satMod val="120000"/>
+              </a:schemeClr>
+            </a:gs>
+          </a:gsLst>
+          <a:lin ang="5400000" scaled="0"/>
+        </a:gradFill>
+      </a:bgFillStyleLst>
+    </a:fmtScheme>
+  </a:themeElements>
+  <a:objectDefaults/>
+  <a:extraClrSchemeLst/>
+  <a:extLst>
+    <a:ext uri="{05A4C25C-085E-4340-85A3-A5531E510DB2}">
+      <thm15:themeFamily xmlns:thm15="http://schemas.microsoft.com/office/thememl/2012/main" name="Office Theme" id="{62F939B6-93AF-4DB8-9C6B-D6C7DFDC589F}" vid="{4A3C46E8-61CC-4603-A589-7422A47A8E4A}"/>
+    </a:ext>
+  </a:extLst>
+</a:theme>
 </file>
--- a/documentation/Презентация_v2 - ОЗТ.pptx
+++ b/documentation/Презентация_v2 - ОЗТ.pptx
@@ -4,6 +4,9 @@
   <p:sldMasterIdLst>
     <p:sldMasterId id="2147483648" r:id="rId1"/>
   </p:sldMasterIdLst>
+  <p:notesMasterIdLst>
+    <p:notesMasterId r:id="rId16"/>
+  </p:notesMasterIdLst>
   <p:sldIdLst>
     <p:sldId id="256" r:id="rId2"/>
     <p:sldId id="258" r:id="rId3"/>
@@ -11,13 +14,14 @@
     <p:sldId id="266" r:id="rId5"/>
     <p:sldId id="259" r:id="rId6"/>
     <p:sldId id="260" r:id="rId7"/>
-    <p:sldId id="265" r:id="rId8"/>
-    <p:sldId id="261" r:id="rId9"/>
-    <p:sldId id="262" r:id="rId10"/>
-    <p:sldId id="263" r:id="rId11"/>
-    <p:sldId id="264" r:id="rId12"/>
-    <p:sldId id="267" r:id="rId13"/>
-    <p:sldId id="268" r:id="rId14"/>
+    <p:sldId id="269" r:id="rId8"/>
+    <p:sldId id="265" r:id="rId9"/>
+    <p:sldId id="261" r:id="rId10"/>
+    <p:sldId id="262" r:id="rId11"/>
+    <p:sldId id="263" r:id="rId12"/>
+    <p:sldId id="264" r:id="rId13"/>
+    <p:sldId id="267" r:id="rId14"/>
+    <p:sldId id="268" r:id="rId15"/>
   </p:sldIdLst>
   <p:sldSz cx="12192000" cy="6858000"/>
   <p:notesSz cx="6858000" cy="9144000"/>
@@ -116,7 +120,509 @@
       </a:defRPr>
     </a:lvl9pPr>
   </p:defaultTextStyle>
+  <p:extLst>
+    <p:ext uri="{EFAFB233-063F-42B5-8137-9DF3F51BA10A}">
+      <p15:sldGuideLst xmlns:p15="http://schemas.microsoft.com/office/powerpoint/2012/main"/>
+    </p:ext>
+  </p:extLst>
 </p:presentation>
+</file>
+
+<file path=ppt/commentAuthors.xml><?xml version="1.0" encoding="utf-8"?>
+<p:cmAuthorLst xmlns:a="http://schemas.openxmlformats.org/drawingml/2006/main" xmlns:r="http://schemas.openxmlformats.org/officeDocument/2006/relationships" xmlns:p="http://schemas.openxmlformats.org/presentationml/2006/main">
+  <p:cmAuthor id="1" name="siyanaslavova@gmail.com" initials="s" lastIdx="4" clrIdx="0">
+    <p:extLst>
+      <p:ext uri="{19B8F6BF-5375-455C-9EA6-DF929625EA0E}">
+        <p15:presenceInfo xmlns:p15="http://schemas.microsoft.com/office/powerpoint/2012/main" userId="siyanaslavova@gmail.com" providerId="None"/>
+      </p:ext>
+    </p:extLst>
+  </p:cmAuthor>
+</p:cmAuthorLst>
+</file>
+
+<file path=ppt/comments/comment1.xml><?xml version="1.0" encoding="utf-8"?>
+<p:cmLst xmlns:a="http://schemas.openxmlformats.org/drawingml/2006/main" xmlns:r="http://schemas.openxmlformats.org/officeDocument/2006/relationships" xmlns:p="http://schemas.openxmlformats.org/presentationml/2006/main">
+  <p:cm authorId="1" dt="2016-07-08T08:32:21.254" idx="3">
+    <p:pos x="5780" y="1415"/>
+    <p:text>промених текста</p:text>
+    <p:extLst>
+      <p:ext uri="{C676402C-5697-4E1C-873F-D02D1690AC5C}">
+        <p15:threadingInfo xmlns:p15="http://schemas.microsoft.com/office/powerpoint/2012/main" timeZoneBias="-180"/>
+      </p:ext>
+    </p:extLst>
+  </p:cm>
+</p:cmLst>
+</file>
+
+<file path=ppt/comments/comment2.xml><?xml version="1.0" encoding="utf-8"?>
+<p:cmLst xmlns:a="http://schemas.openxmlformats.org/drawingml/2006/main" xmlns:r="http://schemas.openxmlformats.org/officeDocument/2006/relationships" xmlns:p="http://schemas.openxmlformats.org/presentationml/2006/main">
+  <p:cm authorId="1" dt="2016-07-08T08:32:31.807" idx="4">
+    <p:pos x="4669" y="1981"/>
+    <p:text>промених текста</p:text>
+    <p:extLst>
+      <p:ext uri="{C676402C-5697-4E1C-873F-D02D1690AC5C}">
+        <p15:threadingInfo xmlns:p15="http://schemas.microsoft.com/office/powerpoint/2012/main" timeZoneBias="-180"/>
+      </p:ext>
+    </p:extLst>
+  </p:cm>
+</p:cmLst>
+</file>
+
+<file path=ppt/comments/comment3.xml><?xml version="1.0" encoding="utf-8"?>
+<p:cmLst xmlns:a="http://schemas.openxmlformats.org/drawingml/2006/main" xmlns:r="http://schemas.openxmlformats.org/officeDocument/2006/relationships" xmlns:p="http://schemas.openxmlformats.org/presentationml/2006/main">
+  <p:cm authorId="1" dt="2016-07-08T08:32:01.182" idx="1">
+    <p:pos x="10" y="10"/>
+    <p:text>Добавих нов слайд</p:text>
+    <p:extLst>
+      <p:ext uri="{C676402C-5697-4E1C-873F-D02D1690AC5C}">
+        <p15:threadingInfo xmlns:p15="http://schemas.microsoft.com/office/powerpoint/2012/main" timeZoneBias="-180"/>
+      </p:ext>
+    </p:extLst>
+  </p:cm>
+  <p:cm authorId="1" dt="2016-07-08T08:32:08.635" idx="2">
+    <p:pos x="146" y="146"/>
+    <p:text/>
+    <p:extLst>
+      <p:ext uri="{C676402C-5697-4E1C-873F-D02D1690AC5C}">
+        <p15:threadingInfo xmlns:p15="http://schemas.microsoft.com/office/powerpoint/2012/main" timeZoneBias="-180"/>
+      </p:ext>
+    </p:extLst>
+  </p:cm>
+</p:cmLst>
+</file>
+
+<file path=ppt/notesMasters/notesMaster1.xml><?xml version="1.0" encoding="utf-8"?>
+<p:notesMaster xmlns:a="http://schemas.openxmlformats.org/drawingml/2006/main" xmlns:r="http://schemas.openxmlformats.org/officeDocument/2006/relationships" xmlns:p="http://schemas.openxmlformats.org/presentationml/2006/main">
+  <p:cSld>
+    <p:bg>
+      <p:bgRef idx="1001">
+        <a:schemeClr val="bg1"/>
+      </p:bgRef>
+    </p:bg>
+    <p:spTree>
+      <p:nvGrpSpPr>
+        <p:cNvPr id="1" name=""/>
+        <p:cNvGrpSpPr/>
+        <p:nvPr/>
+      </p:nvGrpSpPr>
+      <p:grpSpPr>
+        <a:xfrm>
+          <a:off x="0" y="0"/>
+          <a:ext cx="0" cy="0"/>
+          <a:chOff x="0" y="0"/>
+          <a:chExt cx="0" cy="0"/>
+        </a:xfrm>
+      </p:grpSpPr>
+      <p:sp>
+        <p:nvSpPr>
+          <p:cNvPr id="2" name="Контейнер за горния колонтитул 1"/>
+          <p:cNvSpPr>
+            <a:spLocks noGrp="1"/>
+          </p:cNvSpPr>
+          <p:nvPr>
+            <p:ph type="hdr" sz="quarter"/>
+          </p:nvPr>
+        </p:nvSpPr>
+        <p:spPr>
+          <a:xfrm>
+            <a:off x="0" y="0"/>
+            <a:ext cx="2971800" cy="458788"/>
+          </a:xfrm>
+          <a:prstGeom prst="rect">
+            <a:avLst/>
+          </a:prstGeom>
+        </p:spPr>
+        <p:txBody>
+          <a:bodyPr vert="horz" lIns="91440" tIns="45720" rIns="91440" bIns="45720" rtlCol="0"/>
+          <a:lstStyle>
+            <a:lvl1pPr algn="l">
+              <a:defRPr sz="1200"/>
+            </a:lvl1pPr>
+          </a:lstStyle>
+          <a:p>
+            <a:endParaRPr lang="bg-BG"/>
+          </a:p>
+        </p:txBody>
+      </p:sp>
+      <p:sp>
+        <p:nvSpPr>
+          <p:cNvPr id="3" name="Контейнер за дата 2"/>
+          <p:cNvSpPr>
+            <a:spLocks noGrp="1"/>
+          </p:cNvSpPr>
+          <p:nvPr>
+            <p:ph type="dt" idx="1"/>
+          </p:nvPr>
+        </p:nvSpPr>
+        <p:spPr>
+          <a:xfrm>
+            <a:off x="3884613" y="0"/>
+            <a:ext cx="2971800" cy="458788"/>
+          </a:xfrm>
+          <a:prstGeom prst="rect">
+            <a:avLst/>
+          </a:prstGeom>
+        </p:spPr>
+        <p:txBody>
+          <a:bodyPr vert="horz" lIns="91440" tIns="45720" rIns="91440" bIns="45720" rtlCol="0"/>
+          <a:lstStyle>
+            <a:lvl1pPr algn="r">
+              <a:defRPr sz="1200"/>
+            </a:lvl1pPr>
+          </a:lstStyle>
+          <a:p>
+            <a:fld id="{F71AC204-EDC8-4BB0-AD2A-924652005A5D}" type="datetimeFigureOut">
+              <a:rPr lang="bg-BG" smtClean="0"/>
+              <a:t>8.7.2016 г.</a:t>
+            </a:fld>
+            <a:endParaRPr lang="bg-BG"/>
+          </a:p>
+        </p:txBody>
+      </p:sp>
+      <p:sp>
+        <p:nvSpPr>
+          <p:cNvPr id="4" name="Контейнер за изображение на слайда 3"/>
+          <p:cNvSpPr>
+            <a:spLocks noGrp="1" noRot="1" noChangeAspect="1"/>
+          </p:cNvSpPr>
+          <p:nvPr>
+            <p:ph type="sldImg" idx="2"/>
+          </p:nvPr>
+        </p:nvSpPr>
+        <p:spPr>
+          <a:xfrm>
+            <a:off x="685800" y="1143000"/>
+            <a:ext cx="5486400" cy="3086100"/>
+          </a:xfrm>
+          <a:prstGeom prst="rect">
+            <a:avLst/>
+          </a:prstGeom>
+          <a:noFill/>
+          <a:ln w="12700">
+            <a:solidFill>
+              <a:prstClr val="black"/>
+            </a:solidFill>
+          </a:ln>
+        </p:spPr>
+        <p:txBody>
+          <a:bodyPr vert="horz" lIns="91440" tIns="45720" rIns="91440" bIns="45720" rtlCol="0" anchor="ctr"/>
+          <a:lstStyle/>
+          <a:p>
+            <a:endParaRPr lang="bg-BG"/>
+          </a:p>
+        </p:txBody>
+      </p:sp>
+      <p:sp>
+        <p:nvSpPr>
+          <p:cNvPr id="5" name="Контейнер за бележки 4"/>
+          <p:cNvSpPr>
+            <a:spLocks noGrp="1"/>
+          </p:cNvSpPr>
+          <p:nvPr>
+            <p:ph type="body" sz="quarter" idx="3"/>
+          </p:nvPr>
+        </p:nvSpPr>
+        <p:spPr>
+          <a:xfrm>
+            <a:off x="685800" y="4400550"/>
+            <a:ext cx="5486400" cy="3600450"/>
+          </a:xfrm>
+          <a:prstGeom prst="rect">
+            <a:avLst/>
+          </a:prstGeom>
+        </p:spPr>
+        <p:txBody>
+          <a:bodyPr vert="horz" lIns="91440" tIns="45720" rIns="91440" bIns="45720" rtlCol="0"/>
+          <a:lstStyle/>
+          <a:p>
+            <a:pPr lvl="0"/>
+            <a:r>
+              <a:rPr lang="bg-BG" smtClean="0"/>
+              <a:t>Редактиране на стиловете на текста в образеца</a:t>
+            </a:r>
+          </a:p>
+          <a:p>
+            <a:pPr lvl="1"/>
+            <a:r>
+              <a:rPr lang="bg-BG" smtClean="0"/>
+              <a:t>Второ ниво</a:t>
+            </a:r>
+          </a:p>
+          <a:p>
+            <a:pPr lvl="2"/>
+            <a:r>
+              <a:rPr lang="bg-BG" smtClean="0"/>
+              <a:t>Трето ниво</a:t>
+            </a:r>
+          </a:p>
+          <a:p>
+            <a:pPr lvl="3"/>
+            <a:r>
+              <a:rPr lang="bg-BG" smtClean="0"/>
+              <a:t>Четвърто ниво</a:t>
+            </a:r>
+          </a:p>
+          <a:p>
+            <a:pPr lvl="4"/>
+            <a:r>
+              <a:rPr lang="bg-BG" smtClean="0"/>
+              <a:t>Пето ниво</a:t>
+            </a:r>
+            <a:endParaRPr lang="bg-BG"/>
+          </a:p>
+        </p:txBody>
+      </p:sp>
+      <p:sp>
+        <p:nvSpPr>
+          <p:cNvPr id="6" name="Контейнер за долния колонтитул 5"/>
+          <p:cNvSpPr>
+            <a:spLocks noGrp="1"/>
+          </p:cNvSpPr>
+          <p:nvPr>
+            <p:ph type="ftr" sz="quarter" idx="4"/>
+          </p:nvPr>
+        </p:nvSpPr>
+        <p:spPr>
+          <a:xfrm>
+            <a:off x="0" y="8685213"/>
+            <a:ext cx="2971800" cy="458787"/>
+          </a:xfrm>
+          <a:prstGeom prst="rect">
+            <a:avLst/>
+          </a:prstGeom>
+        </p:spPr>
+        <p:txBody>
+          <a:bodyPr vert="horz" lIns="91440" tIns="45720" rIns="91440" bIns="45720" rtlCol="0" anchor="b"/>
+          <a:lstStyle>
+            <a:lvl1pPr algn="l">
+              <a:defRPr sz="1200"/>
+            </a:lvl1pPr>
+          </a:lstStyle>
+          <a:p>
+            <a:endParaRPr lang="bg-BG"/>
+          </a:p>
+        </p:txBody>
+      </p:sp>
+      <p:sp>
+        <p:nvSpPr>
+          <p:cNvPr id="7" name="Контейнер за номер на слайда 6"/>
+          <p:cNvSpPr>
+            <a:spLocks noGrp="1"/>
+          </p:cNvSpPr>
+          <p:nvPr>
+            <p:ph type="sldNum" sz="quarter" idx="5"/>
+          </p:nvPr>
+        </p:nvSpPr>
+        <p:spPr>
+          <a:xfrm>
+            <a:off x="3884613" y="8685213"/>
+            <a:ext cx="2971800" cy="458787"/>
+          </a:xfrm>
+          <a:prstGeom prst="rect">
+            <a:avLst/>
+          </a:prstGeom>
+        </p:spPr>
+        <p:txBody>
+          <a:bodyPr vert="horz" lIns="91440" tIns="45720" rIns="91440" bIns="45720" rtlCol="0" anchor="b"/>
+          <a:lstStyle>
+            <a:lvl1pPr algn="r">
+              <a:defRPr sz="1200"/>
+            </a:lvl1pPr>
+          </a:lstStyle>
+          <a:p>
+            <a:fld id="{66015946-2655-4954-B417-6BEF6F72C2B5}" type="slidenum">
+              <a:rPr lang="bg-BG" smtClean="0"/>
+              <a:t>‹#›</a:t>
+            </a:fld>
+            <a:endParaRPr lang="bg-BG"/>
+          </a:p>
+        </p:txBody>
+      </p:sp>
+    </p:spTree>
+    <p:extLst>
+      <p:ext uri="{BB962C8B-B14F-4D97-AF65-F5344CB8AC3E}">
+        <p14:creationId xmlns:p14="http://schemas.microsoft.com/office/powerpoint/2010/main" val="1695117515"/>
+      </p:ext>
+    </p:extLst>
+  </p:cSld>
+  <p:clrMap bg1="lt1" tx1="dk1" bg2="lt2" tx2="dk2" accent1="accent1" accent2="accent2" accent3="accent3" accent4="accent4" accent5="accent5" accent6="accent6" hlink="hlink" folHlink="folHlink"/>
+  <p:notesStyle>
+    <a:lvl1pPr marL="0" algn="l" defTabSz="914400" rtl="0" eaLnBrk="1" latinLnBrk="0" hangingPunct="1">
+      <a:defRPr sz="1200" kern="1200">
+        <a:solidFill>
+          <a:schemeClr val="tx1"/>
+        </a:solidFill>
+        <a:latin typeface="+mn-lt"/>
+        <a:ea typeface="+mn-ea"/>
+        <a:cs typeface="+mn-cs"/>
+      </a:defRPr>
+    </a:lvl1pPr>
+    <a:lvl2pPr marL="457200" algn="l" defTabSz="914400" rtl="0" eaLnBrk="1" latinLnBrk="0" hangingPunct="1">
+      <a:defRPr sz="1200" kern="1200">
+        <a:solidFill>
+          <a:schemeClr val="tx1"/>
+        </a:solidFill>
+        <a:latin typeface="+mn-lt"/>
+        <a:ea typeface="+mn-ea"/>
+        <a:cs typeface="+mn-cs"/>
+      </a:defRPr>
+    </a:lvl2pPr>
+    <a:lvl3pPr marL="914400" algn="l" defTabSz="914400" rtl="0" eaLnBrk="1" latinLnBrk="0" hangingPunct="1">
+      <a:defRPr sz="1200" kern="1200">
+        <a:solidFill>
+          <a:schemeClr val="tx1"/>
+        </a:solidFill>
+        <a:latin typeface="+mn-lt"/>
+        <a:ea typeface="+mn-ea"/>
+        <a:cs typeface="+mn-cs"/>
+      </a:defRPr>
+    </a:lvl3pPr>
+    <a:lvl4pPr marL="1371600" algn="l" defTabSz="914400" rtl="0" eaLnBrk="1" latinLnBrk="0" hangingPunct="1">
+      <a:defRPr sz="1200" kern="1200">
+        <a:solidFill>
+          <a:schemeClr val="tx1"/>
+        </a:solidFill>
+        <a:latin typeface="+mn-lt"/>
+        <a:ea typeface="+mn-ea"/>
+        <a:cs typeface="+mn-cs"/>
+      </a:defRPr>
+    </a:lvl4pPr>
+    <a:lvl5pPr marL="1828800" algn="l" defTabSz="914400" rtl="0" eaLnBrk="1" latinLnBrk="0" hangingPunct="1">
+      <a:defRPr sz="1200" kern="1200">
+        <a:solidFill>
+          <a:schemeClr val="tx1"/>
+        </a:solidFill>
+        <a:latin typeface="+mn-lt"/>
+        <a:ea typeface="+mn-ea"/>
+        <a:cs typeface="+mn-cs"/>
+      </a:defRPr>
+    </a:lvl5pPr>
+    <a:lvl6pPr marL="2286000" algn="l" defTabSz="914400" rtl="0" eaLnBrk="1" latinLnBrk="0" hangingPunct="1">
+      <a:defRPr sz="1200" kern="1200">
+        <a:solidFill>
+          <a:schemeClr val="tx1"/>
+        </a:solidFill>
+        <a:latin typeface="+mn-lt"/>
+        <a:ea typeface="+mn-ea"/>
+        <a:cs typeface="+mn-cs"/>
+      </a:defRPr>
+    </a:lvl6pPr>
+    <a:lvl7pPr marL="2743200" algn="l" defTabSz="914400" rtl="0" eaLnBrk="1" latinLnBrk="0" hangingPunct="1">
+      <a:defRPr sz="1200" kern="1200">
+        <a:solidFill>
+          <a:schemeClr val="tx1"/>
+        </a:solidFill>
+        <a:latin typeface="+mn-lt"/>
+        <a:ea typeface="+mn-ea"/>
+        <a:cs typeface="+mn-cs"/>
+      </a:defRPr>
+    </a:lvl7pPr>
+    <a:lvl8pPr marL="3200400" algn="l" defTabSz="914400" rtl="0" eaLnBrk="1" latinLnBrk="0" hangingPunct="1">
+      <a:defRPr sz="1200" kern="1200">
+        <a:solidFill>
+          <a:schemeClr val="tx1"/>
+        </a:solidFill>
+        <a:latin typeface="+mn-lt"/>
+        <a:ea typeface="+mn-ea"/>
+        <a:cs typeface="+mn-cs"/>
+      </a:defRPr>
+    </a:lvl8pPr>
+    <a:lvl9pPr marL="3657600" algn="l" defTabSz="914400" rtl="0" eaLnBrk="1" latinLnBrk="0" hangingPunct="1">
+      <a:defRPr sz="1200" kern="1200">
+        <a:solidFill>
+          <a:schemeClr val="tx1"/>
+        </a:solidFill>
+        <a:latin typeface="+mn-lt"/>
+        <a:ea typeface="+mn-ea"/>
+        <a:cs typeface="+mn-cs"/>
+      </a:defRPr>
+    </a:lvl9pPr>
+  </p:notesStyle>
+</p:notesMaster>
+</file>
+
+<file path=ppt/notesSlides/notesSlide1.xml><?xml version="1.0" encoding="utf-8"?>
+<p:notes xmlns:a="http://schemas.openxmlformats.org/drawingml/2006/main" xmlns:r="http://schemas.openxmlformats.org/officeDocument/2006/relationships" xmlns:p="http://schemas.openxmlformats.org/presentationml/2006/main">
+  <p:cSld>
+    <p:spTree>
+      <p:nvGrpSpPr>
+        <p:cNvPr id="1" name=""/>
+        <p:cNvGrpSpPr/>
+        <p:nvPr/>
+      </p:nvGrpSpPr>
+      <p:grpSpPr>
+        <a:xfrm>
+          <a:off x="0" y="0"/>
+          <a:ext cx="0" cy="0"/>
+          <a:chOff x="0" y="0"/>
+          <a:chExt cx="0" cy="0"/>
+        </a:xfrm>
+      </p:grpSpPr>
+      <p:sp>
+        <p:nvSpPr>
+          <p:cNvPr id="2" name="Контейнер за изображение на слайда 1"/>
+          <p:cNvSpPr>
+            <a:spLocks noGrp="1" noRot="1" noChangeAspect="1"/>
+          </p:cNvSpPr>
+          <p:nvPr>
+            <p:ph type="sldImg"/>
+          </p:nvPr>
+        </p:nvSpPr>
+        <p:spPr/>
+      </p:sp>
+      <p:sp>
+        <p:nvSpPr>
+          <p:cNvPr id="3" name="Контейнер за бележки 2"/>
+          <p:cNvSpPr>
+            <a:spLocks noGrp="1"/>
+          </p:cNvSpPr>
+          <p:nvPr>
+            <p:ph type="body" idx="1"/>
+          </p:nvPr>
+        </p:nvSpPr>
+        <p:spPr/>
+        <p:txBody>
+          <a:bodyPr/>
+          <a:lstStyle/>
+          <a:p>
+            <a:endParaRPr lang="bg-BG" dirty="0"/>
+          </a:p>
+        </p:txBody>
+      </p:sp>
+      <p:sp>
+        <p:nvSpPr>
+          <p:cNvPr id="4" name="Контейнер за номер на слайда 3"/>
+          <p:cNvSpPr>
+            <a:spLocks noGrp="1"/>
+          </p:cNvSpPr>
+          <p:nvPr>
+            <p:ph type="sldNum" sz="quarter" idx="10"/>
+          </p:nvPr>
+        </p:nvSpPr>
+        <p:spPr/>
+        <p:txBody>
+          <a:bodyPr/>
+          <a:lstStyle/>
+          <a:p>
+            <a:fld id="{66015946-2655-4954-B417-6BEF6F72C2B5}" type="slidenum">
+              <a:rPr lang="bg-BG" smtClean="0"/>
+              <a:t>7</a:t>
+            </a:fld>
+            <a:endParaRPr lang="bg-BG"/>
+          </a:p>
+        </p:txBody>
+      </p:sp>
+    </p:spTree>
+    <p:extLst>
+      <p:ext uri="{BB962C8B-B14F-4D97-AF65-F5344CB8AC3E}">
+        <p14:creationId xmlns:p14="http://schemas.microsoft.com/office/powerpoint/2010/main" val="3156103983"/>
+      </p:ext>
+    </p:extLst>
+  </p:cSld>
+  <p:clrMapOvr>
+    <a:masterClrMapping/>
+  </p:clrMapOvr>
+</p:notes>
 </file>
 
 <file path=ppt/slideLayouts/slideLayout1.xml><?xml version="1.0" encoding="utf-8"?>
@@ -250,7 +756,7 @@
           <a:p>
             <a:fld id="{4D74DCA7-5B67-463B-8595-46BF50DFC0C8}" type="datetimeFigureOut">
               <a:rPr lang="bg-BG" smtClean="0"/>
-              <a:t>7.7.2016 г.</a:t>
+              <a:t>8.7.2016 г.</a:t>
             </a:fld>
             <a:endParaRPr lang="bg-BG"/>
           </a:p>
@@ -420,7 +926,7 @@
           <a:p>
             <a:fld id="{4D74DCA7-5B67-463B-8595-46BF50DFC0C8}" type="datetimeFigureOut">
               <a:rPr lang="bg-BG" smtClean="0"/>
-              <a:t>7.7.2016 г.</a:t>
+              <a:t>8.7.2016 г.</a:t>
             </a:fld>
             <a:endParaRPr lang="bg-BG"/>
           </a:p>
@@ -600,7 +1106,7 @@
           <a:p>
             <a:fld id="{4D74DCA7-5B67-463B-8595-46BF50DFC0C8}" type="datetimeFigureOut">
               <a:rPr lang="bg-BG" smtClean="0"/>
-              <a:t>7.7.2016 г.</a:t>
+              <a:t>8.7.2016 г.</a:t>
             </a:fld>
             <a:endParaRPr lang="bg-BG"/>
           </a:p>
@@ -770,7 +1276,7 @@
           <a:p>
             <a:fld id="{4D74DCA7-5B67-463B-8595-46BF50DFC0C8}" type="datetimeFigureOut">
               <a:rPr lang="bg-BG" smtClean="0"/>
-              <a:t>7.7.2016 г.</a:t>
+              <a:t>8.7.2016 г.</a:t>
             </a:fld>
             <a:endParaRPr lang="bg-BG"/>
           </a:p>
@@ -1016,7 +1522,7 @@
           <a:p>
             <a:fld id="{4D74DCA7-5B67-463B-8595-46BF50DFC0C8}" type="datetimeFigureOut">
               <a:rPr lang="bg-BG" smtClean="0"/>
-              <a:t>7.7.2016 г.</a:t>
+              <a:t>8.7.2016 г.</a:t>
             </a:fld>
             <a:endParaRPr lang="bg-BG"/>
           </a:p>
@@ -1248,7 +1754,7 @@
           <a:p>
             <a:fld id="{4D74DCA7-5B67-463B-8595-46BF50DFC0C8}" type="datetimeFigureOut">
               <a:rPr lang="bg-BG" smtClean="0"/>
-              <a:t>7.7.2016 г.</a:t>
+              <a:t>8.7.2016 г.</a:t>
             </a:fld>
             <a:endParaRPr lang="bg-BG"/>
           </a:p>
@@ -1615,7 +2121,7 @@
           <a:p>
             <a:fld id="{4D74DCA7-5B67-463B-8595-46BF50DFC0C8}" type="datetimeFigureOut">
               <a:rPr lang="bg-BG" smtClean="0"/>
-              <a:t>7.7.2016 г.</a:t>
+              <a:t>8.7.2016 г.</a:t>
             </a:fld>
             <a:endParaRPr lang="bg-BG"/>
           </a:p>
@@ -1733,7 +2239,7 @@
           <a:p>
             <a:fld id="{4D74DCA7-5B67-463B-8595-46BF50DFC0C8}" type="datetimeFigureOut">
               <a:rPr lang="bg-BG" smtClean="0"/>
-              <a:t>7.7.2016 г.</a:t>
+              <a:t>8.7.2016 г.</a:t>
             </a:fld>
             <a:endParaRPr lang="bg-BG"/>
           </a:p>
@@ -1828,7 +2334,7 @@
           <a:p>
             <a:fld id="{4D74DCA7-5B67-463B-8595-46BF50DFC0C8}" type="datetimeFigureOut">
               <a:rPr lang="bg-BG" smtClean="0"/>
-              <a:t>7.7.2016 г.</a:t>
+              <a:t>8.7.2016 г.</a:t>
             </a:fld>
             <a:endParaRPr lang="bg-BG"/>
           </a:p>
@@ -2105,7 +2611,7 @@
           <a:p>
             <a:fld id="{4D74DCA7-5B67-463B-8595-46BF50DFC0C8}" type="datetimeFigureOut">
               <a:rPr lang="bg-BG" smtClean="0"/>
-              <a:t>7.7.2016 г.</a:t>
+              <a:t>8.7.2016 г.</a:t>
             </a:fld>
             <a:endParaRPr lang="bg-BG"/>
           </a:p>
@@ -2358,7 +2864,7 @@
           <a:p>
             <a:fld id="{4D74DCA7-5B67-463B-8595-46BF50DFC0C8}" type="datetimeFigureOut">
               <a:rPr lang="bg-BG" smtClean="0"/>
-              <a:t>7.7.2016 г.</a:t>
+              <a:t>8.7.2016 г.</a:t>
             </a:fld>
             <a:endParaRPr lang="bg-BG"/>
           </a:p>
@@ -2571,7 +3077,7 @@
           <a:p>
             <a:fld id="{4D74DCA7-5B67-463B-8595-46BF50DFC0C8}" type="datetimeFigureOut">
               <a:rPr lang="bg-BG" smtClean="0"/>
-              <a:t>7.7.2016 г.</a:t>
+              <a:t>8.7.2016 г.</a:t>
             </a:fld>
             <a:endParaRPr lang="bg-BG"/>
           </a:p>
@@ -3409,6 +3915,514 @@
         </p:nvSpPr>
         <p:spPr>
           <a:xfrm>
+            <a:off x="0" y="3495425"/>
+            <a:ext cx="4379495" cy="4351338"/>
+          </a:xfrm>
+        </p:spPr>
+        <p:txBody>
+          <a:bodyPr/>
+          <a:lstStyle/>
+          <a:p>
+            <a:pPr marL="0" indent="0">
+              <a:buNone/>
+            </a:pPr>
+            <a:r>
+              <a:rPr lang="en-US" dirty="0" err="1"/>
+              <a:t>Статистика</a:t>
+            </a:r>
+            <a:r>
+              <a:rPr lang="en-US" dirty="0"/>
+              <a:t> </a:t>
+            </a:r>
+            <a:r>
+              <a:rPr lang="en-US" dirty="0" err="1"/>
+              <a:t>за</a:t>
+            </a:r>
+            <a:r>
+              <a:rPr lang="en-US" dirty="0"/>
+              <a:t> </a:t>
+            </a:r>
+            <a:r>
+              <a:rPr lang="en-US" dirty="0" err="1"/>
+              <a:t>положителните</a:t>
+            </a:r>
+            <a:r>
+              <a:rPr lang="en-US" dirty="0"/>
+              <a:t> </a:t>
+            </a:r>
+            <a:r>
+              <a:rPr lang="en-US" dirty="0" err="1"/>
+              <a:t>коментари</a:t>
+            </a:r>
+            <a:endParaRPr lang="bg-BG" dirty="0"/>
+          </a:p>
+          <a:p>
+            <a:pPr marL="0" indent="0">
+              <a:buNone/>
+            </a:pPr>
+            <a:r>
+              <a:rPr lang="en-US" dirty="0"/>
+              <a:t>-------------------------------------- </a:t>
+            </a:r>
+            <a:endParaRPr lang="bg-BG" dirty="0"/>
+          </a:p>
+          <a:p>
+            <a:pPr marL="0" indent="0">
+              <a:buNone/>
+            </a:pPr>
+            <a:r>
+              <a:rPr lang="en-US" dirty="0"/>
+              <a:t>Precision positive: 0,83333 </a:t>
+            </a:r>
+            <a:endParaRPr lang="bg-BG" dirty="0"/>
+          </a:p>
+          <a:p>
+            <a:pPr marL="0" indent="0">
+              <a:buNone/>
+            </a:pPr>
+            <a:r>
+              <a:rPr lang="en-US" dirty="0"/>
+              <a:t>Recall positive: 0,50000 </a:t>
+            </a:r>
+            <a:endParaRPr lang="bg-BG" dirty="0"/>
+          </a:p>
+          <a:p>
+            <a:pPr marL="0" indent="0">
+              <a:buNone/>
+            </a:pPr>
+            <a:r>
+              <a:rPr lang="en-US" dirty="0"/>
+              <a:t>F1 positive: 0,62500 </a:t>
+            </a:r>
+            <a:endParaRPr lang="bg-BG" dirty="0"/>
+          </a:p>
+          <a:p>
+            <a:pPr marL="0" indent="0">
+              <a:buNone/>
+            </a:pPr>
+            <a:r>
+              <a:rPr lang="en-US" dirty="0"/>
+              <a:t>-------------------------------------- </a:t>
+            </a:r>
+            <a:endParaRPr lang="bg-BG" dirty="0"/>
+          </a:p>
+          <a:p>
+            <a:endParaRPr lang="bg-BG" dirty="0"/>
+          </a:p>
+        </p:txBody>
+      </p:sp>
+      <p:sp>
+        <p:nvSpPr>
+          <p:cNvPr id="7" name="Текстово поле 6"/>
+          <p:cNvSpPr txBox="1"/>
+          <p:nvPr/>
+        </p:nvSpPr>
+        <p:spPr>
+          <a:xfrm>
+            <a:off x="4235116" y="3495425"/>
+            <a:ext cx="4403558" cy="3448123"/>
+          </a:xfrm>
+          <a:prstGeom prst="rect">
+            <a:avLst/>
+          </a:prstGeom>
+          <a:noFill/>
+        </p:spPr>
+        <p:txBody>
+          <a:bodyPr wrap="square" rtlCol="0">
+            <a:spAutoFit/>
+          </a:bodyPr>
+          <a:lstStyle/>
+          <a:p>
+            <a:pPr>
+              <a:lnSpc>
+                <a:spcPct val="90000"/>
+              </a:lnSpc>
+              <a:spcBef>
+                <a:spcPts val="1000"/>
+              </a:spcBef>
+            </a:pPr>
+            <a:r>
+              <a:rPr lang="en-US" sz="2800" dirty="0" err="1"/>
+              <a:t>Статистика</a:t>
+            </a:r>
+            <a:r>
+              <a:rPr lang="en-US" sz="2800" dirty="0"/>
+              <a:t> </a:t>
+            </a:r>
+            <a:r>
+              <a:rPr lang="en-US" sz="2800" dirty="0" err="1"/>
+              <a:t>за</a:t>
+            </a:r>
+            <a:r>
+              <a:rPr lang="en-US" sz="2800" dirty="0"/>
+              <a:t> </a:t>
+            </a:r>
+            <a:r>
+              <a:rPr lang="en-US" sz="2800" dirty="0" err="1"/>
+              <a:t>негативните</a:t>
+            </a:r>
+            <a:r>
+              <a:rPr lang="en-US" sz="2800" dirty="0"/>
+              <a:t> </a:t>
+            </a:r>
+            <a:r>
+              <a:rPr lang="en-US" sz="2800" dirty="0" err="1"/>
+              <a:t>коментари</a:t>
+            </a:r>
+            <a:endParaRPr lang="bg-BG" sz="2800" dirty="0"/>
+          </a:p>
+          <a:p>
+            <a:pPr>
+              <a:lnSpc>
+                <a:spcPct val="90000"/>
+              </a:lnSpc>
+              <a:spcBef>
+                <a:spcPts val="1000"/>
+              </a:spcBef>
+            </a:pPr>
+            <a:r>
+              <a:rPr lang="en-US" sz="2800" dirty="0" smtClean="0"/>
+              <a:t>------------------------------------ </a:t>
+            </a:r>
+            <a:endParaRPr lang="bg-BG" sz="2800" dirty="0"/>
+          </a:p>
+          <a:p>
+            <a:pPr>
+              <a:lnSpc>
+                <a:spcPct val="90000"/>
+              </a:lnSpc>
+              <a:spcBef>
+                <a:spcPts val="1000"/>
+              </a:spcBef>
+            </a:pPr>
+            <a:r>
+              <a:rPr lang="en-US" sz="2800" dirty="0"/>
+              <a:t>Precision negative: 0,56140 </a:t>
+            </a:r>
+            <a:endParaRPr lang="bg-BG" sz="2800" dirty="0"/>
+          </a:p>
+          <a:p>
+            <a:pPr>
+              <a:lnSpc>
+                <a:spcPct val="90000"/>
+              </a:lnSpc>
+              <a:spcBef>
+                <a:spcPts val="1000"/>
+              </a:spcBef>
+            </a:pPr>
+            <a:r>
+              <a:rPr lang="en-US" sz="2800" dirty="0"/>
+              <a:t>Recall negative: 0,86486 </a:t>
+            </a:r>
+            <a:endParaRPr lang="bg-BG" sz="2800" dirty="0"/>
+          </a:p>
+          <a:p>
+            <a:pPr>
+              <a:lnSpc>
+                <a:spcPct val="90000"/>
+              </a:lnSpc>
+              <a:spcBef>
+                <a:spcPts val="1000"/>
+              </a:spcBef>
+            </a:pPr>
+            <a:r>
+              <a:rPr lang="en-US" sz="2800" dirty="0"/>
+              <a:t>F1 negative: 0,68085 </a:t>
+            </a:r>
+            <a:endParaRPr lang="bg-BG" sz="2800" dirty="0"/>
+          </a:p>
+          <a:p>
+            <a:pPr>
+              <a:lnSpc>
+                <a:spcPct val="90000"/>
+              </a:lnSpc>
+              <a:spcBef>
+                <a:spcPts val="1000"/>
+              </a:spcBef>
+            </a:pPr>
+            <a:r>
+              <a:rPr lang="en-US" sz="2800" dirty="0" smtClean="0"/>
+              <a:t>------------------------------------ </a:t>
+            </a:r>
+            <a:endParaRPr lang="bg-BG" sz="2800" dirty="0"/>
+          </a:p>
+        </p:txBody>
+      </p:sp>
+      <p:sp>
+        <p:nvSpPr>
+          <p:cNvPr id="8" name="Текстово поле 7"/>
+          <p:cNvSpPr txBox="1"/>
+          <p:nvPr/>
+        </p:nvSpPr>
+        <p:spPr>
+          <a:xfrm>
+            <a:off x="8325852" y="3495425"/>
+            <a:ext cx="4259179" cy="3725122"/>
+          </a:xfrm>
+          <a:prstGeom prst="rect">
+            <a:avLst/>
+          </a:prstGeom>
+          <a:noFill/>
+        </p:spPr>
+        <p:txBody>
+          <a:bodyPr wrap="square" rtlCol="0">
+            <a:spAutoFit/>
+          </a:bodyPr>
+          <a:lstStyle/>
+          <a:p>
+            <a:pPr>
+              <a:lnSpc>
+                <a:spcPct val="90000"/>
+              </a:lnSpc>
+              <a:spcBef>
+                <a:spcPts val="1000"/>
+              </a:spcBef>
+            </a:pPr>
+            <a:r>
+              <a:rPr lang="en-US" sz="2800" dirty="0" err="1"/>
+              <a:t>Статистика</a:t>
+            </a:r>
+            <a:r>
+              <a:rPr lang="en-US" sz="2800" dirty="0"/>
+              <a:t> </a:t>
+            </a:r>
+            <a:r>
+              <a:rPr lang="en-US" sz="2800" dirty="0" err="1"/>
+              <a:t>за</a:t>
+            </a:r>
+            <a:r>
+              <a:rPr lang="en-US" sz="2800" dirty="0"/>
+              <a:t> </a:t>
+            </a:r>
+            <a:r>
+              <a:rPr lang="en-US" sz="2800" dirty="0" err="1"/>
+              <a:t>всички</a:t>
+            </a:r>
+            <a:r>
+              <a:rPr lang="en-US" sz="2800" dirty="0"/>
+              <a:t> </a:t>
+            </a:r>
+            <a:r>
+              <a:rPr lang="en-US" sz="2800" dirty="0" err="1"/>
+              <a:t>коментари</a:t>
+            </a:r>
+            <a:endParaRPr lang="bg-BG" sz="2800" dirty="0"/>
+          </a:p>
+          <a:p>
+            <a:pPr>
+              <a:lnSpc>
+                <a:spcPct val="90000"/>
+              </a:lnSpc>
+              <a:spcBef>
+                <a:spcPts val="1000"/>
+              </a:spcBef>
+            </a:pPr>
+            <a:r>
+              <a:rPr lang="en-US" sz="2800" dirty="0" smtClean="0"/>
+              <a:t>--------------------------------- </a:t>
+            </a:r>
+            <a:endParaRPr lang="bg-BG" sz="2800" dirty="0"/>
+          </a:p>
+          <a:p>
+            <a:pPr>
+              <a:lnSpc>
+                <a:spcPct val="90000"/>
+              </a:lnSpc>
+              <a:spcBef>
+                <a:spcPts val="1000"/>
+              </a:spcBef>
+            </a:pPr>
+            <a:r>
+              <a:rPr lang="en-US" sz="2800" dirty="0"/>
+              <a:t>Precision overall : 0,65517 </a:t>
+            </a:r>
+            <a:endParaRPr lang="bg-BG" sz="2800" dirty="0"/>
+          </a:p>
+          <a:p>
+            <a:pPr>
+              <a:lnSpc>
+                <a:spcPct val="90000"/>
+              </a:lnSpc>
+              <a:spcBef>
+                <a:spcPts val="1000"/>
+              </a:spcBef>
+            </a:pPr>
+            <a:r>
+              <a:rPr lang="en-US" sz="2800" dirty="0"/>
+              <a:t>Recall overall : 0,65517 </a:t>
+            </a:r>
+            <a:endParaRPr lang="bg-BG" sz="2800" dirty="0"/>
+          </a:p>
+          <a:p>
+            <a:pPr>
+              <a:lnSpc>
+                <a:spcPct val="90000"/>
+              </a:lnSpc>
+              <a:spcBef>
+                <a:spcPts val="1000"/>
+              </a:spcBef>
+            </a:pPr>
+            <a:r>
+              <a:rPr lang="en-US" sz="2800" dirty="0"/>
+              <a:t>F1 overall : 0,65517 </a:t>
+            </a:r>
+            <a:endParaRPr lang="bg-BG" sz="2800" dirty="0"/>
+          </a:p>
+          <a:p>
+            <a:pPr>
+              <a:lnSpc>
+                <a:spcPct val="90000"/>
+              </a:lnSpc>
+              <a:spcBef>
+                <a:spcPts val="1000"/>
+              </a:spcBef>
+            </a:pPr>
+            <a:r>
+              <a:rPr lang="en-US" sz="2800" dirty="0" smtClean="0"/>
+              <a:t>--------------------------------- </a:t>
+            </a:r>
+            <a:endParaRPr lang="bg-BG" sz="2800" dirty="0"/>
+          </a:p>
+          <a:p>
+            <a:endParaRPr lang="bg-BG" dirty="0"/>
+          </a:p>
+        </p:txBody>
+      </p:sp>
+      <p:sp>
+        <p:nvSpPr>
+          <p:cNvPr id="9" name="Текстово поле 8"/>
+          <p:cNvSpPr txBox="1"/>
+          <p:nvPr/>
+        </p:nvSpPr>
+        <p:spPr>
+          <a:xfrm>
+            <a:off x="539416" y="1352134"/>
+            <a:ext cx="11113168" cy="954107"/>
+          </a:xfrm>
+          <a:prstGeom prst="rect">
+            <a:avLst/>
+          </a:prstGeom>
+          <a:noFill/>
+        </p:spPr>
+        <p:txBody>
+          <a:bodyPr wrap="square" rtlCol="0">
+            <a:spAutoFit/>
+          </a:bodyPr>
+          <a:lstStyle/>
+          <a:p>
+            <a:pPr marL="457200" indent="-457200">
+              <a:buFont typeface="Arial" panose="020B0604020202020204" pitchFamily="34" charset="0"/>
+              <a:buChar char="•"/>
+            </a:pPr>
+            <a:r>
+              <a:rPr lang="bg-BG" sz="2800" dirty="0"/>
+              <a:t>Тестване с коментари върху класификатора, трениран с обучаващо множество на български език от версия 1 (170 коментара) :</a:t>
+            </a:r>
+          </a:p>
+        </p:txBody>
+      </p:sp>
+      <p:pic>
+        <p:nvPicPr>
+          <p:cNvPr id="10" name="Картина 9"/>
+          <p:cNvPicPr>
+            <a:picLocks noChangeAspect="1"/>
+          </p:cNvPicPr>
+          <p:nvPr/>
+        </p:nvPicPr>
+        <p:blipFill>
+          <a:blip r:embed="rId2">
+            <a:extLst>
+              <a:ext uri="{28A0092B-C50C-407E-A947-70E740481C1C}">
+                <a14:useLocalDpi xmlns:a14="http://schemas.microsoft.com/office/drawing/2010/main" val="0"/>
+              </a:ext>
+            </a:extLst>
+          </a:blip>
+          <a:stretch>
+            <a:fillRect/>
+          </a:stretch>
+        </p:blipFill>
+        <p:spPr>
+          <a:xfrm>
+            <a:off x="9964152" y="1829187"/>
+            <a:ext cx="1688432" cy="1688432"/>
+          </a:xfrm>
+          <a:prstGeom prst="rect">
+            <a:avLst/>
+          </a:prstGeom>
+        </p:spPr>
+      </p:pic>
+    </p:spTree>
+    <p:extLst>
+      <p:ext uri="{BB962C8B-B14F-4D97-AF65-F5344CB8AC3E}">
+        <p14:creationId xmlns:p14="http://schemas.microsoft.com/office/powerpoint/2010/main" val="3915308906"/>
+      </p:ext>
+    </p:extLst>
+  </p:cSld>
+  <p:clrMapOvr>
+    <a:masterClrMapping/>
+  </p:clrMapOvr>
+  <p:timing>
+    <p:tnLst>
+      <p:par>
+        <p:cTn id="1" dur="indefinite" restart="never" nodeType="tmRoot"/>
+      </p:par>
+    </p:tnLst>
+  </p:timing>
+</p:sld>
+</file>
+
+<file path=ppt/slides/slide11.xml><?xml version="1.0" encoding="utf-8"?>
+<p:sld xmlns:a="http://schemas.openxmlformats.org/drawingml/2006/main" xmlns:r="http://schemas.openxmlformats.org/officeDocument/2006/relationships" xmlns:p="http://schemas.openxmlformats.org/presentationml/2006/main">
+  <p:cSld>
+    <p:spTree>
+      <p:nvGrpSpPr>
+        <p:cNvPr id="1" name=""/>
+        <p:cNvGrpSpPr/>
+        <p:nvPr/>
+      </p:nvGrpSpPr>
+      <p:grpSpPr>
+        <a:xfrm>
+          <a:off x="0" y="0"/>
+          <a:ext cx="0" cy="0"/>
+          <a:chOff x="0" y="0"/>
+          <a:chExt cx="0" cy="0"/>
+        </a:xfrm>
+      </p:grpSpPr>
+      <p:sp>
+        <p:nvSpPr>
+          <p:cNvPr id="2" name="Заглавие 1"/>
+          <p:cNvSpPr>
+            <a:spLocks noGrp="1"/>
+          </p:cNvSpPr>
+          <p:nvPr>
+            <p:ph type="title"/>
+          </p:nvPr>
+        </p:nvSpPr>
+        <p:spPr/>
+        <p:txBody>
+          <a:bodyPr/>
+          <a:lstStyle/>
+          <a:p>
+            <a:r>
+              <a:rPr lang="bg-BG" dirty="0" smtClean="0"/>
+              <a:t>Резултати</a:t>
+            </a:r>
+            <a:endParaRPr lang="bg-BG" dirty="0"/>
+          </a:p>
+        </p:txBody>
+      </p:sp>
+      <p:sp>
+        <p:nvSpPr>
+          <p:cNvPr id="3" name="Контейнер за съдържание 2"/>
+          <p:cNvSpPr>
+            <a:spLocks noGrp="1"/>
+          </p:cNvSpPr>
+          <p:nvPr>
+            <p:ph idx="1"/>
+          </p:nvPr>
+        </p:nvSpPr>
+        <p:spPr>
+          <a:xfrm>
             <a:off x="838200" y="1825625"/>
             <a:ext cx="10515600" cy="1567280"/>
           </a:xfrm>
@@ -4068,7 +5082,7 @@
 </p:sld>
 </file>
 
-<file path=ppt/slides/slide11.xml><?xml version="1.0" encoding="utf-8"?>
+<file path=ppt/slides/slide12.xml><?xml version="1.0" encoding="utf-8"?>
 <p:sld xmlns:a="http://schemas.openxmlformats.org/drawingml/2006/main" xmlns:r="http://schemas.openxmlformats.org/officeDocument/2006/relationships" xmlns:p="http://schemas.openxmlformats.org/presentationml/2006/main">
   <p:cSld>
     <p:spTree>
@@ -4884,7 +5898,7 @@
 </p:sld>
 </file>
 
-<file path=ppt/slides/slide12.xml><?xml version="1.0" encoding="utf-8"?>
+<file path=ppt/slides/slide13.xml><?xml version="1.0" encoding="utf-8"?>
 <p:sld xmlns:a="http://schemas.openxmlformats.org/drawingml/2006/main" xmlns:r="http://schemas.openxmlformats.org/officeDocument/2006/relationships" xmlns:p="http://schemas.openxmlformats.org/presentationml/2006/main">
   <p:cSld>
     <p:spTree>
@@ -5186,7 +6200,7 @@
 </p:sld>
 </file>
 
-<file path=ppt/slides/slide13.xml><?xml version="1.0" encoding="utf-8"?>
+<file path=ppt/slides/slide14.xml><?xml version="1.0" encoding="utf-8"?>
 <p:sld xmlns:a="http://schemas.openxmlformats.org/drawingml/2006/main" xmlns:r="http://schemas.openxmlformats.org/officeDocument/2006/relationships" xmlns:p="http://schemas.openxmlformats.org/presentationml/2006/main">
   <p:cSld>
     <p:spTree>
@@ -5621,14 +6635,23 @@
             </a:r>
             <a:r>
               <a:rPr lang="bg-BG" dirty="0" smtClean="0"/>
-              <a:t>ги преведохме</a:t>
-            </a:r>
+              <a:t>ги </a:t>
+            </a:r>
+            <a:r>
+              <a:rPr lang="bg-BG" dirty="0" smtClean="0"/>
+              <a:t>използвахме за обучение</a:t>
+            </a:r>
+            <a:endParaRPr lang="bg-BG" dirty="0" smtClean="0"/>
           </a:p>
           <a:p>
             <a:pPr lvl="2"/>
             <a:r>
               <a:rPr lang="bg-BG" dirty="0" smtClean="0"/>
-              <a:t>Превеждахме чрез Bing </a:t>
+              <a:t>Превеждахме </a:t>
+            </a:r>
+            <a:r>
+              <a:rPr lang="bg-BG" dirty="0" smtClean="0"/>
+              <a:t>чрез Bing </a:t>
             </a:r>
             <a:r>
               <a:rPr lang="bg-BG" dirty="0" err="1" smtClean="0"/>
@@ -5846,8 +6869,16 @@
           </a:p>
           <a:p>
             <a:r>
+              <a:rPr lang="bg-BG" dirty="0"/>
+              <a:t>Нека автоматично </a:t>
+            </a:r>
+            <a:r>
               <a:rPr lang="bg-BG" dirty="0" smtClean="0"/>
-              <a:t>Нека си направим наши класификатори.</a:t>
+              <a:t>си </a:t>
+            </a:r>
+            <a:r>
+              <a:rPr lang="bg-BG" dirty="0" smtClean="0"/>
+              <a:t>генерираме данни.</a:t>
             </a:r>
             <a:endParaRPr lang="bg-BG" dirty="0"/>
           </a:p>
@@ -5875,8 +6906,8 @@
         </p:blipFill>
         <p:spPr>
           <a:xfrm>
-            <a:off x="6833936" y="2513708"/>
-            <a:ext cx="5574631" cy="4344292"/>
+            <a:off x="7479395" y="3294529"/>
+            <a:ext cx="4572675" cy="3563471"/>
           </a:xfrm>
           <a:prstGeom prst="rect">
             <a:avLst/>
@@ -6147,7 +7178,11 @@
             <a:pPr lvl="1"/>
             <a:r>
               <a:rPr lang="bg-BG" dirty="0" smtClean="0"/>
-              <a:t>Преведохме българските некласифицирани коментари от БГ мама</a:t>
+              <a:t>Преведохме част от </a:t>
+            </a:r>
+            <a:r>
+              <a:rPr lang="bg-BG" dirty="0" smtClean="0"/>
+              <a:t>българските некласифицирани коментари от БГ мама</a:t>
             </a:r>
             <a:endParaRPr lang="en-US" dirty="0" smtClean="0"/>
           </a:p>
@@ -6161,7 +7196,6 @@
               <a:rPr lang="bg-BG" dirty="0" smtClean="0"/>
               <a:t>коментара</a:t>
             </a:r>
-            <a:endParaRPr lang="bg-BG" dirty="0" smtClean="0"/>
           </a:p>
           <a:p>
             <a:pPr lvl="1"/>
@@ -6249,6 +7283,619 @@
       </p:grpSpPr>
       <p:sp>
         <p:nvSpPr>
+          <p:cNvPr id="5" name="Закръглен правоъгълник 4"/>
+          <p:cNvSpPr/>
+          <p:nvPr/>
+        </p:nvSpPr>
+        <p:spPr>
+          <a:xfrm>
+            <a:off x="726178" y="4723455"/>
+            <a:ext cx="2662518" cy="1021977"/>
+          </a:xfrm>
+          <a:prstGeom prst="roundRect">
+            <a:avLst/>
+          </a:prstGeom>
+        </p:spPr>
+        <p:style>
+          <a:lnRef idx="2">
+            <a:schemeClr val="accent1">
+              <a:shade val="50000"/>
+            </a:schemeClr>
+          </a:lnRef>
+          <a:fillRef idx="1">
+            <a:schemeClr val="accent1"/>
+          </a:fillRef>
+          <a:effectRef idx="0">
+            <a:schemeClr val="accent1"/>
+          </a:effectRef>
+          <a:fontRef idx="minor">
+            <a:schemeClr val="lt1"/>
+          </a:fontRef>
+        </p:style>
+        <p:txBody>
+          <a:bodyPr rtlCol="0" anchor="ctr"/>
+          <a:lstStyle/>
+          <a:p>
+            <a:pPr algn="ctr"/>
+            <a:r>
+              <a:rPr lang="bg-BG" dirty="0" smtClean="0"/>
+              <a:t>БГ некласифицирани коментари</a:t>
+            </a:r>
+            <a:endParaRPr lang="bg-BG" dirty="0"/>
+          </a:p>
+        </p:txBody>
+      </p:sp>
+      <p:sp>
+        <p:nvSpPr>
+          <p:cNvPr id="6" name="Закръглен правоъгълник 5"/>
+          <p:cNvSpPr/>
+          <p:nvPr/>
+        </p:nvSpPr>
+        <p:spPr>
+          <a:xfrm>
+            <a:off x="8583743" y="4723455"/>
+            <a:ext cx="2662518" cy="1021977"/>
+          </a:xfrm>
+          <a:prstGeom prst="roundRect">
+            <a:avLst/>
+          </a:prstGeom>
+        </p:spPr>
+        <p:style>
+          <a:lnRef idx="2">
+            <a:schemeClr val="accent1">
+              <a:shade val="50000"/>
+            </a:schemeClr>
+          </a:lnRef>
+          <a:fillRef idx="1">
+            <a:schemeClr val="accent1"/>
+          </a:fillRef>
+          <a:effectRef idx="0">
+            <a:schemeClr val="accent1"/>
+          </a:effectRef>
+          <a:fontRef idx="minor">
+            <a:schemeClr val="lt1"/>
+          </a:fontRef>
+        </p:style>
+        <p:txBody>
+          <a:bodyPr rtlCol="0" anchor="ctr"/>
+          <a:lstStyle/>
+          <a:p>
+            <a:pPr algn="ctr"/>
+            <a:r>
+              <a:rPr lang="bg-BG" dirty="0" smtClean="0"/>
+              <a:t>Англ. </a:t>
+            </a:r>
+            <a:r>
+              <a:rPr lang="bg-BG" dirty="0"/>
+              <a:t>к</a:t>
+            </a:r>
+            <a:r>
+              <a:rPr lang="bg-BG" dirty="0" smtClean="0"/>
+              <a:t>ласифицирани коментари</a:t>
+            </a:r>
+            <a:endParaRPr lang="bg-BG" dirty="0"/>
+          </a:p>
+        </p:txBody>
+      </p:sp>
+      <p:sp>
+        <p:nvSpPr>
+          <p:cNvPr id="8" name="Овал 7"/>
+          <p:cNvSpPr/>
+          <p:nvPr/>
+        </p:nvSpPr>
+        <p:spPr>
+          <a:xfrm>
+            <a:off x="7319719" y="1120101"/>
+            <a:ext cx="2528047" cy="1129553"/>
+          </a:xfrm>
+          <a:prstGeom prst="ellipse">
+            <a:avLst/>
+          </a:prstGeom>
+        </p:spPr>
+        <p:style>
+          <a:lnRef idx="1">
+            <a:schemeClr val="accent4"/>
+          </a:lnRef>
+          <a:fillRef idx="2">
+            <a:schemeClr val="accent4"/>
+          </a:fillRef>
+          <a:effectRef idx="1">
+            <a:schemeClr val="accent4"/>
+          </a:effectRef>
+          <a:fontRef idx="minor">
+            <a:schemeClr val="dk1"/>
+          </a:fontRef>
+        </p:style>
+        <p:txBody>
+          <a:bodyPr rtlCol="0" anchor="ctr"/>
+          <a:lstStyle/>
+          <a:p>
+            <a:pPr algn="ctr"/>
+            <a:r>
+              <a:rPr lang="bg-BG" dirty="0" smtClean="0"/>
+              <a:t>Класификатор (</a:t>
+            </a:r>
+            <a:r>
+              <a:rPr lang="en-US" dirty="0" smtClean="0"/>
+              <a:t>EN</a:t>
+            </a:r>
+            <a:r>
+              <a:rPr lang="bg-BG" dirty="0" smtClean="0"/>
+              <a:t>)</a:t>
+            </a:r>
+            <a:endParaRPr lang="bg-BG" dirty="0"/>
+          </a:p>
+        </p:txBody>
+      </p:sp>
+      <p:cxnSp>
+        <p:nvCxnSpPr>
+          <p:cNvPr id="10" name="Съединител &quot;права стрелка&quot; 9"/>
+          <p:cNvCxnSpPr>
+            <a:stCxn id="6" idx="0"/>
+            <a:endCxn id="8" idx="4"/>
+          </p:cNvCxnSpPr>
+          <p:nvPr/>
+        </p:nvCxnSpPr>
+        <p:spPr>
+          <a:xfrm flipH="1" flipV="1">
+            <a:off x="8583743" y="2249654"/>
+            <a:ext cx="1331259" cy="2473801"/>
+          </a:xfrm>
+          <a:prstGeom prst="straightConnector1">
+            <a:avLst/>
+          </a:prstGeom>
+          <a:ln>
+            <a:headEnd type="none" w="med" len="med"/>
+            <a:tailEnd type="arrow" w="med" len="med"/>
+          </a:ln>
+        </p:spPr>
+        <p:style>
+          <a:lnRef idx="2">
+            <a:schemeClr val="accent2"/>
+          </a:lnRef>
+          <a:fillRef idx="0">
+            <a:schemeClr val="accent2"/>
+          </a:fillRef>
+          <a:effectRef idx="1">
+            <a:schemeClr val="accent2"/>
+          </a:effectRef>
+          <a:fontRef idx="minor">
+            <a:schemeClr val="tx1"/>
+          </a:fontRef>
+        </p:style>
+      </p:cxnSp>
+      <p:sp>
+        <p:nvSpPr>
+          <p:cNvPr id="12" name="Текстово поле 11"/>
+          <p:cNvSpPr txBox="1"/>
+          <p:nvPr/>
+        </p:nvSpPr>
+        <p:spPr>
+          <a:xfrm>
+            <a:off x="8916337" y="3653323"/>
+            <a:ext cx="1382110" cy="369332"/>
+          </a:xfrm>
+          <a:prstGeom prst="rect">
+            <a:avLst/>
+          </a:prstGeom>
+          <a:noFill/>
+        </p:spPr>
+        <p:txBody>
+          <a:bodyPr wrap="none" rtlCol="0">
+            <a:spAutoFit/>
+          </a:bodyPr>
+          <a:lstStyle/>
+          <a:p>
+            <a:r>
+              <a:rPr lang="bg-BG" dirty="0" smtClean="0"/>
+              <a:t>&lt;Обучение&gt;</a:t>
+            </a:r>
+            <a:endParaRPr lang="bg-BG" dirty="0"/>
+          </a:p>
+        </p:txBody>
+      </p:sp>
+      <p:sp>
+        <p:nvSpPr>
+          <p:cNvPr id="15" name="Текстово поле 14"/>
+          <p:cNvSpPr txBox="1"/>
+          <p:nvPr/>
+        </p:nvSpPr>
+        <p:spPr>
+          <a:xfrm>
+            <a:off x="5929747" y="3653323"/>
+            <a:ext cx="1981633" cy="369332"/>
+          </a:xfrm>
+          <a:prstGeom prst="rect">
+            <a:avLst/>
+          </a:prstGeom>
+          <a:noFill/>
+        </p:spPr>
+        <p:txBody>
+          <a:bodyPr wrap="none" rtlCol="0">
+            <a:spAutoFit/>
+          </a:bodyPr>
+          <a:lstStyle/>
+          <a:p>
+            <a:r>
+              <a:rPr lang="bg-BG" dirty="0" smtClean="0"/>
+              <a:t>&lt;Класифициране&gt;</a:t>
+            </a:r>
+            <a:endParaRPr lang="bg-BG" dirty="0"/>
+          </a:p>
+        </p:txBody>
+      </p:sp>
+      <p:sp>
+        <p:nvSpPr>
+          <p:cNvPr id="20" name="Закръглен правоъгълник 19"/>
+          <p:cNvSpPr/>
+          <p:nvPr/>
+        </p:nvSpPr>
+        <p:spPr>
+          <a:xfrm>
+            <a:off x="5109917" y="4723454"/>
+            <a:ext cx="2662518" cy="1021977"/>
+          </a:xfrm>
+          <a:prstGeom prst="roundRect">
+            <a:avLst/>
+          </a:prstGeom>
+        </p:spPr>
+        <p:style>
+          <a:lnRef idx="2">
+            <a:schemeClr val="accent1">
+              <a:shade val="50000"/>
+            </a:schemeClr>
+          </a:lnRef>
+          <a:fillRef idx="1">
+            <a:schemeClr val="accent1"/>
+          </a:fillRef>
+          <a:effectRef idx="0">
+            <a:schemeClr val="accent1"/>
+          </a:effectRef>
+          <a:fontRef idx="minor">
+            <a:schemeClr val="lt1"/>
+          </a:fontRef>
+        </p:style>
+        <p:txBody>
+          <a:bodyPr rtlCol="0" anchor="ctr"/>
+          <a:lstStyle/>
+          <a:p>
+            <a:pPr algn="ctr"/>
+            <a:r>
+              <a:rPr lang="bg-BG" dirty="0" smtClean="0"/>
+              <a:t>Преведени на англ. некласифицирани коментари</a:t>
+            </a:r>
+            <a:endParaRPr lang="bg-BG" dirty="0"/>
+          </a:p>
+        </p:txBody>
+      </p:sp>
+      <p:cxnSp>
+        <p:nvCxnSpPr>
+          <p:cNvPr id="22" name="Съединител &quot;права стрелка&quot; 21"/>
+          <p:cNvCxnSpPr/>
+          <p:nvPr/>
+        </p:nvCxnSpPr>
+        <p:spPr>
+          <a:xfrm>
+            <a:off x="3388696" y="5603776"/>
+            <a:ext cx="1721221" cy="29753"/>
+          </a:xfrm>
+          <a:prstGeom prst="straightConnector1">
+            <a:avLst/>
+          </a:prstGeom>
+          <a:ln w="9525" cap="flat" cmpd="sng" algn="ctr">
+            <a:solidFill>
+              <a:schemeClr val="accent4"/>
+            </a:solidFill>
+            <a:prstDash val="solid"/>
+            <a:round/>
+            <a:headEnd type="none" w="med" len="med"/>
+            <a:tailEnd type="arrow" w="med" len="med"/>
+          </a:ln>
+        </p:spPr>
+        <p:style>
+          <a:lnRef idx="0">
+            <a:scrgbClr r="0" g="0" b="0"/>
+          </a:lnRef>
+          <a:fillRef idx="0">
+            <a:scrgbClr r="0" g="0" b="0"/>
+          </a:fillRef>
+          <a:effectRef idx="0">
+            <a:scrgbClr r="0" g="0" b="0"/>
+          </a:effectRef>
+          <a:fontRef idx="minor">
+            <a:schemeClr val="tx1"/>
+          </a:fontRef>
+        </p:style>
+      </p:cxnSp>
+      <p:cxnSp>
+        <p:nvCxnSpPr>
+          <p:cNvPr id="24" name="Съединител &quot;права стрелка&quot; 23"/>
+          <p:cNvCxnSpPr>
+            <a:stCxn id="8" idx="4"/>
+            <a:endCxn id="20" idx="0"/>
+          </p:cNvCxnSpPr>
+          <p:nvPr/>
+        </p:nvCxnSpPr>
+        <p:spPr>
+          <a:xfrm flipH="1">
+            <a:off x="6441176" y="2249654"/>
+            <a:ext cx="2142567" cy="2473800"/>
+          </a:xfrm>
+          <a:prstGeom prst="straightConnector1">
+            <a:avLst/>
+          </a:prstGeom>
+          <a:ln>
+            <a:tailEnd type="triangle"/>
+          </a:ln>
+        </p:spPr>
+        <p:style>
+          <a:lnRef idx="1">
+            <a:schemeClr val="accent1"/>
+          </a:lnRef>
+          <a:fillRef idx="0">
+            <a:schemeClr val="accent1"/>
+          </a:fillRef>
+          <a:effectRef idx="0">
+            <a:schemeClr val="accent1"/>
+          </a:effectRef>
+          <a:fontRef idx="minor">
+            <a:schemeClr val="tx1"/>
+          </a:fontRef>
+        </p:style>
+      </p:cxnSp>
+      <p:sp>
+        <p:nvSpPr>
+          <p:cNvPr id="27" name="Текстово поле 26"/>
+          <p:cNvSpPr txBox="1"/>
+          <p:nvPr/>
+        </p:nvSpPr>
+        <p:spPr>
+          <a:xfrm>
+            <a:off x="3673668" y="5633529"/>
+            <a:ext cx="1151277" cy="369332"/>
+          </a:xfrm>
+          <a:prstGeom prst="rect">
+            <a:avLst/>
+          </a:prstGeom>
+          <a:noFill/>
+        </p:spPr>
+        <p:txBody>
+          <a:bodyPr wrap="none" rtlCol="0">
+            <a:spAutoFit/>
+          </a:bodyPr>
+          <a:lstStyle/>
+          <a:p>
+            <a:r>
+              <a:rPr lang="bg-BG" dirty="0" smtClean="0"/>
+              <a:t>&lt;Превод&gt;</a:t>
+            </a:r>
+            <a:endParaRPr lang="bg-BG" dirty="0"/>
+          </a:p>
+        </p:txBody>
+      </p:sp>
+      <p:sp>
+        <p:nvSpPr>
+          <p:cNvPr id="30" name="Овал 29"/>
+          <p:cNvSpPr/>
+          <p:nvPr/>
+        </p:nvSpPr>
+        <p:spPr>
+          <a:xfrm>
+            <a:off x="1526062" y="1096524"/>
+            <a:ext cx="2528047" cy="1129553"/>
+          </a:xfrm>
+          <a:prstGeom prst="ellipse">
+            <a:avLst/>
+          </a:prstGeom>
+        </p:spPr>
+        <p:style>
+          <a:lnRef idx="1">
+            <a:schemeClr val="accent4"/>
+          </a:lnRef>
+          <a:fillRef idx="2">
+            <a:schemeClr val="accent4"/>
+          </a:fillRef>
+          <a:effectRef idx="1">
+            <a:schemeClr val="accent4"/>
+          </a:effectRef>
+          <a:fontRef idx="minor">
+            <a:schemeClr val="dk1"/>
+          </a:fontRef>
+        </p:style>
+        <p:txBody>
+          <a:bodyPr rtlCol="0" anchor="ctr"/>
+          <a:lstStyle/>
+          <a:p>
+            <a:pPr algn="ctr"/>
+            <a:r>
+              <a:rPr lang="bg-BG" dirty="0" smtClean="0"/>
+              <a:t>Класификатор (</a:t>
+            </a:r>
+            <a:r>
+              <a:rPr lang="en-US" dirty="0" smtClean="0"/>
+              <a:t>BG</a:t>
+            </a:r>
+            <a:r>
+              <a:rPr lang="bg-BG" dirty="0" smtClean="0"/>
+              <a:t>)</a:t>
+            </a:r>
+            <a:endParaRPr lang="bg-BG" dirty="0"/>
+          </a:p>
+        </p:txBody>
+      </p:sp>
+      <p:cxnSp>
+        <p:nvCxnSpPr>
+          <p:cNvPr id="32" name="Съединител &quot;права стрелка&quot; 31"/>
+          <p:cNvCxnSpPr/>
+          <p:nvPr/>
+        </p:nvCxnSpPr>
+        <p:spPr>
+          <a:xfrm flipH="1">
+            <a:off x="3388696" y="4893786"/>
+            <a:ext cx="1721221" cy="0"/>
+          </a:xfrm>
+          <a:prstGeom prst="straightConnector1">
+            <a:avLst/>
+          </a:prstGeom>
+          <a:ln w="9525" cap="flat" cmpd="sng" algn="ctr">
+            <a:solidFill>
+              <a:schemeClr val="accent1"/>
+            </a:solidFill>
+            <a:prstDash val="solid"/>
+            <a:round/>
+            <a:headEnd type="none" w="med" len="med"/>
+            <a:tailEnd type="arrow" w="med" len="med"/>
+          </a:ln>
+        </p:spPr>
+        <p:style>
+          <a:lnRef idx="0">
+            <a:scrgbClr r="0" g="0" b="0"/>
+          </a:lnRef>
+          <a:fillRef idx="0">
+            <a:scrgbClr r="0" g="0" b="0"/>
+          </a:fillRef>
+          <a:effectRef idx="0">
+            <a:scrgbClr r="0" g="0" b="0"/>
+          </a:effectRef>
+          <a:fontRef idx="minor">
+            <a:schemeClr val="tx1"/>
+          </a:fontRef>
+        </p:style>
+      </p:cxnSp>
+      <p:sp>
+        <p:nvSpPr>
+          <p:cNvPr id="33" name="Текстово поле 32"/>
+          <p:cNvSpPr txBox="1"/>
+          <p:nvPr/>
+        </p:nvSpPr>
+        <p:spPr>
+          <a:xfrm>
+            <a:off x="3489206" y="4554177"/>
+            <a:ext cx="1648400" cy="338554"/>
+          </a:xfrm>
+          <a:prstGeom prst="rect">
+            <a:avLst/>
+          </a:prstGeom>
+          <a:noFill/>
+        </p:spPr>
+        <p:txBody>
+          <a:bodyPr wrap="none" rtlCol="0">
+            <a:spAutoFit/>
+          </a:bodyPr>
+          <a:lstStyle/>
+          <a:p>
+            <a:r>
+              <a:rPr lang="bg-BG" sz="1600" dirty="0" smtClean="0"/>
+              <a:t>&lt;Класификация&gt;</a:t>
+            </a:r>
+            <a:endParaRPr lang="bg-BG" sz="1600" dirty="0"/>
+          </a:p>
+        </p:txBody>
+      </p:sp>
+      <p:cxnSp>
+        <p:nvCxnSpPr>
+          <p:cNvPr id="39" name="Съединител &quot;права стрелка&quot; 38"/>
+          <p:cNvCxnSpPr>
+            <a:stCxn id="5" idx="0"/>
+            <a:endCxn id="30" idx="4"/>
+          </p:cNvCxnSpPr>
+          <p:nvPr/>
+        </p:nvCxnSpPr>
+        <p:spPr>
+          <a:xfrm flipV="1">
+            <a:off x="2057437" y="2226077"/>
+            <a:ext cx="732649" cy="2497378"/>
+          </a:xfrm>
+          <a:prstGeom prst="straightConnector1">
+            <a:avLst/>
+          </a:prstGeom>
+          <a:ln w="9525" cap="flat" cmpd="sng" algn="ctr">
+            <a:solidFill>
+              <a:schemeClr val="accent2"/>
+            </a:solidFill>
+            <a:prstDash val="solid"/>
+            <a:round/>
+            <a:headEnd type="none" w="med" len="med"/>
+            <a:tailEnd type="arrow" w="med" len="med"/>
+          </a:ln>
+        </p:spPr>
+        <p:style>
+          <a:lnRef idx="0">
+            <a:scrgbClr r="0" g="0" b="0"/>
+          </a:lnRef>
+          <a:fillRef idx="0">
+            <a:scrgbClr r="0" g="0" b="0"/>
+          </a:fillRef>
+          <a:effectRef idx="0">
+            <a:scrgbClr r="0" g="0" b="0"/>
+          </a:effectRef>
+          <a:fontRef idx="minor">
+            <a:schemeClr val="tx1"/>
+          </a:fontRef>
+        </p:style>
+      </p:cxnSp>
+      <p:sp>
+        <p:nvSpPr>
+          <p:cNvPr id="40" name="Текстово поле 39"/>
+          <p:cNvSpPr txBox="1"/>
+          <p:nvPr/>
+        </p:nvSpPr>
+        <p:spPr>
+          <a:xfrm>
+            <a:off x="1732706" y="3332146"/>
+            <a:ext cx="1382110" cy="369332"/>
+          </a:xfrm>
+          <a:prstGeom prst="rect">
+            <a:avLst/>
+          </a:prstGeom>
+          <a:noFill/>
+        </p:spPr>
+        <p:txBody>
+          <a:bodyPr wrap="none" rtlCol="0">
+            <a:spAutoFit/>
+          </a:bodyPr>
+          <a:lstStyle/>
+          <a:p>
+            <a:r>
+              <a:rPr lang="bg-BG" dirty="0" smtClean="0"/>
+              <a:t>&lt;Обучение&gt;</a:t>
+            </a:r>
+            <a:endParaRPr lang="bg-BG" dirty="0"/>
+          </a:p>
+        </p:txBody>
+      </p:sp>
+    </p:spTree>
+    <p:extLst>
+      <p:ext uri="{BB962C8B-B14F-4D97-AF65-F5344CB8AC3E}">
+        <p14:creationId xmlns:p14="http://schemas.microsoft.com/office/powerpoint/2010/main" val="721594521"/>
+      </p:ext>
+    </p:extLst>
+  </p:cSld>
+  <p:clrMapOvr>
+    <a:masterClrMapping/>
+  </p:clrMapOvr>
+</p:sld>
+</file>
+
+<file path=ppt/slides/slide8.xml><?xml version="1.0" encoding="utf-8"?>
+<p:sld xmlns:a="http://schemas.openxmlformats.org/drawingml/2006/main" xmlns:r="http://schemas.openxmlformats.org/officeDocument/2006/relationships" xmlns:p="http://schemas.openxmlformats.org/presentationml/2006/main">
+  <p:cSld>
+    <p:spTree>
+      <p:nvGrpSpPr>
+        <p:cNvPr id="1" name=""/>
+        <p:cNvGrpSpPr/>
+        <p:nvPr/>
+      </p:nvGrpSpPr>
+      <p:grpSpPr>
+        <a:xfrm>
+          <a:off x="0" y="0"/>
+          <a:ext cx="0" cy="0"/>
+          <a:chOff x="0" y="0"/>
+          <a:chExt cx="0" cy="0"/>
+        </a:xfrm>
+      </p:grpSpPr>
+      <p:sp>
+        <p:nvSpPr>
           <p:cNvPr id="2" name="Заглавие 1"/>
           <p:cNvSpPr>
             <a:spLocks noGrp="1"/>
@@ -6361,8 +8008,8 @@
           </a:p>
         </p:txBody>
       </p:sp>
-      <mc:AlternateContent xmlns:mc="http://schemas.openxmlformats.org/markup-compatibility/2006">
-        <mc:Choice xmlns:a14="http://schemas.microsoft.com/office/drawing/2010/main" Requires="a14">
+      <mc:AlternateContent xmlns:mc="http://schemas.openxmlformats.org/markup-compatibility/2006" xmlns:a14="http://schemas.microsoft.com/office/drawing/2010/main">
+        <mc:Choice Requires="a14">
           <p:sp>
             <p:nvSpPr>
               <p:cNvPr id="4" name="Правоъгълник 3"/>
@@ -6384,6 +8031,7 @@
               </a:bodyPr>
               <a:lstStyle/>
               <a:p>
+                <a:pPr/>
                 <a14:m>
                   <m:oMathPara xmlns:m="http://schemas.openxmlformats.org/officeDocument/2006/math">
                     <m:oMathParaPr>
@@ -6394,7 +8042,7 @@
                         <m:dPr>
                           <m:begChr m:val=""/>
                           <m:ctrlPr>
-                            <a:rPr lang="bg-BG" sz="4000" smtClean="0">
+                            <a:rPr lang="bg-BG" sz="4000" i="1" smtClean="0">
                               <a:latin typeface="Cambria Math" panose="02040503050406030204" pitchFamily="18" charset="0"/>
                             </a:rPr>
                           </m:ctrlPr>
@@ -6404,13 +8052,7 @@
                             <a:rPr lang="en-US" sz="4000" b="0" i="1" smtClean="0">
                               <a:latin typeface="Cambria Math" panose="02040503050406030204" pitchFamily="18" charset="0"/>
                             </a:rPr>
-                            <m:t>𝑚𝑎</m:t>
-                          </m:r>
-                          <m:r>
-                            <a:rPr lang="en-US" sz="4000" b="0" i="1" smtClean="0">
-                              <a:latin typeface="Cambria Math" panose="02040503050406030204" pitchFamily="18" charset="0"/>
-                            </a:rPr>
-                            <m:t>𝑥</m:t>
+                            <m:t>𝑚𝑎𝑥</m:t>
                           </m:r>
                           <m:func>
                             <m:funcPr>
@@ -6565,7 +8207,7 @@
             </p:txBody>
           </p:sp>
         </mc:Choice>
-        <mc:Fallback>
+        <mc:Fallback xmlns="">
           <p:sp>
             <p:nvSpPr>
               <p:cNvPr id="4" name="Правоъгълник 3"/>
@@ -6654,7 +8296,7 @@
 </p:sld>
 </file>
 
-<file path=ppt/slides/slide8.xml><?xml version="1.0" encoding="utf-8"?>
+<file path=ppt/slides/slide9.xml><?xml version="1.0" encoding="utf-8"?>
 <p:sld xmlns:a="http://schemas.openxmlformats.org/drawingml/2006/main" xmlns:r="http://schemas.openxmlformats.org/officeDocument/2006/relationships" xmlns:p="http://schemas.openxmlformats.org/presentationml/2006/main">
   <p:cSld>
     <p:spTree>
@@ -6843,514 +8485,6 @@
     <p:extLst>
       <p:ext uri="{BB962C8B-B14F-4D97-AF65-F5344CB8AC3E}">
         <p14:creationId xmlns:p14="http://schemas.microsoft.com/office/powerpoint/2010/main" val="355751057"/>
-      </p:ext>
-    </p:extLst>
-  </p:cSld>
-  <p:clrMapOvr>
-    <a:masterClrMapping/>
-  </p:clrMapOvr>
-  <p:timing>
-    <p:tnLst>
-      <p:par>
-        <p:cTn id="1" dur="indefinite" restart="never" nodeType="tmRoot"/>
-      </p:par>
-    </p:tnLst>
-  </p:timing>
-</p:sld>
-</file>
-
-<file path=ppt/slides/slide9.xml><?xml version="1.0" encoding="utf-8"?>
-<p:sld xmlns:a="http://schemas.openxmlformats.org/drawingml/2006/main" xmlns:r="http://schemas.openxmlformats.org/officeDocument/2006/relationships" xmlns:p="http://schemas.openxmlformats.org/presentationml/2006/main">
-  <p:cSld>
-    <p:spTree>
-      <p:nvGrpSpPr>
-        <p:cNvPr id="1" name=""/>
-        <p:cNvGrpSpPr/>
-        <p:nvPr/>
-      </p:nvGrpSpPr>
-      <p:grpSpPr>
-        <a:xfrm>
-          <a:off x="0" y="0"/>
-          <a:ext cx="0" cy="0"/>
-          <a:chOff x="0" y="0"/>
-          <a:chExt cx="0" cy="0"/>
-        </a:xfrm>
-      </p:grpSpPr>
-      <p:sp>
-        <p:nvSpPr>
-          <p:cNvPr id="2" name="Заглавие 1"/>
-          <p:cNvSpPr>
-            <a:spLocks noGrp="1"/>
-          </p:cNvSpPr>
-          <p:nvPr>
-            <p:ph type="title"/>
-          </p:nvPr>
-        </p:nvSpPr>
-        <p:spPr/>
-        <p:txBody>
-          <a:bodyPr/>
-          <a:lstStyle/>
-          <a:p>
-            <a:r>
-              <a:rPr lang="bg-BG" dirty="0" smtClean="0"/>
-              <a:t>Резултати</a:t>
-            </a:r>
-            <a:endParaRPr lang="bg-BG" dirty="0"/>
-          </a:p>
-        </p:txBody>
-      </p:sp>
-      <p:sp>
-        <p:nvSpPr>
-          <p:cNvPr id="3" name="Контейнер за съдържание 2"/>
-          <p:cNvSpPr>
-            <a:spLocks noGrp="1"/>
-          </p:cNvSpPr>
-          <p:nvPr>
-            <p:ph idx="1"/>
-          </p:nvPr>
-        </p:nvSpPr>
-        <p:spPr>
-          <a:xfrm>
-            <a:off x="0" y="3495425"/>
-            <a:ext cx="4379495" cy="4351338"/>
-          </a:xfrm>
-        </p:spPr>
-        <p:txBody>
-          <a:bodyPr/>
-          <a:lstStyle/>
-          <a:p>
-            <a:pPr marL="0" indent="0">
-              <a:buNone/>
-            </a:pPr>
-            <a:r>
-              <a:rPr lang="en-US" dirty="0" err="1"/>
-              <a:t>Статистика</a:t>
-            </a:r>
-            <a:r>
-              <a:rPr lang="en-US" dirty="0"/>
-              <a:t> </a:t>
-            </a:r>
-            <a:r>
-              <a:rPr lang="en-US" dirty="0" err="1"/>
-              <a:t>за</a:t>
-            </a:r>
-            <a:r>
-              <a:rPr lang="en-US" dirty="0"/>
-              <a:t> </a:t>
-            </a:r>
-            <a:r>
-              <a:rPr lang="en-US" dirty="0" err="1"/>
-              <a:t>положителните</a:t>
-            </a:r>
-            <a:r>
-              <a:rPr lang="en-US" dirty="0"/>
-              <a:t> </a:t>
-            </a:r>
-            <a:r>
-              <a:rPr lang="en-US" dirty="0" err="1"/>
-              <a:t>коментари</a:t>
-            </a:r>
-            <a:endParaRPr lang="bg-BG" dirty="0"/>
-          </a:p>
-          <a:p>
-            <a:pPr marL="0" indent="0">
-              <a:buNone/>
-            </a:pPr>
-            <a:r>
-              <a:rPr lang="en-US" dirty="0"/>
-              <a:t>-------------------------------------- </a:t>
-            </a:r>
-            <a:endParaRPr lang="bg-BG" dirty="0"/>
-          </a:p>
-          <a:p>
-            <a:pPr marL="0" indent="0">
-              <a:buNone/>
-            </a:pPr>
-            <a:r>
-              <a:rPr lang="en-US" dirty="0"/>
-              <a:t>Precision positive: 0,83333 </a:t>
-            </a:r>
-            <a:endParaRPr lang="bg-BG" dirty="0"/>
-          </a:p>
-          <a:p>
-            <a:pPr marL="0" indent="0">
-              <a:buNone/>
-            </a:pPr>
-            <a:r>
-              <a:rPr lang="en-US" dirty="0"/>
-              <a:t>Recall positive: 0,50000 </a:t>
-            </a:r>
-            <a:endParaRPr lang="bg-BG" dirty="0"/>
-          </a:p>
-          <a:p>
-            <a:pPr marL="0" indent="0">
-              <a:buNone/>
-            </a:pPr>
-            <a:r>
-              <a:rPr lang="en-US" dirty="0"/>
-              <a:t>F1 positive: 0,62500 </a:t>
-            </a:r>
-            <a:endParaRPr lang="bg-BG" dirty="0"/>
-          </a:p>
-          <a:p>
-            <a:pPr marL="0" indent="0">
-              <a:buNone/>
-            </a:pPr>
-            <a:r>
-              <a:rPr lang="en-US" dirty="0"/>
-              <a:t>-------------------------------------- </a:t>
-            </a:r>
-            <a:endParaRPr lang="bg-BG" dirty="0"/>
-          </a:p>
-          <a:p>
-            <a:endParaRPr lang="bg-BG" dirty="0"/>
-          </a:p>
-        </p:txBody>
-      </p:sp>
-      <p:sp>
-        <p:nvSpPr>
-          <p:cNvPr id="7" name="Текстово поле 6"/>
-          <p:cNvSpPr txBox="1"/>
-          <p:nvPr/>
-        </p:nvSpPr>
-        <p:spPr>
-          <a:xfrm>
-            <a:off x="4235116" y="3495425"/>
-            <a:ext cx="4403558" cy="3448123"/>
-          </a:xfrm>
-          <a:prstGeom prst="rect">
-            <a:avLst/>
-          </a:prstGeom>
-          <a:noFill/>
-        </p:spPr>
-        <p:txBody>
-          <a:bodyPr wrap="square" rtlCol="0">
-            <a:spAutoFit/>
-          </a:bodyPr>
-          <a:lstStyle/>
-          <a:p>
-            <a:pPr>
-              <a:lnSpc>
-                <a:spcPct val="90000"/>
-              </a:lnSpc>
-              <a:spcBef>
-                <a:spcPts val="1000"/>
-              </a:spcBef>
-            </a:pPr>
-            <a:r>
-              <a:rPr lang="en-US" sz="2800" dirty="0" err="1"/>
-              <a:t>Статистика</a:t>
-            </a:r>
-            <a:r>
-              <a:rPr lang="en-US" sz="2800" dirty="0"/>
-              <a:t> </a:t>
-            </a:r>
-            <a:r>
-              <a:rPr lang="en-US" sz="2800" dirty="0" err="1"/>
-              <a:t>за</a:t>
-            </a:r>
-            <a:r>
-              <a:rPr lang="en-US" sz="2800" dirty="0"/>
-              <a:t> </a:t>
-            </a:r>
-            <a:r>
-              <a:rPr lang="en-US" sz="2800" dirty="0" err="1"/>
-              <a:t>негативните</a:t>
-            </a:r>
-            <a:r>
-              <a:rPr lang="en-US" sz="2800" dirty="0"/>
-              <a:t> </a:t>
-            </a:r>
-            <a:r>
-              <a:rPr lang="en-US" sz="2800" dirty="0" err="1"/>
-              <a:t>коментари</a:t>
-            </a:r>
-            <a:endParaRPr lang="bg-BG" sz="2800" dirty="0"/>
-          </a:p>
-          <a:p>
-            <a:pPr>
-              <a:lnSpc>
-                <a:spcPct val="90000"/>
-              </a:lnSpc>
-              <a:spcBef>
-                <a:spcPts val="1000"/>
-              </a:spcBef>
-            </a:pPr>
-            <a:r>
-              <a:rPr lang="en-US" sz="2800" dirty="0" smtClean="0"/>
-              <a:t>------------------------------------ </a:t>
-            </a:r>
-            <a:endParaRPr lang="bg-BG" sz="2800" dirty="0"/>
-          </a:p>
-          <a:p>
-            <a:pPr>
-              <a:lnSpc>
-                <a:spcPct val="90000"/>
-              </a:lnSpc>
-              <a:spcBef>
-                <a:spcPts val="1000"/>
-              </a:spcBef>
-            </a:pPr>
-            <a:r>
-              <a:rPr lang="en-US" sz="2800" dirty="0"/>
-              <a:t>Precision negative: 0,56140 </a:t>
-            </a:r>
-            <a:endParaRPr lang="bg-BG" sz="2800" dirty="0"/>
-          </a:p>
-          <a:p>
-            <a:pPr>
-              <a:lnSpc>
-                <a:spcPct val="90000"/>
-              </a:lnSpc>
-              <a:spcBef>
-                <a:spcPts val="1000"/>
-              </a:spcBef>
-            </a:pPr>
-            <a:r>
-              <a:rPr lang="en-US" sz="2800" dirty="0"/>
-              <a:t>Recall negative: 0,86486 </a:t>
-            </a:r>
-            <a:endParaRPr lang="bg-BG" sz="2800" dirty="0"/>
-          </a:p>
-          <a:p>
-            <a:pPr>
-              <a:lnSpc>
-                <a:spcPct val="90000"/>
-              </a:lnSpc>
-              <a:spcBef>
-                <a:spcPts val="1000"/>
-              </a:spcBef>
-            </a:pPr>
-            <a:r>
-              <a:rPr lang="en-US" sz="2800" dirty="0"/>
-              <a:t>F1 negative: 0,68085 </a:t>
-            </a:r>
-            <a:endParaRPr lang="bg-BG" sz="2800" dirty="0"/>
-          </a:p>
-          <a:p>
-            <a:pPr>
-              <a:lnSpc>
-                <a:spcPct val="90000"/>
-              </a:lnSpc>
-              <a:spcBef>
-                <a:spcPts val="1000"/>
-              </a:spcBef>
-            </a:pPr>
-            <a:r>
-              <a:rPr lang="en-US" sz="2800" dirty="0" smtClean="0"/>
-              <a:t>------------------------------------ </a:t>
-            </a:r>
-            <a:endParaRPr lang="bg-BG" sz="2800" dirty="0"/>
-          </a:p>
-        </p:txBody>
-      </p:sp>
-      <p:sp>
-        <p:nvSpPr>
-          <p:cNvPr id="8" name="Текстово поле 7"/>
-          <p:cNvSpPr txBox="1"/>
-          <p:nvPr/>
-        </p:nvSpPr>
-        <p:spPr>
-          <a:xfrm>
-            <a:off x="8325852" y="3495425"/>
-            <a:ext cx="4259179" cy="3725122"/>
-          </a:xfrm>
-          <a:prstGeom prst="rect">
-            <a:avLst/>
-          </a:prstGeom>
-          <a:noFill/>
-        </p:spPr>
-        <p:txBody>
-          <a:bodyPr wrap="square" rtlCol="0">
-            <a:spAutoFit/>
-          </a:bodyPr>
-          <a:lstStyle/>
-          <a:p>
-            <a:pPr>
-              <a:lnSpc>
-                <a:spcPct val="90000"/>
-              </a:lnSpc>
-              <a:spcBef>
-                <a:spcPts val="1000"/>
-              </a:spcBef>
-            </a:pPr>
-            <a:r>
-              <a:rPr lang="en-US" sz="2800" dirty="0" err="1"/>
-              <a:t>Статистика</a:t>
-            </a:r>
-            <a:r>
-              <a:rPr lang="en-US" sz="2800" dirty="0"/>
-              <a:t> </a:t>
-            </a:r>
-            <a:r>
-              <a:rPr lang="en-US" sz="2800" dirty="0" err="1"/>
-              <a:t>за</a:t>
-            </a:r>
-            <a:r>
-              <a:rPr lang="en-US" sz="2800" dirty="0"/>
-              <a:t> </a:t>
-            </a:r>
-            <a:r>
-              <a:rPr lang="en-US" sz="2800" dirty="0" err="1"/>
-              <a:t>всички</a:t>
-            </a:r>
-            <a:r>
-              <a:rPr lang="en-US" sz="2800" dirty="0"/>
-              <a:t> </a:t>
-            </a:r>
-            <a:r>
-              <a:rPr lang="en-US" sz="2800" dirty="0" err="1"/>
-              <a:t>коментари</a:t>
-            </a:r>
-            <a:endParaRPr lang="bg-BG" sz="2800" dirty="0"/>
-          </a:p>
-          <a:p>
-            <a:pPr>
-              <a:lnSpc>
-                <a:spcPct val="90000"/>
-              </a:lnSpc>
-              <a:spcBef>
-                <a:spcPts val="1000"/>
-              </a:spcBef>
-            </a:pPr>
-            <a:r>
-              <a:rPr lang="en-US" sz="2800" dirty="0" smtClean="0"/>
-              <a:t>--------------------------------- </a:t>
-            </a:r>
-            <a:endParaRPr lang="bg-BG" sz="2800" dirty="0"/>
-          </a:p>
-          <a:p>
-            <a:pPr>
-              <a:lnSpc>
-                <a:spcPct val="90000"/>
-              </a:lnSpc>
-              <a:spcBef>
-                <a:spcPts val="1000"/>
-              </a:spcBef>
-            </a:pPr>
-            <a:r>
-              <a:rPr lang="en-US" sz="2800" dirty="0"/>
-              <a:t>Precision overall : 0,65517 </a:t>
-            </a:r>
-            <a:endParaRPr lang="bg-BG" sz="2800" dirty="0"/>
-          </a:p>
-          <a:p>
-            <a:pPr>
-              <a:lnSpc>
-                <a:spcPct val="90000"/>
-              </a:lnSpc>
-              <a:spcBef>
-                <a:spcPts val="1000"/>
-              </a:spcBef>
-            </a:pPr>
-            <a:r>
-              <a:rPr lang="en-US" sz="2800" dirty="0"/>
-              <a:t>Recall overall : 0,65517 </a:t>
-            </a:r>
-            <a:endParaRPr lang="bg-BG" sz="2800" dirty="0"/>
-          </a:p>
-          <a:p>
-            <a:pPr>
-              <a:lnSpc>
-                <a:spcPct val="90000"/>
-              </a:lnSpc>
-              <a:spcBef>
-                <a:spcPts val="1000"/>
-              </a:spcBef>
-            </a:pPr>
-            <a:r>
-              <a:rPr lang="en-US" sz="2800" dirty="0"/>
-              <a:t>F1 overall : 0,65517 </a:t>
-            </a:r>
-            <a:endParaRPr lang="bg-BG" sz="2800" dirty="0"/>
-          </a:p>
-          <a:p>
-            <a:pPr>
-              <a:lnSpc>
-                <a:spcPct val="90000"/>
-              </a:lnSpc>
-              <a:spcBef>
-                <a:spcPts val="1000"/>
-              </a:spcBef>
-            </a:pPr>
-            <a:r>
-              <a:rPr lang="en-US" sz="2800" dirty="0" smtClean="0"/>
-              <a:t>--------------------------------- </a:t>
-            </a:r>
-            <a:endParaRPr lang="bg-BG" sz="2800" dirty="0"/>
-          </a:p>
-          <a:p>
-            <a:endParaRPr lang="bg-BG" dirty="0"/>
-          </a:p>
-        </p:txBody>
-      </p:sp>
-      <p:sp>
-        <p:nvSpPr>
-          <p:cNvPr id="9" name="Текстово поле 8"/>
-          <p:cNvSpPr txBox="1"/>
-          <p:nvPr/>
-        </p:nvSpPr>
-        <p:spPr>
-          <a:xfrm>
-            <a:off x="539416" y="1352134"/>
-            <a:ext cx="11113168" cy="954107"/>
-          </a:xfrm>
-          <a:prstGeom prst="rect">
-            <a:avLst/>
-          </a:prstGeom>
-          <a:noFill/>
-        </p:spPr>
-        <p:txBody>
-          <a:bodyPr wrap="square" rtlCol="0">
-            <a:spAutoFit/>
-          </a:bodyPr>
-          <a:lstStyle/>
-          <a:p>
-            <a:pPr marL="457200" indent="-457200">
-              <a:buFont typeface="Arial" panose="020B0604020202020204" pitchFamily="34" charset="0"/>
-              <a:buChar char="•"/>
-            </a:pPr>
-            <a:r>
-              <a:rPr lang="bg-BG" sz="2800" dirty="0"/>
-              <a:t>Тестване с коментари върху класификатора, трениран с обучаващо множество на български език от версия 1 (170 коментара) :</a:t>
-            </a:r>
-          </a:p>
-        </p:txBody>
-      </p:sp>
-      <p:pic>
-        <p:nvPicPr>
-          <p:cNvPr id="10" name="Картина 9"/>
-          <p:cNvPicPr>
-            <a:picLocks noChangeAspect="1"/>
-          </p:cNvPicPr>
-          <p:nvPr/>
-        </p:nvPicPr>
-        <p:blipFill>
-          <a:blip r:embed="rId2">
-            <a:extLst>
-              <a:ext uri="{28A0092B-C50C-407E-A947-70E740481C1C}">
-                <a14:useLocalDpi xmlns:a14="http://schemas.microsoft.com/office/drawing/2010/main" val="0"/>
-              </a:ext>
-            </a:extLst>
-          </a:blip>
-          <a:stretch>
-            <a:fillRect/>
-          </a:stretch>
-        </p:blipFill>
-        <p:spPr>
-          <a:xfrm>
-            <a:off x="9964152" y="1829187"/>
-            <a:ext cx="1688432" cy="1688432"/>
-          </a:xfrm>
-          <a:prstGeom prst="rect">
-            <a:avLst/>
-          </a:prstGeom>
-        </p:spPr>
-      </p:pic>
-    </p:spTree>
-    <p:extLst>
-      <p:ext uri="{BB962C8B-B14F-4D97-AF65-F5344CB8AC3E}">
-        <p14:creationId xmlns:p14="http://schemas.microsoft.com/office/powerpoint/2010/main" val="3915308906"/>
       </p:ext>
     </p:extLst>
   </p:cSld>
@@ -7626,4 +8760,265 @@
     </a:ext>
   </a:extLst>
 </a:theme>
+</file>
+
+<file path=ppt/theme/theme2.xml><?xml version="1.0" encoding="utf-8"?>
+<a:theme xmlns:a="http://schemas.openxmlformats.org/drawingml/2006/main" name="Тема на Office">
+  <a:themeElements>
+    <a:clrScheme name="Оffice">
+      <a:dk1>
+        <a:sysClr val="windowText" lastClr="000000"/>
+      </a:dk1>
+      <a:lt1>
+        <a:sysClr val="window" lastClr="FFFFFF"/>
+      </a:lt1>
+      <a:dk2>
+        <a:srgbClr val="44546A"/>
+      </a:dk2>
+      <a:lt2>
+        <a:srgbClr val="E7E6E6"/>
+      </a:lt2>
+      <a:accent1>
+        <a:srgbClr val="5B9BD5"/>
+      </a:accent1>
+      <a:accent2>
+        <a:srgbClr val="ED7D31"/>
+      </a:accent2>
+      <a:accent3>
+        <a:srgbClr val="A5A5A5"/>
+      </a:accent3>
+      <a:accent4>
+        <a:srgbClr val="FFC000"/>
+      </a:accent4>
+      <a:accent5>
+        <a:srgbClr val="4472C4"/>
+      </a:accent5>
+      <a:accent6>
+        <a:srgbClr val="70AD47"/>
+      </a:accent6>
+      <a:hlink>
+        <a:srgbClr val="0563C1"/>
+      </a:hlink>
+      <a:folHlink>
+        <a:srgbClr val="954F72"/>
+      </a:folHlink>
+    </a:clrScheme>
+    <a:fontScheme name="Оffice">
+      <a:majorFont>
+        <a:latin typeface="Calibri Light" panose="020F0302020204030204"/>
+        <a:ea typeface=""/>
+        <a:cs typeface=""/>
+        <a:font script="Jpan" typeface="游ゴシック Light"/>
+        <a:font script="Hang" typeface="맑은 고딕"/>
+        <a:font script="Hans" typeface="等线 Light"/>
+        <a:font script="Hant" typeface="新細明體"/>
+        <a:font script="Arab" typeface="Times New Roman"/>
+        <a:font script="Hebr" typeface="Times New Roman"/>
+        <a:font script="Thai" typeface="Angsana New"/>
+        <a:font script="Ethi" typeface="Nyala"/>
+        <a:font script="Beng" typeface="Vrinda"/>
+        <a:font script="Gujr" typeface="Shruti"/>
+        <a:font script="Khmr" typeface="MoolBoran"/>
+        <a:font script="Knda" typeface="Tunga"/>
+        <a:font script="Guru" typeface="Raavi"/>
+        <a:font script="Cans" typeface="Euphemia"/>
+        <a:font script="Cher" typeface="Plantagenet Cherokee"/>
+        <a:font script="Yiii" typeface="Microsoft Yi Baiti"/>
+        <a:font script="Tibt" typeface="Microsoft Himalaya"/>
+        <a:font script="Thaa" typeface="MV Boli"/>
+        <a:font script="Deva" typeface="Mangal"/>
+        <a:font script="Telu" typeface="Gautami"/>
+        <a:font script="Taml" typeface="Latha"/>
+        <a:font script="Syrc" typeface="Estrangelo Edessa"/>
+        <a:font script="Orya" typeface="Kalinga"/>
+        <a:font script="Mlym" typeface="Kartika"/>
+        <a:font script="Laoo" typeface="DokChampa"/>
+        <a:font script="Sinh" typeface="Iskoola Pota"/>
+        <a:font script="Mong" typeface="Mongolian Baiti"/>
+        <a:font script="Viet" typeface="Times New Roman"/>
+        <a:font script="Uigh" typeface="Microsoft Uighur"/>
+        <a:font script="Geor" typeface="Sylfaen"/>
+      </a:majorFont>
+      <a:minorFont>
+        <a:latin typeface="Calibri" panose="020F0502020204030204"/>
+        <a:ea typeface=""/>
+        <a:cs typeface=""/>
+        <a:font script="Jpan" typeface="游ゴシック"/>
+        <a:font script="Hang" typeface="맑은 고딕"/>
+        <a:font script="Hans" typeface="等线"/>
+        <a:font script="Hant" typeface="新細明體"/>
+        <a:font script="Arab" typeface="Arial"/>
+        <a:font script="Hebr" typeface="Arial"/>
+        <a:font script="Thai" typeface="Cordia New"/>
+        <a:font script="Ethi" typeface="Nyala"/>
+        <a:font script="Beng" typeface="Vrinda"/>
+        <a:font script="Gujr" typeface="Shruti"/>
+        <a:font script="Khmr" typeface="DaunPenh"/>
+        <a:font script="Knda" typeface="Tunga"/>
+        <a:font script="Guru" typeface="Raavi"/>
+        <a:font script="Cans" typeface="Euphemia"/>
+        <a:font script="Cher" typeface="Plantagenet Cherokee"/>
+        <a:font script="Yiii" typeface="Microsoft Yi Baiti"/>
+        <a:font script="Tibt" typeface="Microsoft Himalaya"/>
+        <a:font script="Thaa" typeface="MV Boli"/>
+        <a:font script="Deva" typeface="Mangal"/>
+        <a:font script="Telu" typeface="Gautami"/>
+        <a:font script="Taml" typeface="Latha"/>
+        <a:font script="Syrc" typeface="Estrangelo Edessa"/>
+        <a:font script="Orya" typeface="Kalinga"/>
+        <a:font script="Mlym" typeface="Kartika"/>
+        <a:font script="Laoo" typeface="DokChampa"/>
+        <a:font script="Sinh" typeface="Iskoola Pota"/>
+        <a:font script="Mong" typeface="Mongolian Baiti"/>
+        <a:font script="Viet" typeface="Arial"/>
+        <a:font script="Uigh" typeface="Microsoft Uighur"/>
+        <a:font script="Geor" typeface="Sylfaen"/>
+      </a:minorFont>
+    </a:fontScheme>
+    <a:fmtScheme name="Оffice">
+      <a:fillStyleLst>
+        <a:solidFill>
+          <a:schemeClr val="phClr"/>
+        </a:solidFill>
+        <a:gradFill rotWithShape="1">
+          <a:gsLst>
+            <a:gs pos="0">
+              <a:schemeClr val="phClr">
+                <a:lumMod val="110000"/>
+                <a:satMod val="105000"/>
+                <a:tint val="67000"/>
+              </a:schemeClr>
+            </a:gs>
+            <a:gs pos="50000">
+              <a:schemeClr val="phClr">
+                <a:lumMod val="105000"/>
+                <a:satMod val="103000"/>
+                <a:tint val="73000"/>
+              </a:schemeClr>
+            </a:gs>
+            <a:gs pos="100000">
+              <a:schemeClr val="phClr">
+                <a:lumMod val="105000"/>
+                <a:satMod val="109000"/>
+                <a:tint val="81000"/>
+              </a:schemeClr>
+            </a:gs>
+          </a:gsLst>
+          <a:lin ang="5400000" scaled="0"/>
+        </a:gradFill>
+        <a:gradFill rotWithShape="1">
+          <a:gsLst>
+            <a:gs pos="0">
+              <a:schemeClr val="phClr">
+                <a:satMod val="103000"/>
+                <a:lumMod val="102000"/>
+                <a:tint val="94000"/>
+              </a:schemeClr>
+            </a:gs>
+            <a:gs pos="50000">
+              <a:schemeClr val="phClr">
+                <a:satMod val="110000"/>
+                <a:lumMod val="100000"/>
+                <a:shade val="100000"/>
+              </a:schemeClr>
+            </a:gs>
+            <a:gs pos="100000">
+              <a:schemeClr val="phClr">
+                <a:lumMod val="99000"/>
+                <a:satMod val="120000"/>
+                <a:shade val="78000"/>
+              </a:schemeClr>
+            </a:gs>
+          </a:gsLst>
+          <a:lin ang="5400000" scaled="0"/>
+        </a:gradFill>
+      </a:fillStyleLst>
+      <a:lnStyleLst>
+        <a:ln w="6350" cap="flat" cmpd="sng" algn="ctr">
+          <a:solidFill>
+            <a:schemeClr val="phClr"/>
+          </a:solidFill>
+          <a:prstDash val="solid"/>
+          <a:miter lim="800000"/>
+        </a:ln>
+        <a:ln w="12700" cap="flat" cmpd="sng" algn="ctr">
+          <a:solidFill>
+            <a:schemeClr val="phClr"/>
+          </a:solidFill>
+          <a:prstDash val="solid"/>
+          <a:miter lim="800000"/>
+        </a:ln>
+        <a:ln w="19050" cap="flat" cmpd="sng" algn="ctr">
+          <a:solidFill>
+            <a:schemeClr val="phClr"/>
+          </a:solidFill>
+          <a:prstDash val="solid"/>
+          <a:miter lim="800000"/>
+        </a:ln>
+      </a:lnStyleLst>
+      <a:effectStyleLst>
+        <a:effectStyle>
+          <a:effectLst/>
+        </a:effectStyle>
+        <a:effectStyle>
+          <a:effectLst/>
+        </a:effectStyle>
+        <a:effectStyle>
+          <a:effectLst>
+            <a:outerShdw blurRad="57150" dist="19050" dir="5400000" algn="ctr" rotWithShape="0">
+              <a:srgbClr val="000000">
+                <a:alpha val="63000"/>
+              </a:srgbClr>
+            </a:outerShdw>
+          </a:effectLst>
+        </a:effectStyle>
+      </a:effectStyleLst>
+      <a:bgFillStyleLst>
+        <a:solidFill>
+          <a:schemeClr val="phClr"/>
+        </a:solidFill>
+        <a:solidFill>
+          <a:schemeClr val="phClr">
+            <a:tint val="95000"/>
+            <a:satMod val="170000"/>
+          </a:schemeClr>
+        </a:solidFill>
+        <a:gradFill rotWithShape="1">
+          <a:gsLst>
+            <a:gs pos="0">
+              <a:schemeClr val="phClr">
+                <a:tint val="93000"/>
+                <a:satMod val="150000"/>
+                <a:shade val="98000"/>
+                <a:lumMod val="102000"/>
+              </a:schemeClr>
+            </a:gs>
+            <a:gs pos="50000">
+              <a:schemeClr val="phClr">
+                <a:tint val="98000"/>
+                <a:satMod val="130000"/>
+                <a:shade val="90000"/>
+                <a:lumMod val="103000"/>
+              </a:schemeClr>
+            </a:gs>
+            <a:gs pos="100000">
+              <a:schemeClr val="phClr">
+                <a:shade val="63000"/>
+                <a:satMod val="120000"/>
+              </a:schemeClr>
+            </a:gs>
+          </a:gsLst>
+          <a:lin ang="5400000" scaled="0"/>
+        </a:gradFill>
+      </a:bgFillStyleLst>
+    </a:fmtScheme>
+  </a:themeElements>
+  <a:objectDefaults/>
+  <a:extraClrSchemeLst/>
+  <a:extLst>
+    <a:ext uri="{05A4C25C-085E-4340-85A3-A5531E510DB2}">
+      <thm15:themeFamily xmlns:thm15="http://schemas.microsoft.com/office/thememl/2012/main" name="Office Theme" id="{62F939B6-93AF-4DB8-9C6B-D6C7DFDC589F}" vid="{4A3C46E8-61CC-4603-A589-7422A47A8E4A}"/>
+    </a:ext>
+  </a:extLst>
+</a:theme>
 </file>